--- a/doc/05_Design/praesentation_ms3.pptx
+++ b/doc/05_Design/praesentation_ms3.pptx
@@ -8800,7 +8800,6 @@
               <a:rPr lang="de-CH" dirty="0" smtClean="0"/>
               <a:t>weiter aufzuteilen</a:t>
             </a:r>
-            <a:endParaRPr lang="de-CH" dirty="0" smtClean="0"/>
           </a:p>
           <a:p>
             <a:r>
@@ -10645,11 +10644,7 @@
           <a:p>
             <a:r>
               <a:rPr lang="de-CH" dirty="0" smtClean="0"/>
-              <a:t>Programm </a:t>
-            </a:r>
-            <a:r>
-              <a:rPr lang="de-CH" dirty="0" smtClean="0"/>
-              <a:t>starten</a:t>
+              <a:t>Programm starten</a:t>
             </a:r>
           </a:p>
           <a:p>
@@ -10698,11 +10693,7 @@
           <a:p>
             <a:r>
               <a:rPr lang="de-CH" dirty="0" smtClean="0"/>
-              <a:t>3 </a:t>
-            </a:r>
-            <a:r>
-              <a:rPr lang="de-CH" dirty="0" smtClean="0"/>
-              <a:t>Stundeneinträge erstellen (</a:t>
+              <a:t>3 Stundeneinträge erstellen (</a:t>
             </a:r>
             <a:r>
               <a:rPr lang="de-CH" dirty="0" err="1" smtClean="0"/>
@@ -11467,13 +11458,8 @@
             </a:r>
             <a:r>
               <a:rPr lang="de-CH" dirty="0" smtClean="0"/>
-              <a:t>ist </a:t>
-            </a:r>
-            <a:r>
-              <a:rPr lang="de-CH" dirty="0" smtClean="0"/>
-              <a:t>geplant</a:t>
-            </a:r>
-            <a:endParaRPr lang="de-CH" dirty="0" smtClean="0"/>
+              <a:t>ist geplant</a:t>
+            </a:r>
           </a:p>
           <a:p>
             <a:r>
@@ -11495,7 +11481,15 @@
             <a:pPr lvl="1"/>
             <a:r>
               <a:rPr lang="de-CH" dirty="0" smtClean="0"/>
-              <a:t>Als Tag v0.1 im SVN</a:t>
+              <a:t>Als Tag </a:t>
+            </a:r>
+            <a:r>
+              <a:rPr lang="de-CH" dirty="0" smtClean="0"/>
+              <a:t>V0.1 </a:t>
+            </a:r>
+            <a:r>
+              <a:rPr lang="de-CH" dirty="0" smtClean="0"/>
+              <a:t>im SVN</a:t>
             </a:r>
           </a:p>
           <a:p>
@@ -12205,13 +12199,8 @@
             </a:pPr>
             <a:r>
               <a:rPr lang="de-CH" dirty="0" smtClean="0"/>
-              <a:t>Bereinigtes Risiko in Elaboration </a:t>
-            </a:r>
-            <a:r>
-              <a:rPr lang="de-CH" dirty="0" smtClean="0"/>
-              <a:t>Phase</a:t>
-            </a:r>
-            <a:endParaRPr lang="de-CH" dirty="0" smtClean="0"/>
+              <a:t>Bereinigtes Risiko in Elaboration Phase</a:t>
+            </a:r>
           </a:p>
           <a:p>
             <a:pPr lvl="1">
@@ -12310,13 +12299,8 @@
             </a:r>
             <a:r>
               <a:rPr lang="de-CH" dirty="0" smtClean="0"/>
-              <a:t>ist </a:t>
-            </a:r>
-            <a:r>
-              <a:rPr lang="de-CH" dirty="0" smtClean="0"/>
-              <a:t>bewiesen</a:t>
-            </a:r>
-            <a:endParaRPr lang="de-CH" dirty="0" smtClean="0"/>
+              <a:t>ist bewiesen</a:t>
+            </a:r>
           </a:p>
           <a:p>
             <a:r>
@@ -12340,7 +12324,6 @@
               <a:rPr lang="de-CH" dirty="0" smtClean="0"/>
               <a:t>Track</a:t>
             </a:r>
-            <a:endParaRPr lang="de-CH" dirty="0" smtClean="0"/>
           </a:p>
           <a:p>
             <a:r>

--- a/doc/05_Design/praesentation_ms3.pptx
+++ b/doc/05_Design/praesentation_ms3.pptx
@@ -225,7 +225,7 @@
           <a:p>
             <a:fld id="{2E2FE562-B4A7-4691-93A6-AE6376F8EF26}" type="datetimeFigureOut">
               <a:rPr lang="de-CH" smtClean="0"/>
-              <a:t>13.04.2011</a:t>
+              <a:t>14.04.2011</a:t>
             </a:fld>
             <a:endParaRPr lang="de-CH"/>
           </a:p>
@@ -4372,7 +4372,7 @@
           <a:p>
             <a:fld id="{1BA50D42-C9CD-4801-B293-61D1F53EC57E}" type="datetimeFigureOut">
               <a:rPr lang="de-DE" smtClean="0"/>
-              <a:t>13.04.2011</a:t>
+              <a:t>14.04.2011</a:t>
             </a:fld>
             <a:endParaRPr lang="de-DE"/>
           </a:p>
@@ -4655,7 +4655,7 @@
           <a:p>
             <a:fld id="{1BA50D42-C9CD-4801-B293-61D1F53EC57E}" type="datetimeFigureOut">
               <a:rPr lang="de-DE" smtClean="0"/>
-              <a:t>13.04.2011</a:t>
+              <a:t>14.04.2011</a:t>
             </a:fld>
             <a:endParaRPr lang="de-DE"/>
           </a:p>
@@ -4841,7 +4841,7 @@
           <a:p>
             <a:fld id="{1BA50D42-C9CD-4801-B293-61D1F53EC57E}" type="datetimeFigureOut">
               <a:rPr lang="de-DE" smtClean="0"/>
-              <a:t>13.04.2011</a:t>
+              <a:t>14.04.2011</a:t>
             </a:fld>
             <a:endParaRPr lang="de-DE"/>
           </a:p>
@@ -4999,7 +4999,7 @@
           <a:p>
             <a:fld id="{1BA50D42-C9CD-4801-B293-61D1F53EC57E}" type="datetimeFigureOut">
               <a:rPr lang="de-DE" smtClean="0"/>
-              <a:t>13.04.2011</a:t>
+              <a:t>14.04.2011</a:t>
             </a:fld>
             <a:endParaRPr lang="de-DE"/>
           </a:p>
@@ -5262,7 +5262,7 @@
           <a:p>
             <a:fld id="{1BA50D42-C9CD-4801-B293-61D1F53EC57E}" type="datetimeFigureOut">
               <a:rPr lang="de-DE" smtClean="0"/>
-              <a:t>13.04.2011</a:t>
+              <a:t>14.04.2011</a:t>
             </a:fld>
             <a:endParaRPr lang="de-DE"/>
           </a:p>
@@ -5679,7 +5679,7 @@
           <a:p>
             <a:fld id="{1BA50D42-C9CD-4801-B293-61D1F53EC57E}" type="datetimeFigureOut">
               <a:rPr lang="de-DE" smtClean="0"/>
-              <a:t>13.04.2011</a:t>
+              <a:t>14.04.2011</a:t>
             </a:fld>
             <a:endParaRPr lang="de-DE"/>
           </a:p>
@@ -6126,7 +6126,7 @@
           <a:p>
             <a:fld id="{1BA50D42-C9CD-4801-B293-61D1F53EC57E}" type="datetimeFigureOut">
               <a:rPr lang="de-DE" smtClean="0"/>
-              <a:t>13.04.2011</a:t>
+              <a:t>14.04.2011</a:t>
             </a:fld>
             <a:endParaRPr lang="de-DE"/>
           </a:p>
@@ -6235,7 +6235,7 @@
           <a:p>
             <a:fld id="{1BA50D42-C9CD-4801-B293-61D1F53EC57E}" type="datetimeFigureOut">
               <a:rPr lang="de-DE" smtClean="0"/>
-              <a:t>13.04.2011</a:t>
+              <a:t>14.04.2011</a:t>
             </a:fld>
             <a:endParaRPr lang="de-DE"/>
           </a:p>
@@ -6357,7 +6357,7 @@
           <a:p>
             <a:fld id="{1BA50D42-C9CD-4801-B293-61D1F53EC57E}" type="datetimeFigureOut">
               <a:rPr lang="de-DE" smtClean="0"/>
-              <a:t>13.04.2011</a:t>
+              <a:t>14.04.2011</a:t>
             </a:fld>
             <a:endParaRPr lang="de-DE"/>
           </a:p>
@@ -6639,7 +6639,7 @@
           <a:p>
             <a:fld id="{1BA50D42-C9CD-4801-B293-61D1F53EC57E}" type="datetimeFigureOut">
               <a:rPr lang="de-DE" smtClean="0"/>
-              <a:t>13.04.2011</a:t>
+              <a:t>14.04.2011</a:t>
             </a:fld>
             <a:endParaRPr lang="de-DE"/>
           </a:p>
@@ -6845,7 +6845,7 @@
           <a:p>
             <a:fld id="{1BA50D42-C9CD-4801-B293-61D1F53EC57E}" type="datetimeFigureOut">
               <a:rPr lang="de-DE" smtClean="0"/>
-              <a:t>13.04.2011</a:t>
+              <a:t>14.04.2011</a:t>
             </a:fld>
             <a:endParaRPr lang="de-DE"/>
           </a:p>
@@ -7955,7 +7955,7 @@
           <a:p>
             <a:fld id="{1BA50D42-C9CD-4801-B293-61D1F53EC57E}" type="datetimeFigureOut">
               <a:rPr lang="de-DE" smtClean="0"/>
-              <a:t>13.04.2011</a:t>
+              <a:t>14.04.2011</a:t>
             </a:fld>
             <a:endParaRPr lang="de-DE"/>
           </a:p>
@@ -11481,15 +11481,7 @@
             <a:pPr lvl="1"/>
             <a:r>
               <a:rPr lang="de-CH" dirty="0" smtClean="0"/>
-              <a:t>Als Tag </a:t>
-            </a:r>
-            <a:r>
-              <a:rPr lang="de-CH" dirty="0" smtClean="0"/>
-              <a:t>V0.1 </a:t>
-            </a:r>
-            <a:r>
-              <a:rPr lang="de-CH" dirty="0" smtClean="0"/>
-              <a:t>im SVN</a:t>
+              <a:t>Als Tag V0.1 im SVN</a:t>
             </a:r>
           </a:p>
           <a:p>
@@ -13036,16 +13028,36 @@
               <a:rPr lang="de-CH" dirty="0" smtClean="0">
                 <a:sym typeface="Wingdings" pitchFamily="2" charset="2"/>
               </a:rPr>
-              <a:t> DB  Netz-</a:t>
-            </a:r>
-          </a:p>
-          <a:p>
-            <a:pPr lvl="1"/>
+              <a:t> DB </a:t>
+            </a:r>
+            <a:r>
+              <a:rPr lang="de-CH" smtClean="0">
+                <a:sym typeface="Wingdings" pitchFamily="2" charset="2"/>
+              </a:rPr>
+              <a:t> </a:t>
+            </a:r>
+            <a:r>
+              <a:rPr lang="de-CH" smtClean="0">
+                <a:sym typeface="Wingdings" pitchFamily="2" charset="2"/>
+              </a:rPr>
+              <a:t>Netz-</a:t>
+            </a:r>
+            <a:br>
+              <a:rPr lang="de-CH" smtClean="0">
+                <a:sym typeface="Wingdings" pitchFamily="2" charset="2"/>
+              </a:rPr>
+            </a:br>
+            <a:r>
+              <a:rPr lang="de-CH" smtClean="0">
+                <a:sym typeface="Wingdings" pitchFamily="2" charset="2"/>
+              </a:rPr>
+              <a:t>werk </a:t>
+            </a:r>
             <a:r>
               <a:rPr lang="de-CH" dirty="0" smtClean="0">
                 <a:sym typeface="Wingdings" pitchFamily="2" charset="2"/>
               </a:rPr>
-              <a:t>werk  Server DB </a:t>
+              <a:t> Server DB </a:t>
             </a:r>
             <a:r>
               <a:rPr lang="de-CH" dirty="0">

--- a/doc/05_Design/praesentation_ms3.pptx
+++ b/doc/05_Design/praesentation_ms3.pptx
@@ -5,7 +5,7 @@
     <p:sldMasterId id="2147483660" r:id="rId1"/>
   </p:sldMasterIdLst>
   <p:notesMasterIdLst>
-    <p:notesMasterId r:id="rId36"/>
+    <p:notesMasterId r:id="rId34"/>
   </p:notesMasterIdLst>
   <p:sldIdLst>
     <p:sldId id="256" r:id="rId2"/>
@@ -14,34 +14,32 @@
     <p:sldId id="259" r:id="rId5"/>
     <p:sldId id="263" r:id="rId6"/>
     <p:sldId id="262" r:id="rId7"/>
-    <p:sldId id="282" r:id="rId8"/>
-    <p:sldId id="260" r:id="rId9"/>
-    <p:sldId id="261" r:id="rId10"/>
-    <p:sldId id="264" r:id="rId11"/>
-    <p:sldId id="265" r:id="rId12"/>
+    <p:sldId id="260" r:id="rId8"/>
+    <p:sldId id="261" r:id="rId9"/>
+    <p:sldId id="264" r:id="rId10"/>
+    <p:sldId id="265" r:id="rId11"/>
+    <p:sldId id="295" r:id="rId12"/>
     <p:sldId id="273" r:id="rId13"/>
-    <p:sldId id="281" r:id="rId14"/>
-    <p:sldId id="267" r:id="rId15"/>
-    <p:sldId id="275" r:id="rId16"/>
-    <p:sldId id="266" r:id="rId17"/>
-    <p:sldId id="268" r:id="rId18"/>
-    <p:sldId id="289" r:id="rId19"/>
-    <p:sldId id="274" r:id="rId20"/>
-    <p:sldId id="271" r:id="rId21"/>
-    <p:sldId id="291" r:id="rId22"/>
-    <p:sldId id="293" r:id="rId23"/>
-    <p:sldId id="292" r:id="rId24"/>
-    <p:sldId id="288" r:id="rId25"/>
-    <p:sldId id="285" r:id="rId26"/>
-    <p:sldId id="286" r:id="rId27"/>
-    <p:sldId id="287" r:id="rId28"/>
-    <p:sldId id="272" r:id="rId29"/>
-    <p:sldId id="276" r:id="rId30"/>
-    <p:sldId id="294" r:id="rId31"/>
-    <p:sldId id="277" r:id="rId32"/>
-    <p:sldId id="279" r:id="rId33"/>
-    <p:sldId id="283" r:id="rId34"/>
-    <p:sldId id="280" r:id="rId35"/>
+    <p:sldId id="267" r:id="rId14"/>
+    <p:sldId id="275" r:id="rId15"/>
+    <p:sldId id="266" r:id="rId16"/>
+    <p:sldId id="289" r:id="rId17"/>
+    <p:sldId id="274" r:id="rId18"/>
+    <p:sldId id="271" r:id="rId19"/>
+    <p:sldId id="291" r:id="rId20"/>
+    <p:sldId id="293" r:id="rId21"/>
+    <p:sldId id="292" r:id="rId22"/>
+    <p:sldId id="288" r:id="rId23"/>
+    <p:sldId id="285" r:id="rId24"/>
+    <p:sldId id="286" r:id="rId25"/>
+    <p:sldId id="287" r:id="rId26"/>
+    <p:sldId id="272" r:id="rId27"/>
+    <p:sldId id="276" r:id="rId28"/>
+    <p:sldId id="294" r:id="rId29"/>
+    <p:sldId id="277" r:id="rId30"/>
+    <p:sldId id="279" r:id="rId31"/>
+    <p:sldId id="283" r:id="rId32"/>
+    <p:sldId id="280" r:id="rId33"/>
   </p:sldIdLst>
   <p:sldSz cx="9144000" cy="6858000" type="screen4x3"/>
   <p:notesSz cx="6858000" cy="9144000"/>
@@ -542,6 +540,57 @@
               <a:t>Christina</a:t>
             </a:r>
           </a:p>
+          <a:p>
+            <a:r>
+              <a:rPr lang="de-CH" dirty="0" smtClean="0"/>
+              <a:t>Vorbereitung:</a:t>
+            </a:r>
+          </a:p>
+          <a:p>
+            <a:pPr marL="171450" indent="-171450">
+              <a:buFont typeface="Arial" charset="0"/>
+              <a:buChar char="•"/>
+            </a:pPr>
+            <a:r>
+              <a:rPr lang="de-CH" dirty="0" smtClean="0"/>
+              <a:t>Popcorn</a:t>
+            </a:r>
+          </a:p>
+          <a:p>
+            <a:pPr marL="171450" indent="-171450">
+              <a:buFont typeface="Arial" charset="0"/>
+              <a:buChar char="•"/>
+            </a:pPr>
+            <a:r>
+              <a:rPr lang="de-CH" baseline="0" dirty="0" err="1" smtClean="0"/>
+              <a:t>Digi</a:t>
+            </a:r>
+            <a:r>
+              <a:rPr lang="de-CH" baseline="0" dirty="0" smtClean="0"/>
+              <a:t>: Browser mit mrt.elmermx.ch</a:t>
+            </a:r>
+          </a:p>
+          <a:p>
+            <a:pPr marL="171450" indent="-171450">
+              <a:buFont typeface="Arial" charset="0"/>
+              <a:buChar char="•"/>
+            </a:pPr>
+            <a:r>
+              <a:rPr lang="de-CH" dirty="0" smtClean="0"/>
+              <a:t>Lukas: Emulator</a:t>
+            </a:r>
+          </a:p>
+          <a:p>
+            <a:pPr marL="171450" indent="-171450">
+              <a:buFont typeface="Arial" charset="0"/>
+              <a:buChar char="•"/>
+            </a:pPr>
+            <a:r>
+              <a:rPr lang="de-CH" dirty="0" smtClean="0"/>
+              <a:t>Christina: Telefon (mit WLAN)</a:t>
+            </a:r>
+            <a:endParaRPr lang="de-CH" dirty="0" smtClean="0"/>
+          </a:p>
         </p:txBody>
       </p:sp>
       <p:sp>
@@ -658,7 +707,7 @@
     </p:spTree>
     <p:extLst>
       <p:ext uri="{BB962C8B-B14F-4D97-AF65-F5344CB8AC3E}">
-        <p14:creationId xmlns:p14="http://schemas.microsoft.com/office/powerpoint/2010/main" val="2503503869"/>
+        <p14:creationId xmlns:p14="http://schemas.microsoft.com/office/powerpoint/2010/main" val="1387613710"/>
       </p:ext>
     </p:extLst>
   </p:cSld>
@@ -712,10 +761,63 @@
           <a:bodyPr/>
           <a:lstStyle/>
           <a:p>
-            <a:r>
-              <a:rPr lang="de-CH" dirty="0" smtClean="0"/>
-              <a:t>Delia</a:t>
-            </a:r>
+            <a:pPr marL="0" marR="0" indent="0" algn="l" defTabSz="914400" rtl="0" eaLnBrk="1" fontAlgn="auto" latinLnBrk="0" hangingPunct="1">
+              <a:lnSpc>
+                <a:spcPct val="100000"/>
+              </a:lnSpc>
+              <a:spcBef>
+                <a:spcPts val="0"/>
+              </a:spcBef>
+              <a:spcAft>
+                <a:spcPts val="0"/>
+              </a:spcAft>
+              <a:buClrTx/>
+              <a:buSzTx/>
+              <a:buFontTx/>
+              <a:buNone/>
+              <a:tabLst/>
+              <a:defRPr/>
+            </a:pPr>
+            <a:r>
+              <a:rPr lang="de-CH" dirty="0" smtClean="0"/>
+              <a:t>Lukas (</a:t>
+            </a:r>
+            <a:r>
+              <a:rPr lang="de-CH" dirty="0" err="1" smtClean="0"/>
+              <a:t>Digi</a:t>
+            </a:r>
+            <a:r>
+              <a:rPr lang="de-CH" dirty="0" smtClean="0"/>
+              <a:t>: Orientierungspunkt)</a:t>
+            </a:r>
+          </a:p>
+          <a:p>
+            <a:pPr marL="0" marR="0" indent="0" algn="l" defTabSz="914400" rtl="0" eaLnBrk="1" fontAlgn="auto" latinLnBrk="0" hangingPunct="1">
+              <a:lnSpc>
+                <a:spcPct val="100000"/>
+              </a:lnSpc>
+              <a:spcBef>
+                <a:spcPts val="0"/>
+              </a:spcBef>
+              <a:spcAft>
+                <a:spcPts val="0"/>
+              </a:spcAft>
+              <a:buClrTx/>
+              <a:buSzTx/>
+              <a:buFontTx/>
+              <a:buNone/>
+              <a:tabLst/>
+              <a:defRPr/>
+            </a:pPr>
+            <a:r>
+              <a:rPr lang="de-CH" dirty="0" smtClean="0"/>
+              <a:t>Grau: Testklassen</a:t>
+            </a:r>
+          </a:p>
+          <a:p>
+            <a:endParaRPr lang="de-CH" dirty="0" smtClean="0"/>
+          </a:p>
+          <a:p>
             <a:endParaRPr lang="de-CH" dirty="0"/>
           </a:p>
         </p:txBody>
@@ -746,7 +848,7 @@
     </p:spTree>
     <p:extLst>
       <p:ext uri="{BB962C8B-B14F-4D97-AF65-F5344CB8AC3E}">
-        <p14:creationId xmlns:p14="http://schemas.microsoft.com/office/powerpoint/2010/main" val="1387613710"/>
+        <p14:creationId xmlns:p14="http://schemas.microsoft.com/office/powerpoint/2010/main" val="2243900382"/>
       </p:ext>
     </p:extLst>
   </p:cSld>
@@ -819,8 +921,40 @@
             </a:pPr>
             <a:r>
               <a:rPr lang="de-CH" dirty="0" smtClean="0"/>
-              <a:t>Lukas</a:t>
-            </a:r>
+              <a:t>Lukas (</a:t>
+            </a:r>
+            <a:r>
+              <a:rPr lang="de-CH" dirty="0" err="1" smtClean="0"/>
+              <a:t>Digi</a:t>
+            </a:r>
+            <a:r>
+              <a:rPr lang="de-CH" dirty="0" smtClean="0"/>
+              <a:t>: Orientierungspunkt)</a:t>
+            </a:r>
+          </a:p>
+          <a:p>
+            <a:pPr marL="0" marR="0" indent="0" algn="l" defTabSz="914400" rtl="0" eaLnBrk="1" fontAlgn="auto" latinLnBrk="0" hangingPunct="1">
+              <a:lnSpc>
+                <a:spcPct val="100000"/>
+              </a:lnSpc>
+              <a:spcBef>
+                <a:spcPts val="0"/>
+              </a:spcBef>
+              <a:spcAft>
+                <a:spcPts val="0"/>
+              </a:spcAft>
+              <a:buClrTx/>
+              <a:buSzTx/>
+              <a:buFontTx/>
+              <a:buNone/>
+              <a:tabLst/>
+              <a:defRPr/>
+            </a:pPr>
+            <a:r>
+              <a:rPr lang="de-CH" dirty="0" smtClean="0"/>
+              <a:t>Grau: Testklassen</a:t>
+            </a:r>
+            <a:endParaRPr lang="de-CH" dirty="0" smtClean="0"/>
           </a:p>
           <a:p>
             <a:endParaRPr lang="de-CH" dirty="0"/>
@@ -930,7 +1064,63 @@
             </a:r>
           </a:p>
           <a:p>
-            <a:endParaRPr lang="de-CH" dirty="0"/>
+            <a:pPr marL="0" marR="0" lvl="1" indent="0" algn="l" defTabSz="914400" rtl="0" eaLnBrk="1" fontAlgn="auto" latinLnBrk="0" hangingPunct="1">
+              <a:lnSpc>
+                <a:spcPct val="100000"/>
+              </a:lnSpc>
+              <a:spcBef>
+                <a:spcPts val="0"/>
+              </a:spcBef>
+              <a:spcAft>
+                <a:spcPts val="0"/>
+              </a:spcAft>
+              <a:buClrTx/>
+              <a:buSzTx/>
+              <a:buFontTx/>
+              <a:buNone/>
+              <a:tabLst/>
+              <a:defRPr/>
+            </a:pPr>
+            <a:r>
+              <a:rPr lang="de-CH" dirty="0" smtClean="0"/>
+              <a:t>Auch </a:t>
+            </a:r>
+            <a:r>
+              <a:rPr lang="de-CH" dirty="0" err="1" smtClean="0"/>
+              <a:t>friendly</a:t>
+            </a:r>
+            <a:r>
+              <a:rPr lang="de-CH" dirty="0" smtClean="0"/>
+              <a:t> / </a:t>
+            </a:r>
+            <a:r>
+              <a:rPr lang="de-CH" dirty="0" err="1" smtClean="0"/>
+              <a:t>protected</a:t>
+            </a:r>
+            <a:r>
+              <a:rPr lang="de-CH" dirty="0" smtClean="0"/>
+              <a:t> kann getestet werden</a:t>
+            </a:r>
+          </a:p>
+          <a:p>
+            <a:pPr marL="0" marR="0" indent="0" algn="l" defTabSz="914400" rtl="0" eaLnBrk="1" fontAlgn="auto" latinLnBrk="0" hangingPunct="1">
+              <a:lnSpc>
+                <a:spcPct val="100000"/>
+              </a:lnSpc>
+              <a:spcBef>
+                <a:spcPts val="0"/>
+              </a:spcBef>
+              <a:spcAft>
+                <a:spcPts val="0"/>
+              </a:spcAft>
+              <a:buClrTx/>
+              <a:buSzTx/>
+              <a:buFontTx/>
+              <a:buNone/>
+              <a:tabLst/>
+              <a:defRPr/>
+            </a:pPr>
+            <a:endParaRPr lang="de-CH" dirty="0" smtClean="0"/>
           </a:p>
         </p:txBody>
       </p:sp>
@@ -960,7 +1150,7 @@
     </p:spTree>
     <p:extLst>
       <p:ext uri="{BB962C8B-B14F-4D97-AF65-F5344CB8AC3E}">
-        <p14:creationId xmlns:p14="http://schemas.microsoft.com/office/powerpoint/2010/main" val="2854954236"/>
+        <p14:creationId xmlns:p14="http://schemas.microsoft.com/office/powerpoint/2010/main" val="2047122915"/>
       </p:ext>
     </p:extLst>
   </p:cSld>
@@ -1014,27 +1204,11 @@
           <a:bodyPr/>
           <a:lstStyle/>
           <a:p>
-            <a:pPr marL="0" marR="0" indent="0" algn="l" defTabSz="914400" rtl="0" eaLnBrk="1" fontAlgn="auto" latinLnBrk="0" hangingPunct="1">
-              <a:lnSpc>
-                <a:spcPct val="100000"/>
-              </a:lnSpc>
-              <a:spcBef>
-                <a:spcPts val="0"/>
-              </a:spcBef>
-              <a:spcAft>
-                <a:spcPts val="0"/>
-              </a:spcAft>
-              <a:buClrTx/>
-              <a:buSzTx/>
-              <a:buFontTx/>
-              <a:buNone/>
-              <a:tabLst/>
-              <a:defRPr/>
-            </a:pPr>
-            <a:r>
-              <a:rPr lang="de-CH" dirty="0" smtClean="0"/>
-              <a:t>Lukas</a:t>
-            </a:r>
+            <a:r>
+              <a:rPr lang="de-CH" dirty="0" smtClean="0"/>
+              <a:t>Diego</a:t>
+            </a:r>
+            <a:endParaRPr lang="de-CH" dirty="0"/>
           </a:p>
         </p:txBody>
       </p:sp>
@@ -1064,7 +1238,7 @@
     </p:spTree>
     <p:extLst>
       <p:ext uri="{BB962C8B-B14F-4D97-AF65-F5344CB8AC3E}">
-        <p14:creationId xmlns:p14="http://schemas.microsoft.com/office/powerpoint/2010/main" val="2047122915"/>
+        <p14:creationId xmlns:p14="http://schemas.microsoft.com/office/powerpoint/2010/main" val="2064200495"/>
       </p:ext>
     </p:extLst>
   </p:cSld>
@@ -1152,7 +1326,7 @@
     </p:spTree>
     <p:extLst>
       <p:ext uri="{BB962C8B-B14F-4D97-AF65-F5344CB8AC3E}">
-        <p14:creationId xmlns:p14="http://schemas.microsoft.com/office/powerpoint/2010/main" val="2064200495"/>
+        <p14:creationId xmlns:p14="http://schemas.microsoft.com/office/powerpoint/2010/main" val="3967320737"/>
       </p:ext>
     </p:extLst>
   </p:cSld>
@@ -1206,10 +1380,29 @@
           <a:bodyPr/>
           <a:lstStyle/>
           <a:p>
+            <a:pPr marL="0" marR="0" indent="0" algn="l" defTabSz="914400" rtl="0" eaLnBrk="1" fontAlgn="auto" latinLnBrk="0" hangingPunct="1">
+              <a:lnSpc>
+                <a:spcPct val="100000"/>
+              </a:lnSpc>
+              <a:spcBef>
+                <a:spcPts val="0"/>
+              </a:spcBef>
+              <a:spcAft>
+                <a:spcPts val="0"/>
+              </a:spcAft>
+              <a:buClrTx/>
+              <a:buSzTx/>
+              <a:buFontTx/>
+              <a:buNone/>
+              <a:tabLst/>
+              <a:defRPr/>
+            </a:pPr>
             <a:r>
               <a:rPr lang="de-CH" dirty="0" smtClean="0"/>
               <a:t>Diego</a:t>
             </a:r>
+          </a:p>
+          <a:p>
             <a:endParaRPr lang="de-CH" dirty="0"/>
           </a:p>
         </p:txBody>
@@ -1240,7 +1433,7 @@
     </p:spTree>
     <p:extLst>
       <p:ext uri="{BB962C8B-B14F-4D97-AF65-F5344CB8AC3E}">
-        <p14:creationId xmlns:p14="http://schemas.microsoft.com/office/powerpoint/2010/main" val="3967320737"/>
+        <p14:creationId xmlns:p14="http://schemas.microsoft.com/office/powerpoint/2010/main" val="1465809088"/>
       </p:ext>
     </p:extLst>
   </p:cSld>
@@ -1328,7 +1521,7 @@
     </p:spTree>
     <p:extLst>
       <p:ext uri="{BB962C8B-B14F-4D97-AF65-F5344CB8AC3E}">
-        <p14:creationId xmlns:p14="http://schemas.microsoft.com/office/powerpoint/2010/main" val="2750101932"/>
+        <p14:creationId xmlns:p14="http://schemas.microsoft.com/office/powerpoint/2010/main" val="2167019415"/>
       </p:ext>
     </p:extLst>
   </p:cSld>
@@ -1382,29 +1575,10 @@
           <a:bodyPr/>
           <a:lstStyle/>
           <a:p>
-            <a:pPr marL="0" marR="0" indent="0" algn="l" defTabSz="914400" rtl="0" eaLnBrk="1" fontAlgn="auto" latinLnBrk="0" hangingPunct="1">
-              <a:lnSpc>
-                <a:spcPct val="100000"/>
-              </a:lnSpc>
-              <a:spcBef>
-                <a:spcPts val="0"/>
-              </a:spcBef>
-              <a:spcAft>
-                <a:spcPts val="0"/>
-              </a:spcAft>
-              <a:buClrTx/>
-              <a:buSzTx/>
-              <a:buFontTx/>
-              <a:buNone/>
-              <a:tabLst/>
-              <a:defRPr/>
-            </a:pPr>
             <a:r>
               <a:rPr lang="de-CH" dirty="0" smtClean="0"/>
               <a:t>Diego</a:t>
             </a:r>
-          </a:p>
-          <a:p>
             <a:endParaRPr lang="de-CH" dirty="0"/>
           </a:p>
         </p:txBody>
@@ -1435,7 +1609,7 @@
     </p:spTree>
     <p:extLst>
       <p:ext uri="{BB962C8B-B14F-4D97-AF65-F5344CB8AC3E}">
-        <p14:creationId xmlns:p14="http://schemas.microsoft.com/office/powerpoint/2010/main" val="1465809088"/>
+        <p14:creationId xmlns:p14="http://schemas.microsoft.com/office/powerpoint/2010/main" val="4168059491"/>
       </p:ext>
     </p:extLst>
   </p:cSld>
@@ -1523,7 +1697,7 @@
     </p:spTree>
     <p:extLst>
       <p:ext uri="{BB962C8B-B14F-4D97-AF65-F5344CB8AC3E}">
-        <p14:creationId xmlns:p14="http://schemas.microsoft.com/office/powerpoint/2010/main" val="2167019415"/>
+        <p14:creationId xmlns:p14="http://schemas.microsoft.com/office/powerpoint/2010/main" val="4168059491"/>
       </p:ext>
     </p:extLst>
   </p:cSld>
@@ -1665,10 +1839,29 @@
           <a:bodyPr/>
           <a:lstStyle/>
           <a:p>
+            <a:pPr marL="0" marR="0" indent="0" algn="l" defTabSz="914400" rtl="0" eaLnBrk="1" fontAlgn="auto" latinLnBrk="0" hangingPunct="1">
+              <a:lnSpc>
+                <a:spcPct val="100000"/>
+              </a:lnSpc>
+              <a:spcBef>
+                <a:spcPts val="0"/>
+              </a:spcBef>
+              <a:spcAft>
+                <a:spcPts val="0"/>
+              </a:spcAft>
+              <a:buClrTx/>
+              <a:buSzTx/>
+              <a:buFontTx/>
+              <a:buNone/>
+              <a:tabLst/>
+              <a:defRPr/>
+            </a:pPr>
             <a:r>
               <a:rPr lang="de-CH" dirty="0" smtClean="0"/>
               <a:t>Christina</a:t>
             </a:r>
+          </a:p>
+          <a:p>
             <a:endParaRPr lang="de-CH" dirty="0"/>
           </a:p>
         </p:txBody>
@@ -1699,7 +1892,7 @@
     </p:spTree>
     <p:extLst>
       <p:ext uri="{BB962C8B-B14F-4D97-AF65-F5344CB8AC3E}">
-        <p14:creationId xmlns:p14="http://schemas.microsoft.com/office/powerpoint/2010/main" val="4168059491"/>
+        <p14:creationId xmlns:p14="http://schemas.microsoft.com/office/powerpoint/2010/main" val="1782689095"/>
       </p:ext>
     </p:extLst>
   </p:cSld>
@@ -1753,10 +1946,29 @@
           <a:bodyPr/>
           <a:lstStyle/>
           <a:p>
+            <a:pPr marL="0" marR="0" indent="0" algn="l" defTabSz="914400" rtl="0" eaLnBrk="1" fontAlgn="auto" latinLnBrk="0" hangingPunct="1">
+              <a:lnSpc>
+                <a:spcPct val="100000"/>
+              </a:lnSpc>
+              <a:spcBef>
+                <a:spcPts val="0"/>
+              </a:spcBef>
+              <a:spcAft>
+                <a:spcPts val="0"/>
+              </a:spcAft>
+              <a:buClrTx/>
+              <a:buSzTx/>
+              <a:buFontTx/>
+              <a:buNone/>
+              <a:tabLst/>
+              <a:defRPr/>
+            </a:pPr>
             <a:r>
               <a:rPr lang="de-CH" dirty="0" smtClean="0"/>
               <a:t>Christina</a:t>
             </a:r>
+          </a:p>
+          <a:p>
             <a:endParaRPr lang="de-CH" dirty="0"/>
           </a:p>
         </p:txBody>
@@ -1787,7 +1999,7 @@
     </p:spTree>
     <p:extLst>
       <p:ext uri="{BB962C8B-B14F-4D97-AF65-F5344CB8AC3E}">
-        <p14:creationId xmlns:p14="http://schemas.microsoft.com/office/powerpoint/2010/main" val="4168059491"/>
+        <p14:creationId xmlns:p14="http://schemas.microsoft.com/office/powerpoint/2010/main" val="3875931864"/>
       </p:ext>
     </p:extLst>
   </p:cSld>
@@ -1841,29 +2053,10 @@
           <a:bodyPr/>
           <a:lstStyle/>
           <a:p>
-            <a:pPr marL="0" marR="0" indent="0" algn="l" defTabSz="914400" rtl="0" eaLnBrk="1" fontAlgn="auto" latinLnBrk="0" hangingPunct="1">
-              <a:lnSpc>
-                <a:spcPct val="100000"/>
-              </a:lnSpc>
-              <a:spcBef>
-                <a:spcPts val="0"/>
-              </a:spcBef>
-              <a:spcAft>
-                <a:spcPts val="0"/>
-              </a:spcAft>
-              <a:buClrTx/>
-              <a:buSzTx/>
-              <a:buFontTx/>
-              <a:buNone/>
-              <a:tabLst/>
-              <a:defRPr/>
-            </a:pPr>
-            <a:r>
-              <a:rPr lang="de-CH" dirty="0" smtClean="0"/>
-              <a:t>Christina</a:t>
-            </a:r>
-          </a:p>
-          <a:p>
+            <a:r>
+              <a:rPr lang="de-CH" dirty="0" smtClean="0"/>
+              <a:t>Remo</a:t>
+            </a:r>
             <a:endParaRPr lang="de-CH" dirty="0"/>
           </a:p>
         </p:txBody>
@@ -1894,7 +2087,7 @@
     </p:spTree>
     <p:extLst>
       <p:ext uri="{BB962C8B-B14F-4D97-AF65-F5344CB8AC3E}">
-        <p14:creationId xmlns:p14="http://schemas.microsoft.com/office/powerpoint/2010/main" val="1782689095"/>
+        <p14:creationId xmlns:p14="http://schemas.microsoft.com/office/powerpoint/2010/main" val="502067956"/>
       </p:ext>
     </p:extLst>
   </p:cSld>
@@ -1948,29 +2141,10 @@
           <a:bodyPr/>
           <a:lstStyle/>
           <a:p>
-            <a:pPr marL="0" marR="0" indent="0" algn="l" defTabSz="914400" rtl="0" eaLnBrk="1" fontAlgn="auto" latinLnBrk="0" hangingPunct="1">
-              <a:lnSpc>
-                <a:spcPct val="100000"/>
-              </a:lnSpc>
-              <a:spcBef>
-                <a:spcPts val="0"/>
-              </a:spcBef>
-              <a:spcAft>
-                <a:spcPts val="0"/>
-              </a:spcAft>
-              <a:buClrTx/>
-              <a:buSzTx/>
-              <a:buFontTx/>
-              <a:buNone/>
-              <a:tabLst/>
-              <a:defRPr/>
-            </a:pPr>
-            <a:r>
-              <a:rPr lang="de-CH" dirty="0" smtClean="0"/>
-              <a:t>Christina</a:t>
-            </a:r>
-          </a:p>
-          <a:p>
+            <a:r>
+              <a:rPr lang="de-CH" dirty="0" smtClean="0"/>
+              <a:t>Lukas</a:t>
+            </a:r>
             <a:endParaRPr lang="de-CH" dirty="0"/>
           </a:p>
         </p:txBody>
@@ -2001,7 +2175,7 @@
     </p:spTree>
     <p:extLst>
       <p:ext uri="{BB962C8B-B14F-4D97-AF65-F5344CB8AC3E}">
-        <p14:creationId xmlns:p14="http://schemas.microsoft.com/office/powerpoint/2010/main" val="3875931864"/>
+        <p14:creationId xmlns:p14="http://schemas.microsoft.com/office/powerpoint/2010/main" val="1998516286"/>
       </p:ext>
     </p:extLst>
   </p:cSld>
@@ -2055,10 +2229,29 @@
           <a:bodyPr/>
           <a:lstStyle/>
           <a:p>
-            <a:r>
-              <a:rPr lang="de-CH" dirty="0" smtClean="0"/>
-              <a:t>Remo</a:t>
-            </a:r>
+            <a:pPr marL="0" marR="0" indent="0" algn="l" defTabSz="914400" rtl="0" eaLnBrk="1" fontAlgn="auto" latinLnBrk="0" hangingPunct="1">
+              <a:lnSpc>
+                <a:spcPct val="100000"/>
+              </a:lnSpc>
+              <a:spcBef>
+                <a:spcPts val="0"/>
+              </a:spcBef>
+              <a:spcAft>
+                <a:spcPts val="0"/>
+              </a:spcAft>
+              <a:buClrTx/>
+              <a:buSzTx/>
+              <a:buFontTx/>
+              <a:buNone/>
+              <a:tabLst/>
+              <a:defRPr/>
+            </a:pPr>
+            <a:r>
+              <a:rPr lang="de-CH" dirty="0" smtClean="0"/>
+              <a:t>Lukas</a:t>
+            </a:r>
+          </a:p>
+          <a:p>
             <a:endParaRPr lang="de-CH" dirty="0"/>
           </a:p>
         </p:txBody>
@@ -2089,7 +2282,7 @@
     </p:spTree>
     <p:extLst>
       <p:ext uri="{BB962C8B-B14F-4D97-AF65-F5344CB8AC3E}">
-        <p14:creationId xmlns:p14="http://schemas.microsoft.com/office/powerpoint/2010/main" val="502067956"/>
+        <p14:creationId xmlns:p14="http://schemas.microsoft.com/office/powerpoint/2010/main" val="4090898817"/>
       </p:ext>
     </p:extLst>
   </p:cSld>
@@ -2143,10 +2336,29 @@
           <a:bodyPr/>
           <a:lstStyle/>
           <a:p>
+            <a:pPr marL="0" marR="0" indent="0" algn="l" defTabSz="914400" rtl="0" eaLnBrk="1" fontAlgn="auto" latinLnBrk="0" hangingPunct="1">
+              <a:lnSpc>
+                <a:spcPct val="100000"/>
+              </a:lnSpc>
+              <a:spcBef>
+                <a:spcPts val="0"/>
+              </a:spcBef>
+              <a:spcAft>
+                <a:spcPts val="0"/>
+              </a:spcAft>
+              <a:buClrTx/>
+              <a:buSzTx/>
+              <a:buFontTx/>
+              <a:buNone/>
+              <a:tabLst/>
+              <a:defRPr/>
+            </a:pPr>
             <a:r>
               <a:rPr lang="de-CH" dirty="0" smtClean="0"/>
               <a:t>Lukas</a:t>
             </a:r>
+          </a:p>
+          <a:p>
             <a:endParaRPr lang="de-CH" dirty="0"/>
           </a:p>
         </p:txBody>
@@ -2177,7 +2389,7 @@
     </p:spTree>
     <p:extLst>
       <p:ext uri="{BB962C8B-B14F-4D97-AF65-F5344CB8AC3E}">
-        <p14:creationId xmlns:p14="http://schemas.microsoft.com/office/powerpoint/2010/main" val="1998516286"/>
+        <p14:creationId xmlns:p14="http://schemas.microsoft.com/office/powerpoint/2010/main" val="3687515043"/>
       </p:ext>
     </p:extLst>
   </p:cSld>
@@ -2231,29 +2443,30 @@
           <a:bodyPr/>
           <a:lstStyle/>
           <a:p>
-            <a:pPr marL="0" marR="0" indent="0" algn="l" defTabSz="914400" rtl="0" eaLnBrk="1" fontAlgn="auto" latinLnBrk="0" hangingPunct="1">
-              <a:lnSpc>
-                <a:spcPct val="100000"/>
-              </a:lnSpc>
-              <a:spcBef>
-                <a:spcPts val="0"/>
-              </a:spcBef>
-              <a:spcAft>
-                <a:spcPts val="0"/>
-              </a:spcAft>
-              <a:buClrTx/>
-              <a:buSzTx/>
-              <a:buFontTx/>
-              <a:buNone/>
-              <a:tabLst/>
-              <a:defRPr/>
-            </a:pPr>
-            <a:r>
-              <a:rPr lang="de-CH" dirty="0" smtClean="0"/>
-              <a:t>Lukas</a:t>
-            </a:r>
-          </a:p>
-          <a:p>
+            <a:r>
+              <a:rPr lang="de-CH" dirty="0" smtClean="0"/>
+              <a:t>Lukas, Emulator</a:t>
+            </a:r>
+          </a:p>
+          <a:p>
+            <a:r>
+              <a:rPr lang="de-CH" dirty="0" smtClean="0"/>
+              <a:t>Christina</a:t>
+            </a:r>
+            <a:r>
+              <a:rPr lang="de-CH" baseline="0" dirty="0" smtClean="0"/>
+              <a:t>, Handy</a:t>
+            </a:r>
+          </a:p>
+          <a:p>
+            <a:r>
+              <a:rPr lang="de-CH" baseline="0" dirty="0" err="1" smtClean="0"/>
+              <a:t>Digi</a:t>
+            </a:r>
+            <a:r>
+              <a:rPr lang="de-CH" baseline="0" dirty="0" smtClean="0"/>
+              <a:t>, Browser</a:t>
+            </a:r>
             <a:endParaRPr lang="de-CH" dirty="0"/>
           </a:p>
         </p:txBody>
@@ -2284,7 +2497,7 @@
     </p:spTree>
     <p:extLst>
       <p:ext uri="{BB962C8B-B14F-4D97-AF65-F5344CB8AC3E}">
-        <p14:creationId xmlns:p14="http://schemas.microsoft.com/office/powerpoint/2010/main" val="4090898817"/>
+        <p14:creationId xmlns:p14="http://schemas.microsoft.com/office/powerpoint/2010/main" val="3026096916"/>
       </p:ext>
     </p:extLst>
   </p:cSld>
@@ -2338,29 +2551,10 @@
           <a:bodyPr/>
           <a:lstStyle/>
           <a:p>
-            <a:pPr marL="0" marR="0" indent="0" algn="l" defTabSz="914400" rtl="0" eaLnBrk="1" fontAlgn="auto" latinLnBrk="0" hangingPunct="1">
-              <a:lnSpc>
-                <a:spcPct val="100000"/>
-              </a:lnSpc>
-              <a:spcBef>
-                <a:spcPts val="0"/>
-              </a:spcBef>
-              <a:spcAft>
-                <a:spcPts val="0"/>
-              </a:spcAft>
-              <a:buClrTx/>
-              <a:buSzTx/>
-              <a:buFontTx/>
-              <a:buNone/>
-              <a:tabLst/>
-              <a:defRPr/>
-            </a:pPr>
-            <a:r>
-              <a:rPr lang="de-CH" dirty="0" smtClean="0"/>
-              <a:t>Lukas</a:t>
-            </a:r>
-          </a:p>
-          <a:p>
+            <a:r>
+              <a:rPr lang="de-CH" dirty="0" smtClean="0"/>
+              <a:t>Diego</a:t>
+            </a:r>
             <a:endParaRPr lang="de-CH" dirty="0"/>
           </a:p>
         </p:txBody>
@@ -2391,7 +2585,7 @@
     </p:spTree>
     <p:extLst>
       <p:ext uri="{BB962C8B-B14F-4D97-AF65-F5344CB8AC3E}">
-        <p14:creationId xmlns:p14="http://schemas.microsoft.com/office/powerpoint/2010/main" val="3687515043"/>
+        <p14:creationId xmlns:p14="http://schemas.microsoft.com/office/powerpoint/2010/main" val="773231806"/>
       </p:ext>
     </p:extLst>
   </p:cSld>
@@ -2447,7 +2641,7 @@
           <a:p>
             <a:r>
               <a:rPr lang="de-CH" dirty="0" smtClean="0"/>
-              <a:t>Lukas</a:t>
+              <a:t>Diego</a:t>
             </a:r>
             <a:endParaRPr lang="de-CH" dirty="0"/>
           </a:p>
@@ -2479,7 +2673,7 @@
     </p:spTree>
     <p:extLst>
       <p:ext uri="{BB962C8B-B14F-4D97-AF65-F5344CB8AC3E}">
-        <p14:creationId xmlns:p14="http://schemas.microsoft.com/office/powerpoint/2010/main" val="3026096916"/>
+        <p14:creationId xmlns:p14="http://schemas.microsoft.com/office/powerpoint/2010/main" val="2271130673"/>
       </p:ext>
     </p:extLst>
   </p:cSld>
@@ -2535,7 +2729,7 @@
           <a:p>
             <a:r>
               <a:rPr lang="de-CH" dirty="0" smtClean="0"/>
-              <a:t>Delia</a:t>
+              <a:t>Diego</a:t>
             </a:r>
             <a:endParaRPr lang="de-CH" dirty="0"/>
           </a:p>
@@ -2567,7 +2761,7 @@
     </p:spTree>
     <p:extLst>
       <p:ext uri="{BB962C8B-B14F-4D97-AF65-F5344CB8AC3E}">
-        <p14:creationId xmlns:p14="http://schemas.microsoft.com/office/powerpoint/2010/main" val="773231806"/>
+        <p14:creationId xmlns:p14="http://schemas.microsoft.com/office/powerpoint/2010/main" val="1024066814"/>
       </p:ext>
     </p:extLst>
   </p:cSld>
@@ -2728,29 +2922,10 @@
           <a:bodyPr/>
           <a:lstStyle/>
           <a:p>
-            <a:pPr marL="0" marR="0" indent="0" algn="l" defTabSz="914400" rtl="0" eaLnBrk="1" fontAlgn="auto" latinLnBrk="0" hangingPunct="1">
-              <a:lnSpc>
-                <a:spcPct val="100000"/>
-              </a:lnSpc>
-              <a:spcBef>
-                <a:spcPts val="0"/>
-              </a:spcBef>
-              <a:spcAft>
-                <a:spcPts val="0"/>
-              </a:spcAft>
-              <a:buClrTx/>
-              <a:buSzTx/>
-              <a:buFontTx/>
-              <a:buNone/>
-              <a:tabLst/>
-              <a:defRPr/>
-            </a:pPr>
-            <a:r>
-              <a:rPr lang="de-CH" dirty="0" smtClean="0"/>
-              <a:t>Delia</a:t>
-            </a:r>
-          </a:p>
-          <a:p>
+            <a:r>
+              <a:rPr lang="de-CH" dirty="0" smtClean="0"/>
+              <a:t>Remo</a:t>
+            </a:r>
             <a:endParaRPr lang="de-CH" dirty="0"/>
           </a:p>
         </p:txBody>
@@ -2781,7 +2956,7 @@
     </p:spTree>
     <p:extLst>
       <p:ext uri="{BB962C8B-B14F-4D97-AF65-F5344CB8AC3E}">
-        <p14:creationId xmlns:p14="http://schemas.microsoft.com/office/powerpoint/2010/main" val="2271130673"/>
+        <p14:creationId xmlns:p14="http://schemas.microsoft.com/office/powerpoint/2010/main" val="3091367744"/>
       </p:ext>
     </p:extLst>
   </p:cSld>
@@ -2835,29 +3010,10 @@
           <a:bodyPr/>
           <a:lstStyle/>
           <a:p>
-            <a:pPr marL="0" marR="0" indent="0" algn="l" defTabSz="914400" rtl="0" eaLnBrk="1" fontAlgn="auto" latinLnBrk="0" hangingPunct="1">
-              <a:lnSpc>
-                <a:spcPct val="100000"/>
-              </a:lnSpc>
-              <a:spcBef>
-                <a:spcPts val="0"/>
-              </a:spcBef>
-              <a:spcAft>
-                <a:spcPts val="0"/>
-              </a:spcAft>
-              <a:buClrTx/>
-              <a:buSzTx/>
-              <a:buFontTx/>
-              <a:buNone/>
-              <a:tabLst/>
-              <a:defRPr/>
-            </a:pPr>
-            <a:r>
-              <a:rPr lang="de-CH" dirty="0" smtClean="0"/>
-              <a:t>Delia</a:t>
-            </a:r>
-          </a:p>
-          <a:p>
+            <a:r>
+              <a:rPr lang="de-CH" dirty="0" smtClean="0"/>
+              <a:t>Diego</a:t>
+            </a:r>
             <a:endParaRPr lang="de-CH" dirty="0"/>
           </a:p>
         </p:txBody>
@@ -2888,7 +3044,7 @@
     </p:spTree>
     <p:extLst>
       <p:ext uri="{BB962C8B-B14F-4D97-AF65-F5344CB8AC3E}">
-        <p14:creationId xmlns:p14="http://schemas.microsoft.com/office/powerpoint/2010/main" val="1024066814"/>
+        <p14:creationId xmlns:p14="http://schemas.microsoft.com/office/powerpoint/2010/main" val="212122398"/>
       </p:ext>
     </p:extLst>
   </p:cSld>
@@ -2944,7 +3100,7 @@
           <a:p>
             <a:r>
               <a:rPr lang="de-CH" dirty="0" smtClean="0"/>
-              <a:t>Remo</a:t>
+              <a:t>Wikipedia :-P</a:t>
             </a:r>
             <a:endParaRPr lang="de-CH" dirty="0"/>
           </a:p>
@@ -2968,182 +3124,6 @@
             <a:fld id="{B897FE81-6B21-41EA-A3E2-976A199E5936}" type="slidenum">
               <a:rPr lang="de-CH" smtClean="0"/>
               <a:t>32</a:t>
-            </a:fld>
-            <a:endParaRPr lang="de-CH"/>
-          </a:p>
-        </p:txBody>
-      </p:sp>
-    </p:spTree>
-    <p:extLst>
-      <p:ext uri="{BB962C8B-B14F-4D97-AF65-F5344CB8AC3E}">
-        <p14:creationId xmlns:p14="http://schemas.microsoft.com/office/powerpoint/2010/main" val="3091367744"/>
-      </p:ext>
-    </p:extLst>
-  </p:cSld>
-  <p:clrMapOvr>
-    <a:masterClrMapping/>
-  </p:clrMapOvr>
-</p:notes>
-</file>
-
-<file path=ppt/notesSlides/notesSlide33.xml><?xml version="1.0" encoding="utf-8"?>
-<p:notes xmlns:a="http://schemas.openxmlformats.org/drawingml/2006/main" xmlns:r="http://schemas.openxmlformats.org/officeDocument/2006/relationships" xmlns:p="http://schemas.openxmlformats.org/presentationml/2006/main">
-  <p:cSld>
-    <p:spTree>
-      <p:nvGrpSpPr>
-        <p:cNvPr id="1" name=""/>
-        <p:cNvGrpSpPr/>
-        <p:nvPr/>
-      </p:nvGrpSpPr>
-      <p:grpSpPr>
-        <a:xfrm>
-          <a:off x="0" y="0"/>
-          <a:ext cx="0" cy="0"/>
-          <a:chOff x="0" y="0"/>
-          <a:chExt cx="0" cy="0"/>
-        </a:xfrm>
-      </p:grpSpPr>
-      <p:sp>
-        <p:nvSpPr>
-          <p:cNvPr id="2" name="Folienbildplatzhalter 1"/>
-          <p:cNvSpPr>
-            <a:spLocks noGrp="1" noRot="1" noChangeAspect="1"/>
-          </p:cNvSpPr>
-          <p:nvPr>
-            <p:ph type="sldImg"/>
-          </p:nvPr>
-        </p:nvSpPr>
-        <p:spPr/>
-      </p:sp>
-      <p:sp>
-        <p:nvSpPr>
-          <p:cNvPr id="3" name="Notizenplatzhalter 2"/>
-          <p:cNvSpPr>
-            <a:spLocks noGrp="1"/>
-          </p:cNvSpPr>
-          <p:nvPr>
-            <p:ph type="body" idx="1"/>
-          </p:nvPr>
-        </p:nvSpPr>
-        <p:spPr/>
-        <p:txBody>
-          <a:bodyPr/>
-          <a:lstStyle/>
-          <a:p>
-            <a:r>
-              <a:rPr lang="de-CH" dirty="0" smtClean="0"/>
-              <a:t>Diego</a:t>
-            </a:r>
-            <a:endParaRPr lang="de-CH" dirty="0"/>
-          </a:p>
-        </p:txBody>
-      </p:sp>
-      <p:sp>
-        <p:nvSpPr>
-          <p:cNvPr id="4" name="Foliennummernplatzhalter 3"/>
-          <p:cNvSpPr>
-            <a:spLocks noGrp="1"/>
-          </p:cNvSpPr>
-          <p:nvPr>
-            <p:ph type="sldNum" sz="quarter" idx="10"/>
-          </p:nvPr>
-        </p:nvSpPr>
-        <p:spPr/>
-        <p:txBody>
-          <a:bodyPr/>
-          <a:lstStyle/>
-          <a:p>
-            <a:fld id="{B897FE81-6B21-41EA-A3E2-976A199E5936}" type="slidenum">
-              <a:rPr lang="de-CH" smtClean="0"/>
-              <a:t>33</a:t>
-            </a:fld>
-            <a:endParaRPr lang="de-CH"/>
-          </a:p>
-        </p:txBody>
-      </p:sp>
-    </p:spTree>
-    <p:extLst>
-      <p:ext uri="{BB962C8B-B14F-4D97-AF65-F5344CB8AC3E}">
-        <p14:creationId xmlns:p14="http://schemas.microsoft.com/office/powerpoint/2010/main" val="212122398"/>
-      </p:ext>
-    </p:extLst>
-  </p:cSld>
-  <p:clrMapOvr>
-    <a:masterClrMapping/>
-  </p:clrMapOvr>
-</p:notes>
-</file>
-
-<file path=ppt/notesSlides/notesSlide34.xml><?xml version="1.0" encoding="utf-8"?>
-<p:notes xmlns:a="http://schemas.openxmlformats.org/drawingml/2006/main" xmlns:r="http://schemas.openxmlformats.org/officeDocument/2006/relationships" xmlns:p="http://schemas.openxmlformats.org/presentationml/2006/main">
-  <p:cSld>
-    <p:spTree>
-      <p:nvGrpSpPr>
-        <p:cNvPr id="1" name=""/>
-        <p:cNvGrpSpPr/>
-        <p:nvPr/>
-      </p:nvGrpSpPr>
-      <p:grpSpPr>
-        <a:xfrm>
-          <a:off x="0" y="0"/>
-          <a:ext cx="0" cy="0"/>
-          <a:chOff x="0" y="0"/>
-          <a:chExt cx="0" cy="0"/>
-        </a:xfrm>
-      </p:grpSpPr>
-      <p:sp>
-        <p:nvSpPr>
-          <p:cNvPr id="2" name="Folienbildplatzhalter 1"/>
-          <p:cNvSpPr>
-            <a:spLocks noGrp="1" noRot="1" noChangeAspect="1"/>
-          </p:cNvSpPr>
-          <p:nvPr>
-            <p:ph type="sldImg"/>
-          </p:nvPr>
-        </p:nvSpPr>
-        <p:spPr/>
-      </p:sp>
-      <p:sp>
-        <p:nvSpPr>
-          <p:cNvPr id="3" name="Notizenplatzhalter 2"/>
-          <p:cNvSpPr>
-            <a:spLocks noGrp="1"/>
-          </p:cNvSpPr>
-          <p:nvPr>
-            <p:ph type="body" idx="1"/>
-          </p:nvPr>
-        </p:nvSpPr>
-        <p:spPr/>
-        <p:txBody>
-          <a:bodyPr/>
-          <a:lstStyle/>
-          <a:p>
-            <a:r>
-              <a:rPr lang="de-CH" dirty="0" smtClean="0"/>
-              <a:t>Wikipedia :-P</a:t>
-            </a:r>
-            <a:endParaRPr lang="de-CH" dirty="0"/>
-          </a:p>
-        </p:txBody>
-      </p:sp>
-      <p:sp>
-        <p:nvSpPr>
-          <p:cNvPr id="4" name="Foliennummernplatzhalter 3"/>
-          <p:cNvSpPr>
-            <a:spLocks noGrp="1"/>
-          </p:cNvSpPr>
-          <p:nvPr>
-            <p:ph type="sldNum" sz="quarter" idx="10"/>
-          </p:nvPr>
-        </p:nvSpPr>
-        <p:spPr/>
-        <p:txBody>
-          <a:bodyPr/>
-          <a:lstStyle/>
-          <a:p>
-            <a:fld id="{B897FE81-6B21-41EA-A3E2-976A199E5936}" type="slidenum">
-              <a:rPr lang="de-CH" smtClean="0"/>
-              <a:t>34</a:t>
             </a:fld>
             <a:endParaRPr lang="de-CH"/>
           </a:p>
@@ -3424,7 +3404,23 @@
               <a:rPr lang="de-CH" dirty="0" smtClean="0"/>
               <a:t>Remo</a:t>
             </a:r>
-            <a:endParaRPr lang="de-CH" dirty="0"/>
+            <a:r>
+              <a:rPr lang="de-CH" baseline="0" dirty="0"/>
+              <a:t> </a:t>
+            </a:r>
+            <a:r>
+              <a:rPr lang="de-CH" baseline="0" dirty="0" smtClean="0"/>
+              <a:t>(</a:t>
+            </a:r>
+            <a:r>
+              <a:rPr lang="de-CH" baseline="0" dirty="0" err="1" smtClean="0"/>
+              <a:t>Digi</a:t>
+            </a:r>
+            <a:r>
+              <a:rPr lang="de-CH" baseline="0" dirty="0" smtClean="0"/>
+              <a:t>: Orientierungspunkt!!)</a:t>
+            </a:r>
+            <a:endParaRPr lang="de-CH" dirty="0" smtClean="0"/>
           </a:p>
         </p:txBody>
       </p:sp>
@@ -3508,29 +3504,10 @@
           <a:bodyPr/>
           <a:lstStyle/>
           <a:p>
-            <a:pPr marL="0" marR="0" indent="0" algn="l" defTabSz="914400" rtl="0" eaLnBrk="1" fontAlgn="auto" latinLnBrk="0" hangingPunct="1">
-              <a:lnSpc>
-                <a:spcPct val="100000"/>
-              </a:lnSpc>
-              <a:spcBef>
-                <a:spcPts val="0"/>
-              </a:spcBef>
-              <a:spcAft>
-                <a:spcPts val="0"/>
-              </a:spcAft>
-              <a:buClrTx/>
-              <a:buSzTx/>
-              <a:buFontTx/>
-              <a:buNone/>
-              <a:tabLst/>
-              <a:defRPr/>
-            </a:pPr>
-            <a:r>
-              <a:rPr lang="de-CH" dirty="0" smtClean="0"/>
-              <a:t>Remo</a:t>
-            </a:r>
-          </a:p>
-          <a:p>
+            <a:r>
+              <a:rPr lang="de-CH" dirty="0" smtClean="0"/>
+              <a:t>Delia</a:t>
+            </a:r>
             <a:endParaRPr lang="de-CH" dirty="0"/>
           </a:p>
         </p:txBody>
@@ -3561,7 +3538,7 @@
     </p:spTree>
     <p:extLst>
       <p:ext uri="{BB962C8B-B14F-4D97-AF65-F5344CB8AC3E}">
-        <p14:creationId xmlns:p14="http://schemas.microsoft.com/office/powerpoint/2010/main" val="4190317722"/>
+        <p14:creationId xmlns:p14="http://schemas.microsoft.com/office/powerpoint/2010/main" val="2330507167"/>
       </p:ext>
     </p:extLst>
   </p:cSld>
@@ -3649,7 +3626,7 @@
     </p:spTree>
     <p:extLst>
       <p:ext uri="{BB962C8B-B14F-4D97-AF65-F5344CB8AC3E}">
-        <p14:creationId xmlns:p14="http://schemas.microsoft.com/office/powerpoint/2010/main" val="2330507167"/>
+        <p14:creationId xmlns:p14="http://schemas.microsoft.com/office/powerpoint/2010/main" val="3757142810"/>
       </p:ext>
     </p:extLst>
   </p:cSld>
@@ -3737,7 +3714,7 @@
     </p:spTree>
     <p:extLst>
       <p:ext uri="{BB962C8B-B14F-4D97-AF65-F5344CB8AC3E}">
-        <p14:creationId xmlns:p14="http://schemas.microsoft.com/office/powerpoint/2010/main" val="3757142810"/>
+        <p14:creationId xmlns:p14="http://schemas.microsoft.com/office/powerpoint/2010/main" val="2503503869"/>
       </p:ext>
     </p:extLst>
   </p:cSld>
@@ -8553,63 +8530,92 @@
             <p:ph idx="1"/>
           </p:nvPr>
         </p:nvSpPr>
-        <p:spPr>
-          <a:xfrm>
-            <a:off x="457200" y="1481329"/>
-            <a:ext cx="7355160" cy="2379719"/>
-          </a:xfrm>
-        </p:spPr>
+        <p:spPr/>
         <p:txBody>
           <a:bodyPr/>
           <a:lstStyle/>
           <a:p>
             <a:r>
-              <a:rPr lang="de-CH" dirty="0" smtClean="0"/>
-              <a:t>Protokoll HTTP 1.1</a:t>
-            </a:r>
-          </a:p>
-          <a:p>
-            <a:r>
-              <a:rPr lang="de-CH" dirty="0" smtClean="0"/>
-              <a:t>Client: </a:t>
+              <a:rPr lang="de-CH" dirty="0" err="1" smtClean="0"/>
+              <a:t>Rails</a:t>
+            </a:r>
+            <a:endParaRPr lang="de-CH" dirty="0" smtClean="0"/>
+          </a:p>
+          <a:p>
+            <a:pPr lvl="1"/>
+            <a:r>
+              <a:rPr lang="de-CH" dirty="0" err="1" smtClean="0"/>
+              <a:t>Convention</a:t>
+            </a:r>
+            <a:r>
+              <a:rPr lang="de-CH" dirty="0" smtClean="0"/>
+              <a:t> </a:t>
+            </a:r>
+            <a:r>
+              <a:rPr lang="de-CH" dirty="0" err="1"/>
+              <a:t>over</a:t>
+            </a:r>
+            <a:r>
+              <a:rPr lang="de-CH" dirty="0"/>
+              <a:t> </a:t>
+            </a:r>
+            <a:r>
+              <a:rPr lang="de-CH" dirty="0" err="1" smtClean="0"/>
+              <a:t>configuration</a:t>
+            </a:r>
+            <a:endParaRPr lang="de-CH" dirty="0" smtClean="0"/>
+          </a:p>
+          <a:p>
+            <a:pPr lvl="1"/>
+            <a:r>
+              <a:rPr lang="de-CH" dirty="0" smtClean="0"/>
+              <a:t>Schichtenmodell bereits gegeben</a:t>
+            </a:r>
+            <a:endParaRPr lang="de-CH" dirty="0"/>
+          </a:p>
+          <a:p>
+            <a:pPr lvl="1"/>
+            <a:r>
+              <a:rPr lang="de-CH" dirty="0"/>
+              <a:t>Applikation zu klein, um </a:t>
+            </a:r>
+            <a:r>
+              <a:rPr lang="de-CH" dirty="0" smtClean="0"/>
+              <a:t>weiter aufzuteilen</a:t>
+            </a:r>
+          </a:p>
+          <a:p>
+            <a:r>
+              <a:rPr lang="de-CH" dirty="0" smtClean="0"/>
+              <a:t>Konzentration </a:t>
             </a:r>
             <a:r>
               <a:rPr lang="de-CH" dirty="0" err="1" smtClean="0"/>
               <a:t>Android</a:t>
             </a:r>
-            <a:r>
-              <a:rPr lang="de-CH" dirty="0" smtClean="0"/>
-              <a:t> Version 2.1</a:t>
-            </a:r>
-          </a:p>
-          <a:p>
-            <a:pPr lvl="1"/>
-            <a:r>
-              <a:rPr lang="de-CH" dirty="0" smtClean="0"/>
-              <a:t>Anwendung: </a:t>
+            <a:endParaRPr lang="de-CH" dirty="0" smtClean="0"/>
+          </a:p>
+          <a:p>
+            <a:r>
+              <a:rPr lang="de-CH" dirty="0" smtClean="0"/>
+              <a:t>Schichtenarchitektur</a:t>
+            </a:r>
+          </a:p>
+          <a:p>
+            <a:r>
+              <a:rPr lang="de-CH" dirty="0" smtClean="0"/>
+              <a:t>Auf der nächsten Folie: Umsetzung </a:t>
             </a:r>
             <a:r>
               <a:rPr lang="de-CH" dirty="0" err="1" smtClean="0"/>
-              <a:t>mrt.apk</a:t>
+              <a:t>Android</a:t>
             </a:r>
             <a:endParaRPr lang="de-CH" dirty="0" smtClean="0"/>
           </a:p>
           <a:p>
-            <a:r>
-              <a:rPr lang="de-CH" dirty="0" smtClean="0"/>
-              <a:t>Server: Linux mit Apache</a:t>
-            </a:r>
-          </a:p>
-          <a:p>
-            <a:pPr lvl="1"/>
-            <a:r>
-              <a:rPr lang="de-CH" dirty="0" smtClean="0"/>
-              <a:t>Anwendung: </a:t>
-            </a:r>
-            <a:r>
-              <a:rPr lang="de-CH" dirty="0" err="1" smtClean="0"/>
-              <a:t>rails_app</a:t>
-            </a:r>
+            <a:endParaRPr lang="de-CH" dirty="0" smtClean="0"/>
+          </a:p>
+          <a:p>
             <a:endParaRPr lang="de-CH" dirty="0" smtClean="0"/>
           </a:p>
         </p:txBody>
@@ -8630,8 +8636,12 @@
           <a:lstStyle/>
           <a:p>
             <a:r>
-              <a:rPr lang="de-CH" dirty="0" smtClean="0"/>
-              <a:t>Tiers</a:t>
+              <a:rPr lang="de-CH" dirty="0" err="1" smtClean="0"/>
+              <a:t>Layers</a:t>
+            </a:r>
+            <a:r>
+              <a:rPr lang="de-CH" dirty="0" smtClean="0"/>
+              <a:t> / Packages</a:t>
             </a:r>
             <a:endParaRPr lang="de-CH" dirty="0"/>
           </a:p>
@@ -8639,27 +8649,135 @@
       </p:sp>
       <p:pic>
         <p:nvPicPr>
-          <p:cNvPr id="2050" name="Picture 2"/>
+          <p:cNvPr id="1027" name="Picture 3" descr="D:\Users\Lukas Elmer\AppData\Local\Microsoft\Windows\Temporary Internet Files\Content.IE5\Z39E9T6L\MC900233355[1].wmf"/>
+          <p:cNvPicPr>
+            <a:picLocks noChangeAspect="1" noChangeArrowheads="1"/>
+          </p:cNvPicPr>
+          <p:nvPr/>
+        </p:nvPicPr>
+        <p:blipFill>
+          <a:blip r:embed="rId3" cstate="print">
+            <a:extLst>
+              <a:ext uri="{28A0092B-C50C-407E-A947-70E740481C1C}">
+                <a14:useLocalDpi xmlns:a14="http://schemas.microsoft.com/office/drawing/2010/main" val="0"/>
+              </a:ext>
+            </a:extLst>
+          </a:blip>
+          <a:srcRect/>
+          <a:stretch>
+            <a:fillRect/>
+          </a:stretch>
+        </p:blipFill>
+        <p:spPr bwMode="auto">
+          <a:xfrm>
+            <a:off x="6726180" y="4795749"/>
+            <a:ext cx="2094292" cy="1800200"/>
+          </a:xfrm>
+          <a:prstGeom prst="rect">
+            <a:avLst/>
+          </a:prstGeom>
+          <a:solidFill>
+            <a:srgbClr val="FFFFFF">
+              <a:shade val="85000"/>
+            </a:srgbClr>
+          </a:solidFill>
+          <a:ln w="88900" cap="sq">
+            <a:solidFill>
+              <a:srgbClr val="FFFFFF"/>
+            </a:solidFill>
+            <a:miter lim="800000"/>
+          </a:ln>
+          <a:effectLst>
+            <a:outerShdw blurRad="55000" dist="18000" dir="5400000" algn="tl" rotWithShape="0">
+              <a:srgbClr val="000000">
+                <a:alpha val="40000"/>
+              </a:srgbClr>
+            </a:outerShdw>
+          </a:effectLst>
+          <a:scene3d>
+            <a:camera prst="orthographicFront"/>
+            <a:lightRig rig="twoPt" dir="t">
+              <a:rot lat="0" lon="0" rev="7200000"/>
+            </a:lightRig>
+          </a:scene3d>
+          <a:sp3d>
+            <a:bevelT w="25400" h="19050"/>
+            <a:contourClr>
+              <a:srgbClr val="FFFFFF"/>
+            </a:contourClr>
+          </a:sp3d>
+          <a:extLst>
+            <a:ext uri="{909E8E84-426E-40DD-AFC4-6F175D3DCCD1}">
+              <a14:hiddenFill xmlns:a14="http://schemas.microsoft.com/office/drawing/2010/main">
+                <a:solidFill>
+                  <a:srgbClr val="FFFFFF"/>
+                </a:solidFill>
+              </a14:hiddenFill>
+            </a:ext>
+          </a:extLst>
+        </p:spPr>
+      </p:pic>
+    </p:spTree>
+    <p:extLst>
+      <p:ext uri="{BB962C8B-B14F-4D97-AF65-F5344CB8AC3E}">
+        <p14:creationId xmlns:p14="http://schemas.microsoft.com/office/powerpoint/2010/main" val="1515303313"/>
+      </p:ext>
+    </p:extLst>
+  </p:cSld>
+  <p:clrMapOvr>
+    <a:masterClrMapping/>
+  </p:clrMapOvr>
+  <p:transition/>
+  <p:timing>
+    <p:tnLst>
+      <p:par>
+        <p:cTn id="1" dur="indefinite" restart="never" nodeType="tmRoot"/>
+      </p:par>
+    </p:tnLst>
+  </p:timing>
+</p:sld>
+</file>
+
+<file path=ppt/slides/slide11.xml><?xml version="1.0" encoding="utf-8"?>
+<p:sld xmlns:a="http://schemas.openxmlformats.org/drawingml/2006/main" xmlns:r="http://schemas.openxmlformats.org/officeDocument/2006/relationships" xmlns:p="http://schemas.openxmlformats.org/presentationml/2006/main">
+  <p:cSld>
+    <p:spTree>
+      <p:nvGrpSpPr>
+        <p:cNvPr id="1" name=""/>
+        <p:cNvGrpSpPr/>
+        <p:nvPr/>
+      </p:nvGrpSpPr>
+      <p:grpSpPr>
+        <a:xfrm>
+          <a:off x="0" y="0"/>
+          <a:ext cx="0" cy="0"/>
+          <a:chOff x="0" y="0"/>
+          <a:chExt cx="0" cy="0"/>
+        </a:xfrm>
+      </p:grpSpPr>
+      <p:pic>
+        <p:nvPicPr>
+          <p:cNvPr id="4" name="Picture 2"/>
           <p:cNvPicPr>
             <a:picLocks noChangeAspect="1" noChangeArrowheads="1"/>
           </p:cNvPicPr>
           <p:nvPr/>
         </p:nvPicPr>
         <p:blipFill rotWithShape="1">
-          <a:blip r:embed="rId3">
+          <a:blip r:embed="rId3" cstate="print">
             <a:extLst>
               <a:ext uri="{28A0092B-C50C-407E-A947-70E740481C1C}">
                 <a14:useLocalDpi xmlns:a14="http://schemas.microsoft.com/office/drawing/2010/main" val="0"/>
               </a:ext>
             </a:extLst>
           </a:blip>
-          <a:srcRect l="3271" t="13618" r="2708" b="8228"/>
+          <a:srcRect l="2451" t="2673" r="1836" b="1761"/>
           <a:stretch/>
         </p:blipFill>
         <p:spPr bwMode="auto">
           <a:xfrm>
-            <a:off x="1835696" y="4149080"/>
-            <a:ext cx="5973098" cy="1824120"/>
+            <a:off x="2699792" y="1628800"/>
+            <a:ext cx="3837488" cy="4244147"/>
           </a:xfrm>
           <a:prstGeom prst="rect">
             <a:avLst/>
@@ -8699,182 +8817,96 @@
           </a:extLst>
         </p:spPr>
       </p:pic>
+      <p:sp>
+        <p:nvSpPr>
+          <p:cNvPr id="5" name="Titel 2"/>
+          <p:cNvSpPr>
+            <a:spLocks noGrp="1"/>
+          </p:cNvSpPr>
+          <p:nvPr>
+            <p:ph type="title"/>
+          </p:nvPr>
+        </p:nvSpPr>
+        <p:spPr>
+          <a:xfrm>
+            <a:off x="457200" y="274638"/>
+            <a:ext cx="8229600" cy="1143000"/>
+          </a:xfrm>
+        </p:spPr>
+        <p:txBody>
+          <a:bodyPr/>
+          <a:lstStyle/>
+          <a:p>
+            <a:r>
+              <a:rPr lang="de-CH" dirty="0" err="1" smtClean="0"/>
+              <a:t>Layers</a:t>
+            </a:r>
+            <a:r>
+              <a:rPr lang="de-CH" dirty="0" smtClean="0"/>
+              <a:t> / Packages</a:t>
+            </a:r>
+            <a:endParaRPr lang="de-CH" dirty="0"/>
+          </a:p>
+        </p:txBody>
+      </p:sp>
+      <p:sp>
+        <p:nvSpPr>
+          <p:cNvPr id="6" name="Ellipse 5"/>
+          <p:cNvSpPr/>
+          <p:nvPr/>
+        </p:nvSpPr>
+        <p:spPr>
+          <a:xfrm>
+            <a:off x="2766084" y="3212976"/>
+            <a:ext cx="288032" cy="288032"/>
+          </a:xfrm>
+          <a:prstGeom prst="ellipse">
+            <a:avLst/>
+          </a:prstGeom>
+        </p:spPr>
+        <p:style>
+          <a:lnRef idx="2">
+            <a:schemeClr val="accent1">
+              <a:shade val="50000"/>
+            </a:schemeClr>
+          </a:lnRef>
+          <a:fillRef idx="1">
+            <a:schemeClr val="accent1"/>
+          </a:fillRef>
+          <a:effectRef idx="0">
+            <a:schemeClr val="accent1"/>
+          </a:effectRef>
+          <a:fontRef idx="minor">
+            <a:schemeClr val="lt1"/>
+          </a:fontRef>
+        </p:style>
+        <p:txBody>
+          <a:bodyPr rtlCol="0" anchor="ctr"/>
+          <a:lstStyle/>
+          <a:p>
+            <a:pPr algn="ctr"/>
+            <a:endParaRPr lang="de-CH"/>
+          </a:p>
+        </p:txBody>
+      </p:sp>
     </p:spTree>
     <p:extLst>
       <p:ext uri="{BB962C8B-B14F-4D97-AF65-F5344CB8AC3E}">
-        <p14:creationId xmlns:p14="http://schemas.microsoft.com/office/powerpoint/2010/main" val="3379927354"/>
+        <p14:creationId xmlns:p14="http://schemas.microsoft.com/office/powerpoint/2010/main" val="2719694216"/>
       </p:ext>
     </p:extLst>
   </p:cSld>
   <p:clrMapOvr>
     <a:masterClrMapping/>
   </p:clrMapOvr>
-  <p:transition/>
-  <p:timing>
-    <p:tnLst>
-      <p:par>
-        <p:cTn id="1" dur="indefinite" restart="never" nodeType="tmRoot"/>
-      </p:par>
-    </p:tnLst>
-  </p:timing>
-</p:sld>
-</file>
-
-<file path=ppt/slides/slide11.xml><?xml version="1.0" encoding="utf-8"?>
-<p:sld xmlns:a="http://schemas.openxmlformats.org/drawingml/2006/main" xmlns:r="http://schemas.openxmlformats.org/officeDocument/2006/relationships" xmlns:p="http://schemas.openxmlformats.org/presentationml/2006/main">
-  <p:cSld>
-    <p:spTree>
-      <p:nvGrpSpPr>
-        <p:cNvPr id="1" name=""/>
-        <p:cNvGrpSpPr/>
-        <p:nvPr/>
-      </p:nvGrpSpPr>
-      <p:grpSpPr>
-        <a:xfrm>
-          <a:off x="0" y="0"/>
-          <a:ext cx="0" cy="0"/>
-          <a:chOff x="0" y="0"/>
-          <a:chExt cx="0" cy="0"/>
-        </a:xfrm>
-      </p:grpSpPr>
-      <p:sp>
-        <p:nvSpPr>
-          <p:cNvPr id="2" name="Inhaltsplatzhalter 1"/>
-          <p:cNvSpPr>
-            <a:spLocks noGrp="1"/>
-          </p:cNvSpPr>
-          <p:nvPr>
-            <p:ph idx="1"/>
-          </p:nvPr>
-        </p:nvSpPr>
-        <p:spPr/>
-        <p:txBody>
-          <a:bodyPr/>
-          <a:lstStyle/>
-          <a:p>
-            <a:r>
-              <a:rPr lang="de-CH" dirty="0" err="1" smtClean="0"/>
-              <a:t>Rails</a:t>
-            </a:r>
-            <a:endParaRPr lang="de-CH" dirty="0" smtClean="0"/>
-          </a:p>
-          <a:p>
-            <a:pPr lvl="1"/>
-            <a:r>
-              <a:rPr lang="de-CH" dirty="0" err="1" smtClean="0"/>
-              <a:t>Convention</a:t>
-            </a:r>
-            <a:r>
-              <a:rPr lang="de-CH" dirty="0" smtClean="0"/>
-              <a:t> </a:t>
-            </a:r>
-            <a:r>
-              <a:rPr lang="de-CH" dirty="0" err="1"/>
-              <a:t>over</a:t>
-            </a:r>
-            <a:r>
-              <a:rPr lang="de-CH" dirty="0"/>
-              <a:t> </a:t>
-            </a:r>
-            <a:r>
-              <a:rPr lang="de-CH" dirty="0" err="1" smtClean="0"/>
-              <a:t>configuration</a:t>
-            </a:r>
-            <a:endParaRPr lang="de-CH" dirty="0" smtClean="0"/>
-          </a:p>
-          <a:p>
-            <a:pPr lvl="1"/>
-            <a:r>
-              <a:rPr lang="de-CH" dirty="0" smtClean="0"/>
-              <a:t>Schichtenmodell bereits gegeben</a:t>
-            </a:r>
-            <a:endParaRPr lang="de-CH" dirty="0"/>
-          </a:p>
-          <a:p>
-            <a:pPr lvl="1"/>
-            <a:r>
-              <a:rPr lang="de-CH" dirty="0"/>
-              <a:t>Applikation zu klein, um </a:t>
-            </a:r>
-            <a:r>
-              <a:rPr lang="de-CH" dirty="0" smtClean="0"/>
-              <a:t>weiter aufzuteilen</a:t>
-            </a:r>
-          </a:p>
-          <a:p>
-            <a:r>
-              <a:rPr lang="de-CH" dirty="0" smtClean="0"/>
-              <a:t>Konzentration </a:t>
-            </a:r>
-            <a:r>
-              <a:rPr lang="de-CH" dirty="0" err="1" smtClean="0"/>
-              <a:t>Android</a:t>
-            </a:r>
-            <a:endParaRPr lang="de-CH" dirty="0" smtClean="0"/>
-          </a:p>
-          <a:p>
-            <a:r>
-              <a:rPr lang="de-CH" dirty="0" smtClean="0"/>
-              <a:t>Schichtenarchitektur</a:t>
-            </a:r>
-          </a:p>
-          <a:p>
-            <a:r>
-              <a:rPr lang="de-CH" dirty="0" smtClean="0"/>
-              <a:t>Auf der nächsten Folie: Umsetzung </a:t>
-            </a:r>
-            <a:r>
-              <a:rPr lang="de-CH" dirty="0" err="1" smtClean="0"/>
-              <a:t>Android</a:t>
-            </a:r>
-            <a:endParaRPr lang="de-CH" dirty="0" smtClean="0"/>
-          </a:p>
-          <a:p>
-            <a:endParaRPr lang="de-CH" dirty="0" smtClean="0"/>
-          </a:p>
-          <a:p>
-            <a:endParaRPr lang="de-CH" dirty="0" smtClean="0"/>
-          </a:p>
-        </p:txBody>
-      </p:sp>
-      <p:sp>
-        <p:nvSpPr>
-          <p:cNvPr id="3" name="Titel 2"/>
-          <p:cNvSpPr>
-            <a:spLocks noGrp="1"/>
-          </p:cNvSpPr>
-          <p:nvPr>
-            <p:ph type="title"/>
-          </p:nvPr>
-        </p:nvSpPr>
-        <p:spPr/>
-        <p:txBody>
-          <a:bodyPr/>
-          <a:lstStyle/>
-          <a:p>
-            <a:r>
-              <a:rPr lang="de-CH" dirty="0" err="1" smtClean="0"/>
-              <a:t>Layers</a:t>
-            </a:r>
-            <a:r>
-              <a:rPr lang="de-CH" dirty="0" smtClean="0"/>
-              <a:t> / Packages</a:t>
-            </a:r>
-            <a:endParaRPr lang="de-CH" dirty="0"/>
-          </a:p>
-        </p:txBody>
-      </p:sp>
-    </p:spTree>
-    <p:extLst>
-      <p:ext uri="{BB962C8B-B14F-4D97-AF65-F5344CB8AC3E}">
-        <p14:creationId xmlns:p14="http://schemas.microsoft.com/office/powerpoint/2010/main" val="1515303313"/>
-      </p:ext>
-    </p:extLst>
-  </p:cSld>
-  <p:clrMapOvr>
-    <a:masterClrMapping/>
-  </p:clrMapOvr>
-  <p:transition/>
+  <mc:AlternateContent xmlns:mc="http://schemas.openxmlformats.org/markup-compatibility/2006">
+    <mc:Choice xmlns:p14="http://schemas.microsoft.com/office/powerpoint/2010/main" Requires="p14">
+      <p:transition p14:dur="0"/>
+    </mc:Choice>
+    <mc:Fallback>
+      <p:transition/>
+    </mc:Fallback>
+  </mc:AlternateContent>
   <p:timing>
     <p:tnLst>
       <p:par>
@@ -8902,68 +8934,123 @@
           <a:chExt cx="0" cy="0"/>
         </a:xfrm>
       </p:grpSpPr>
-      <p:pic>
-        <p:nvPicPr>
-          <p:cNvPr id="1026" name="Picture 2"/>
-          <p:cNvPicPr>
-            <a:picLocks noChangeAspect="1" noChangeArrowheads="1"/>
-          </p:cNvPicPr>
+      <p:grpSp>
+        <p:nvGrpSpPr>
+          <p:cNvPr id="3" name="Gruppieren 2"/>
+          <p:cNvGrpSpPr/>
           <p:nvPr/>
-        </p:nvPicPr>
-        <p:blipFill rotWithShape="1">
-          <a:blip r:embed="rId3">
-            <a:extLst>
-              <a:ext uri="{28A0092B-C50C-407E-A947-70E740481C1C}">
-                <a14:useLocalDpi xmlns:a14="http://schemas.microsoft.com/office/drawing/2010/main" val="0"/>
-              </a:ext>
-            </a:extLst>
-          </a:blip>
-          <a:srcRect l="2451" t="2673" r="1836" b="1761"/>
-          <a:stretch/>
-        </p:blipFill>
-        <p:spPr bwMode="auto">
+        </p:nvGrpSpPr>
+        <p:grpSpPr>
           <a:xfrm>
             <a:off x="36511" y="327546"/>
             <a:ext cx="9144001" cy="10112991"/>
+            <a:chOff x="36511" y="327546"/>
+            <a:chExt cx="9144001" cy="10112991"/>
           </a:xfrm>
-          <a:prstGeom prst="rect">
-            <a:avLst/>
-          </a:prstGeom>
-          <a:noFill/>
-          <a:ln>
+        </p:grpSpPr>
+        <p:pic>
+          <p:nvPicPr>
+            <p:cNvPr id="1026" name="Picture 2"/>
+            <p:cNvPicPr>
+              <a:picLocks noChangeAspect="1" noChangeArrowheads="1"/>
+            </p:cNvPicPr>
+            <p:nvPr/>
+          </p:nvPicPr>
+          <p:blipFill rotWithShape="1">
+            <a:blip r:embed="rId3">
+              <a:extLst>
+                <a:ext uri="{28A0092B-C50C-407E-A947-70E740481C1C}">
+                  <a14:useLocalDpi xmlns:a14="http://schemas.microsoft.com/office/drawing/2010/main" val="0"/>
+                </a:ext>
+              </a:extLst>
+            </a:blip>
+            <a:srcRect l="2451" t="2673" r="1836" b="1761"/>
+            <a:stretch/>
+          </p:blipFill>
+          <p:spPr bwMode="auto">
+            <a:xfrm>
+              <a:off x="36511" y="327546"/>
+              <a:ext cx="9144001" cy="10112991"/>
+            </a:xfrm>
+            <a:prstGeom prst="rect">
+              <a:avLst/>
+            </a:prstGeom>
             <a:noFill/>
-          </a:ln>
-          <a:effectLst/>
-          <a:extLst>
-            <a:ext uri="{909E8E84-426E-40DD-AFC4-6F175D3DCCD1}">
-              <a14:hiddenFill xmlns:a14="http://schemas.microsoft.com/office/drawing/2010/main">
-                <a:solidFill>
-                  <a:schemeClr val="accent1"/>
-                </a:solidFill>
-              </a14:hiddenFill>
-            </a:ext>
-            <a:ext uri="{91240B29-F687-4F45-9708-019B960494DF}">
-              <a14:hiddenLine xmlns:a14="http://schemas.microsoft.com/office/drawing/2010/main" w="9525">
-                <a:solidFill>
-                  <a:schemeClr val="tx1"/>
-                </a:solidFill>
-                <a:miter lim="800000"/>
-                <a:headEnd/>
-                <a:tailEnd/>
-              </a14:hiddenLine>
-            </a:ext>
-            <a:ext uri="{AF507438-7753-43E0-B8FC-AC1667EBCBE1}">
-              <a14:hiddenEffects xmlns:a14="http://schemas.microsoft.com/office/drawing/2010/main">
-                <a:effectLst>
-                  <a:outerShdw dist="35921" dir="2700000" algn="ctr" rotWithShape="0">
-                    <a:schemeClr val="bg2"/>
-                  </a:outerShdw>
-                </a:effectLst>
-              </a14:hiddenEffects>
-            </a:ext>
-          </a:extLst>
-        </p:spPr>
-      </p:pic>
+            <a:ln>
+              <a:noFill/>
+            </a:ln>
+            <a:effectLst/>
+            <a:extLst>
+              <a:ext uri="{909E8E84-426E-40DD-AFC4-6F175D3DCCD1}">
+                <a14:hiddenFill xmlns:a14="http://schemas.microsoft.com/office/drawing/2010/main">
+                  <a:solidFill>
+                    <a:schemeClr val="accent1"/>
+                  </a:solidFill>
+                </a14:hiddenFill>
+              </a:ext>
+              <a:ext uri="{91240B29-F687-4F45-9708-019B960494DF}">
+                <a14:hiddenLine xmlns:a14="http://schemas.microsoft.com/office/drawing/2010/main" w="9525">
+                  <a:solidFill>
+                    <a:schemeClr val="tx1"/>
+                  </a:solidFill>
+                  <a:miter lim="800000"/>
+                  <a:headEnd/>
+                  <a:tailEnd/>
+                </a14:hiddenLine>
+              </a:ext>
+              <a:ext uri="{AF507438-7753-43E0-B8FC-AC1667EBCBE1}">
+                <a14:hiddenEffects xmlns:a14="http://schemas.microsoft.com/office/drawing/2010/main">
+                  <a:effectLst>
+                    <a:outerShdw dist="35921" dir="2700000" algn="ctr" rotWithShape="0">
+                      <a:schemeClr val="bg2"/>
+                    </a:outerShdw>
+                  </a:effectLst>
+                </a14:hiddenEffects>
+              </a:ext>
+            </a:extLst>
+          </p:spPr>
+        </p:pic>
+        <p:sp>
+          <p:nvSpPr>
+            <p:cNvPr id="2" name="Ellipse 1"/>
+            <p:cNvSpPr/>
+            <p:nvPr/>
+          </p:nvSpPr>
+          <p:spPr>
+            <a:xfrm>
+              <a:off x="323528" y="4149080"/>
+              <a:ext cx="576064" cy="576064"/>
+            </a:xfrm>
+            <a:prstGeom prst="ellipse">
+              <a:avLst/>
+            </a:prstGeom>
+          </p:spPr>
+          <p:style>
+            <a:lnRef idx="2">
+              <a:schemeClr val="accent1">
+                <a:shade val="50000"/>
+              </a:schemeClr>
+            </a:lnRef>
+            <a:fillRef idx="1">
+              <a:schemeClr val="accent1"/>
+            </a:fillRef>
+            <a:effectRef idx="0">
+              <a:schemeClr val="accent1"/>
+            </a:effectRef>
+            <a:fontRef idx="minor">
+              <a:schemeClr val="lt1"/>
+            </a:fontRef>
+          </p:style>
+          <p:txBody>
+            <a:bodyPr rtlCol="0" anchor="ctr"/>
+            <a:lstStyle/>
+            <a:p>
+              <a:pPr algn="ctr"/>
+              <a:endParaRPr lang="de-CH"/>
+            </a:p>
+          </p:txBody>
+        </p:sp>
+      </p:grpSp>
     </p:spTree>
     <p:extLst>
       <p:ext uri="{BB962C8B-B14F-4D97-AF65-F5344CB8AC3E}">
@@ -8978,7 +9065,70 @@
   <p:timing>
     <p:tnLst>
       <p:par>
-        <p:cTn id="1" dur="indefinite" restart="never" nodeType="tmRoot"/>
+        <p:cTn id="1" dur="indefinite" restart="never" nodeType="tmRoot">
+          <p:childTnLst>
+            <p:seq concurrent="1" nextAc="seek">
+              <p:cTn id="2" dur="indefinite" nodeType="mainSeq">
+                <p:childTnLst>
+                  <p:par>
+                    <p:cTn id="3" fill="hold">
+                      <p:stCondLst>
+                        <p:cond delay="indefinite"/>
+                      </p:stCondLst>
+                      <p:childTnLst>
+                        <p:par>
+                          <p:cTn id="4" fill="hold">
+                            <p:stCondLst>
+                              <p:cond delay="0"/>
+                            </p:stCondLst>
+                            <p:childTnLst>
+                              <p:par>
+                                <p:cTn id="5" presetID="0" presetClass="path" presetSubtype="0" accel="50000" decel="50000" fill="hold" nodeType="clickEffect">
+                                  <p:stCondLst>
+                                    <p:cond delay="0"/>
+                                  </p:stCondLst>
+                                  <p:childTnLst>
+                                    <p:animMotion origin="layout" path="M -3.05556E-6 2.43293E-6 L 0.00018 -0.54695 " pathEditMode="relative" rAng="0" ptsTypes="AA">
+                                      <p:cBhvr>
+                                        <p:cTn id="6" dur="2000" fill="hold"/>
+                                        <p:tgtEl>
+                                          <p:spTgt spid="3"/>
+                                        </p:tgtEl>
+                                        <p:attrNameLst>
+                                          <p:attrName>ppt_x</p:attrName>
+                                          <p:attrName>ppt_y</p:attrName>
+                                        </p:attrNameLst>
+                                      </p:cBhvr>
+                                      <p:rCtr x="0" y="-27359"/>
+                                    </p:animMotion>
+                                  </p:childTnLst>
+                                </p:cTn>
+                              </p:par>
+                            </p:childTnLst>
+                          </p:cTn>
+                        </p:par>
+                      </p:childTnLst>
+                    </p:cTn>
+                  </p:par>
+                </p:childTnLst>
+              </p:cTn>
+              <p:prevCondLst>
+                <p:cond evt="onPrev" delay="0">
+                  <p:tgtEl>
+                    <p:sldTgt/>
+                  </p:tgtEl>
+                </p:cond>
+              </p:prevCondLst>
+              <p:nextCondLst>
+                <p:cond evt="onNext" delay="0">
+                  <p:tgtEl>
+                    <p:sldTgt/>
+                  </p:tgtEl>
+                </p:cond>
+              </p:nextCondLst>
+            </p:seq>
+          </p:childTnLst>
+        </p:cTn>
       </p:par>
     </p:tnLst>
   </p:timing>
@@ -9002,106 +9152,6 @@
           <a:chExt cx="0" cy="0"/>
         </a:xfrm>
       </p:grpSpPr>
-      <p:pic>
-        <p:nvPicPr>
-          <p:cNvPr id="4" name="Picture 2"/>
-          <p:cNvPicPr>
-            <a:picLocks noChangeAspect="1" noChangeArrowheads="1"/>
-          </p:cNvPicPr>
-          <p:nvPr/>
-        </p:nvPicPr>
-        <p:blipFill rotWithShape="1">
-          <a:blip r:embed="rId3">
-            <a:extLst>
-              <a:ext uri="{28A0092B-C50C-407E-A947-70E740481C1C}">
-                <a14:useLocalDpi xmlns:a14="http://schemas.microsoft.com/office/drawing/2010/main" val="0"/>
-              </a:ext>
-            </a:extLst>
-          </a:blip>
-          <a:srcRect l="2451" t="2673" r="1836" b="1761"/>
-          <a:stretch/>
-        </p:blipFill>
-        <p:spPr bwMode="auto">
-          <a:xfrm>
-            <a:off x="35496" y="-3915816"/>
-            <a:ext cx="9144001" cy="10112991"/>
-          </a:xfrm>
-          <a:prstGeom prst="rect">
-            <a:avLst/>
-          </a:prstGeom>
-          <a:noFill/>
-          <a:ln>
-            <a:noFill/>
-          </a:ln>
-          <a:effectLst/>
-          <a:extLst>
-            <a:ext uri="{909E8E84-426E-40DD-AFC4-6F175D3DCCD1}">
-              <a14:hiddenFill xmlns:a14="http://schemas.microsoft.com/office/drawing/2010/main">
-                <a:solidFill>
-                  <a:schemeClr val="accent1"/>
-                </a:solidFill>
-              </a14:hiddenFill>
-            </a:ext>
-            <a:ext uri="{91240B29-F687-4F45-9708-019B960494DF}">
-              <a14:hiddenLine xmlns:a14="http://schemas.microsoft.com/office/drawing/2010/main" w="9525">
-                <a:solidFill>
-                  <a:schemeClr val="tx1"/>
-                </a:solidFill>
-                <a:miter lim="800000"/>
-                <a:headEnd/>
-                <a:tailEnd/>
-              </a14:hiddenLine>
-            </a:ext>
-            <a:ext uri="{AF507438-7753-43E0-B8FC-AC1667EBCBE1}">
-              <a14:hiddenEffects xmlns:a14="http://schemas.microsoft.com/office/drawing/2010/main">
-                <a:effectLst>
-                  <a:outerShdw dist="35921" dir="2700000" algn="ctr" rotWithShape="0">
-                    <a:schemeClr val="bg2"/>
-                  </a:outerShdw>
-                </a:effectLst>
-              </a14:hiddenEffects>
-            </a:ext>
-          </a:extLst>
-        </p:spPr>
-      </p:pic>
-    </p:spTree>
-    <p:extLst>
-      <p:ext uri="{BB962C8B-B14F-4D97-AF65-F5344CB8AC3E}">
-        <p14:creationId xmlns:p14="http://schemas.microsoft.com/office/powerpoint/2010/main" val="1314904802"/>
-      </p:ext>
-    </p:extLst>
-  </p:cSld>
-  <p:clrMapOvr>
-    <a:masterClrMapping/>
-  </p:clrMapOvr>
-  <p:transition/>
-  <p:timing>
-    <p:tnLst>
-      <p:par>
-        <p:cTn id="1" dur="indefinite" restart="never" nodeType="tmRoot"/>
-      </p:par>
-    </p:tnLst>
-  </p:timing>
-</p:sld>
-</file>
-
-<file path=ppt/slides/slide14.xml><?xml version="1.0" encoding="utf-8"?>
-<p:sld xmlns:a="http://schemas.openxmlformats.org/drawingml/2006/main" xmlns:r="http://schemas.openxmlformats.org/officeDocument/2006/relationships" xmlns:p="http://schemas.openxmlformats.org/presentationml/2006/main">
-  <p:cSld>
-    <p:spTree>
-      <p:nvGrpSpPr>
-        <p:cNvPr id="1" name=""/>
-        <p:cNvGrpSpPr/>
-        <p:nvPr/>
-      </p:nvGrpSpPr>
-      <p:grpSpPr>
-        <a:xfrm>
-          <a:off x="0" y="0"/>
-          <a:ext cx="0" cy="0"/>
-          <a:chOff x="0" y="0"/>
-          <a:chExt cx="0" cy="0"/>
-        </a:xfrm>
-      </p:grpSpPr>
       <p:sp>
         <p:nvSpPr>
           <p:cNvPr id="2" name="Inhaltsplatzhalter 1"/>
@@ -9162,17 +9212,11 @@
             </a:r>
           </a:p>
           <a:p>
-            <a:pPr lvl="1"/>
-            <a:r>
-              <a:rPr lang="de-CH" dirty="0" smtClean="0"/>
-              <a:t>Auch friendly / protected kann getestet werden</a:t>
-            </a:r>
-          </a:p>
-          <a:p>
             <a:r>
               <a:rPr lang="de-CH" dirty="0" smtClean="0"/>
               <a:t>Frameworks</a:t>
             </a:r>
+            <a:endParaRPr lang="de-CH" dirty="0" smtClean="0"/>
           </a:p>
           <a:p>
             <a:pPr lvl="1"/>
@@ -9258,7 +9302,7 @@
 </p:sld>
 </file>
 
-<file path=ppt/slides/slide15.xml><?xml version="1.0" encoding="utf-8"?>
+<file path=ppt/slides/slide14.xml><?xml version="1.0" encoding="utf-8"?>
 <p:sld xmlns:a="http://schemas.openxmlformats.org/drawingml/2006/main" xmlns:r="http://schemas.openxmlformats.org/officeDocument/2006/relationships" xmlns:p="http://schemas.openxmlformats.org/presentationml/2006/main">
   <p:cSld>
     <p:spTree>
@@ -9381,7 +9425,7 @@
 </p:sld>
 </file>
 
-<file path=ppt/slides/slide16.xml><?xml version="1.0" encoding="utf-8"?>
+<file path=ppt/slides/slide15.xml><?xml version="1.0" encoding="utf-8"?>
 <p:sld xmlns:a="http://schemas.openxmlformats.org/drawingml/2006/main" xmlns:r="http://schemas.openxmlformats.org/officeDocument/2006/relationships" xmlns:p="http://schemas.openxmlformats.org/presentationml/2006/main">
   <p:cSld>
     <p:spTree>
@@ -9508,7 +9552,7 @@
 </p:sld>
 </file>
 
-<file path=ppt/slides/slide17.xml><?xml version="1.0" encoding="utf-8"?>
+<file path=ppt/slides/slide16.xml><?xml version="1.0" encoding="utf-8"?>
 <p:sld xmlns:a="http://schemas.openxmlformats.org/drawingml/2006/main" xmlns:r="http://schemas.openxmlformats.org/officeDocument/2006/relationships" xmlns:p="http://schemas.openxmlformats.org/presentationml/2006/main">
   <p:cSld>
     <p:spTree>
@@ -9527,7 +9571,7 @@
       </p:grpSpPr>
       <p:sp>
         <p:nvSpPr>
-          <p:cNvPr id="4" name="Titel 3"/>
+          <p:cNvPr id="3" name="Titel 3"/>
           <p:cNvSpPr>
             <a:spLocks noGrp="1"/>
           </p:cNvSpPr>
@@ -9535,7 +9579,12 @@
             <p:ph type="title"/>
           </p:nvPr>
         </p:nvSpPr>
-        <p:spPr/>
+        <p:spPr>
+          <a:xfrm>
+            <a:off x="457200" y="274638"/>
+            <a:ext cx="8229600" cy="1143000"/>
+          </a:xfrm>
+        </p:spPr>
         <p:txBody>
           <a:bodyPr>
             <a:normAutofit/>
@@ -9554,51 +9603,6 @@
           </a:p>
         </p:txBody>
       </p:sp>
-    </p:spTree>
-    <p:extLst>
-      <p:ext uri="{BB962C8B-B14F-4D97-AF65-F5344CB8AC3E}">
-        <p14:creationId xmlns:p14="http://schemas.microsoft.com/office/powerpoint/2010/main" val="3846578893"/>
-      </p:ext>
-    </p:extLst>
-  </p:cSld>
-  <p:clrMapOvr>
-    <a:masterClrMapping/>
-  </p:clrMapOvr>
-  <mc:AlternateContent xmlns:mc="http://schemas.openxmlformats.org/markup-compatibility/2006" xmlns:p14="http://schemas.microsoft.com/office/powerpoint/2010/main">
-    <mc:Choice Requires="p14">
-      <p:transition p14:dur="0"/>
-    </mc:Choice>
-    <mc:Fallback xmlns="">
-      <p:transition/>
-    </mc:Fallback>
-  </mc:AlternateContent>
-  <p:timing>
-    <p:tnLst>
-      <p:par>
-        <p:cTn id="1" dur="indefinite" restart="never" nodeType="tmRoot"/>
-      </p:par>
-    </p:tnLst>
-  </p:timing>
-</p:sld>
-</file>
-
-<file path=ppt/slides/slide18.xml><?xml version="1.0" encoding="utf-8"?>
-<p:sld xmlns:a="http://schemas.openxmlformats.org/drawingml/2006/main" xmlns:r="http://schemas.openxmlformats.org/officeDocument/2006/relationships" xmlns:p="http://schemas.openxmlformats.org/presentationml/2006/main">
-  <p:cSld>
-    <p:spTree>
-      <p:nvGrpSpPr>
-        <p:cNvPr id="1" name=""/>
-        <p:cNvGrpSpPr/>
-        <p:nvPr/>
-      </p:nvGrpSpPr>
-      <p:grpSpPr>
-        <a:xfrm>
-          <a:off x="0" y="0"/>
-          <a:ext cx="0" cy="0"/>
-          <a:chOff x="0" y="0"/>
-          <a:chExt cx="0" cy="0"/>
-        </a:xfrm>
-      </p:grpSpPr>
       <p:pic>
         <p:nvPicPr>
           <p:cNvPr id="4" name="Picture 2"/>
@@ -9620,8 +9624,8 @@
         </p:blipFill>
         <p:spPr bwMode="auto">
           <a:xfrm>
-            <a:off x="1475656" y="37330"/>
-            <a:ext cx="6729526" cy="6908602"/>
+            <a:off x="2605025" y="1196752"/>
+            <a:ext cx="4470788" cy="4589758"/>
           </a:xfrm>
           <a:prstGeom prst="rect">
             <a:avLst/>
@@ -9675,14 +9679,157 @@
   <p:timing>
     <p:tnLst>
       <p:par>
-        <p:cTn id="1" dur="indefinite" restart="never" nodeType="tmRoot"/>
+        <p:cTn id="1" dur="indefinite" restart="never" nodeType="tmRoot">
+          <p:childTnLst>
+            <p:seq concurrent="1" nextAc="seek">
+              <p:cTn id="2" dur="indefinite" nodeType="mainSeq">
+                <p:childTnLst>
+                  <p:par>
+                    <p:cTn id="3" fill="hold">
+                      <p:stCondLst>
+                        <p:cond delay="indefinite"/>
+                      </p:stCondLst>
+                      <p:childTnLst>
+                        <p:par>
+                          <p:cTn id="4" fill="hold">
+                            <p:stCondLst>
+                              <p:cond delay="0"/>
+                            </p:stCondLst>
+                            <p:childTnLst>
+                              <p:par>
+                                <p:cTn id="5" presetID="6" presetClass="emph" presetSubtype="0" fill="hold" nodeType="clickEffect">
+                                  <p:stCondLst>
+                                    <p:cond delay="0"/>
+                                  </p:stCondLst>
+                                  <p:childTnLst>
+                                    <p:animScale>
+                                      <p:cBhvr>
+                                        <p:cTn id="6" dur="500" fill="hold"/>
+                                        <p:tgtEl>
+                                          <p:spTgt spid="4"/>
+                                        </p:tgtEl>
+                                      </p:cBhvr>
+                                      <p:by x="150000" y="150000"/>
+                                    </p:animScale>
+                                  </p:childTnLst>
+                                </p:cTn>
+                              </p:par>
+                              <p:par>
+                                <p:cTn id="7" presetID="47" presetClass="exit" presetSubtype="0" fill="hold" grpId="0" nodeType="withEffect">
+                                  <p:stCondLst>
+                                    <p:cond delay="0"/>
+                                  </p:stCondLst>
+                                  <p:childTnLst>
+                                    <p:animEffect transition="out" filter="fade">
+                                      <p:cBhvr>
+                                        <p:cTn id="8" dur="500"/>
+                                        <p:tgtEl>
+                                          <p:spTgt spid="3"/>
+                                        </p:tgtEl>
+                                      </p:cBhvr>
+                                    </p:animEffect>
+                                    <p:anim calcmode="lin" valueType="num">
+                                      <p:cBhvr>
+                                        <p:cTn id="9" dur="500"/>
+                                        <p:tgtEl>
+                                          <p:spTgt spid="3"/>
+                                        </p:tgtEl>
+                                        <p:attrNameLst>
+                                          <p:attrName>ppt_x</p:attrName>
+                                        </p:attrNameLst>
+                                      </p:cBhvr>
+                                      <p:tavLst>
+                                        <p:tav tm="0">
+                                          <p:val>
+                                            <p:strVal val="ppt_x"/>
+                                          </p:val>
+                                        </p:tav>
+                                        <p:tav tm="100000">
+                                          <p:val>
+                                            <p:strVal val="ppt_x"/>
+                                          </p:val>
+                                        </p:tav>
+                                      </p:tavLst>
+                                    </p:anim>
+                                    <p:anim calcmode="lin" valueType="num">
+                                      <p:cBhvr>
+                                        <p:cTn id="10" dur="500"/>
+                                        <p:tgtEl>
+                                          <p:spTgt spid="3"/>
+                                        </p:tgtEl>
+                                        <p:attrNameLst>
+                                          <p:attrName>ppt_y</p:attrName>
+                                        </p:attrNameLst>
+                                      </p:cBhvr>
+                                      <p:tavLst>
+                                        <p:tav tm="0">
+                                          <p:val>
+                                            <p:strVal val="ppt_y"/>
+                                          </p:val>
+                                        </p:tav>
+                                        <p:tav tm="100000">
+                                          <p:val>
+                                            <p:strVal val="ppt_y-.1"/>
+                                          </p:val>
+                                        </p:tav>
+                                      </p:tavLst>
+                                    </p:anim>
+                                    <p:set>
+                                      <p:cBhvr>
+                                        <p:cTn id="11" dur="1" fill="hold">
+                                          <p:stCondLst>
+                                            <p:cond delay="499"/>
+                                          </p:stCondLst>
+                                        </p:cTn>
+                                        <p:tgtEl>
+                                          <p:spTgt spid="3"/>
+                                        </p:tgtEl>
+                                        <p:attrNameLst>
+                                          <p:attrName>style.visibility</p:attrName>
+                                        </p:attrNameLst>
+                                      </p:cBhvr>
+                                      <p:to>
+                                        <p:strVal val="hidden"/>
+                                      </p:to>
+                                    </p:set>
+                                  </p:childTnLst>
+                                </p:cTn>
+                              </p:par>
+                            </p:childTnLst>
+                          </p:cTn>
+                        </p:par>
+                      </p:childTnLst>
+                    </p:cTn>
+                  </p:par>
+                </p:childTnLst>
+              </p:cTn>
+              <p:prevCondLst>
+                <p:cond evt="onPrev" delay="0">
+                  <p:tgtEl>
+                    <p:sldTgt/>
+                  </p:tgtEl>
+                </p:cond>
+              </p:prevCondLst>
+              <p:nextCondLst>
+                <p:cond evt="onNext" delay="0">
+                  <p:tgtEl>
+                    <p:sldTgt/>
+                  </p:tgtEl>
+                </p:cond>
+              </p:nextCondLst>
+            </p:seq>
+          </p:childTnLst>
+        </p:cTn>
       </p:par>
     </p:tnLst>
+    <p:bldLst>
+      <p:bldP spid="3" grpId="0"/>
+    </p:bldLst>
   </p:timing>
 </p:sld>
 </file>
 
-<file path=ppt/slides/slide19.xml><?xml version="1.0" encoding="utf-8"?>
+<file path=ppt/slides/slide17.xml><?xml version="1.0" encoding="utf-8"?>
 <p:sld xmlns:a="http://schemas.openxmlformats.org/drawingml/2006/main" xmlns:r="http://schemas.openxmlformats.org/officeDocument/2006/relationships" xmlns:p="http://schemas.openxmlformats.org/presentationml/2006/main">
   <p:cSld>
     <p:spTree>
@@ -9833,6 +9980,47 @@
           </a:p>
         </p:txBody>
       </p:sp>
+      <p:pic>
+        <p:nvPicPr>
+          <p:cNvPr id="2055" name="Picture 7" descr="D:\Users\Lukas Elmer\AppData\Local\Microsoft\Windows\Temporary Internet Files\Content.IE5\I741X3V9\MC900230508[1].wmf"/>
+          <p:cNvPicPr>
+            <a:picLocks noChangeAspect="1" noChangeArrowheads="1"/>
+          </p:cNvPicPr>
+          <p:nvPr/>
+        </p:nvPicPr>
+        <p:blipFill>
+          <a:blip r:embed="rId3" cstate="print">
+            <a:extLst>
+              <a:ext uri="{28A0092B-C50C-407E-A947-70E740481C1C}">
+                <a14:useLocalDpi xmlns:a14="http://schemas.microsoft.com/office/drawing/2010/main" val="0"/>
+              </a:ext>
+            </a:extLst>
+          </a:blip>
+          <a:srcRect/>
+          <a:stretch>
+            <a:fillRect/>
+          </a:stretch>
+        </p:blipFill>
+        <p:spPr bwMode="auto">
+          <a:xfrm flipH="1">
+            <a:off x="6948264" y="4869160"/>
+            <a:ext cx="1920995" cy="1703845"/>
+          </a:xfrm>
+          <a:prstGeom prst="rect">
+            <a:avLst/>
+          </a:prstGeom>
+          <a:noFill/>
+          <a:extLst>
+            <a:ext uri="{909E8E84-426E-40DD-AFC4-6F175D3DCCD1}">
+              <a14:hiddenFill xmlns:a14="http://schemas.microsoft.com/office/drawing/2010/main">
+                <a:solidFill>
+                  <a:srgbClr val="FFFFFF"/>
+                </a:solidFill>
+              </a14:hiddenFill>
+            </a:ext>
+          </a:extLst>
+        </p:spPr>
+      </p:pic>
     </p:spTree>
     <p:extLst>
       <p:ext uri="{BB962C8B-B14F-4D97-AF65-F5344CB8AC3E}">
@@ -9854,219 +10042,7 @@
 </p:sld>
 </file>
 
-<file path=ppt/slides/slide2.xml><?xml version="1.0" encoding="utf-8"?>
-<p:sld xmlns:a="http://schemas.openxmlformats.org/drawingml/2006/main" xmlns:r="http://schemas.openxmlformats.org/officeDocument/2006/relationships" xmlns:p="http://schemas.openxmlformats.org/presentationml/2006/main">
-  <p:cSld>
-    <p:spTree>
-      <p:nvGrpSpPr>
-        <p:cNvPr id="1" name=""/>
-        <p:cNvGrpSpPr/>
-        <p:nvPr/>
-      </p:nvGrpSpPr>
-      <p:grpSpPr>
-        <a:xfrm>
-          <a:off x="0" y="0"/>
-          <a:ext cx="0" cy="0"/>
-          <a:chOff x="0" y="0"/>
-          <a:chExt cx="0" cy="0"/>
-        </a:xfrm>
-      </p:grpSpPr>
-      <p:sp>
-        <p:nvSpPr>
-          <p:cNvPr id="3" name="Inhaltsplatzhalter 2"/>
-          <p:cNvSpPr>
-            <a:spLocks noGrp="1"/>
-          </p:cNvSpPr>
-          <p:nvPr>
-            <p:ph idx="1"/>
-          </p:nvPr>
-        </p:nvSpPr>
-        <p:spPr/>
-        <p:txBody>
-          <a:bodyPr>
-            <a:normAutofit lnSpcReduction="10000"/>
-          </a:bodyPr>
-          <a:lstStyle/>
-          <a:p>
-            <a:r>
-              <a:rPr lang="de-CH" sz="3000" dirty="0" smtClean="0"/>
-              <a:t>Ziele, Risiken</a:t>
-            </a:r>
-          </a:p>
-          <a:p>
-            <a:r>
-              <a:rPr lang="de-CH" sz="3000" dirty="0" smtClean="0"/>
-              <a:t>Funktionalität Prototyp</a:t>
-            </a:r>
-          </a:p>
-          <a:p>
-            <a:r>
-              <a:rPr lang="de-CH" sz="3000" dirty="0" smtClean="0"/>
-              <a:t>Architektur</a:t>
-            </a:r>
-            <a:endParaRPr lang="de-CH" sz="2200" dirty="0" smtClean="0"/>
-          </a:p>
-          <a:p>
-            <a:pPr lvl="1"/>
-            <a:r>
-              <a:rPr lang="de-CH" sz="2600" dirty="0" smtClean="0"/>
-              <a:t>Übersicht</a:t>
-            </a:r>
-          </a:p>
-          <a:p>
-            <a:pPr lvl="1"/>
-            <a:r>
-              <a:rPr lang="de-CH" sz="2600" dirty="0" smtClean="0"/>
-              <a:t>Tiers &amp; </a:t>
-            </a:r>
-            <a:r>
-              <a:rPr lang="de-CH" sz="2600" dirty="0" err="1" smtClean="0"/>
-              <a:t>Layers</a:t>
-            </a:r>
-            <a:r>
-              <a:rPr lang="de-CH" sz="2600" dirty="0" smtClean="0"/>
-              <a:t> </a:t>
-            </a:r>
-            <a:r>
-              <a:rPr lang="de-CH" sz="2600" dirty="0" smtClean="0">
-                <a:sym typeface="Wingdings" pitchFamily="2" charset="2"/>
-              </a:rPr>
-              <a:t> </a:t>
-            </a:r>
-            <a:r>
-              <a:rPr lang="de-CH" sz="2600" dirty="0" smtClean="0"/>
-              <a:t>Packages</a:t>
-            </a:r>
-          </a:p>
-          <a:p>
-            <a:pPr lvl="1"/>
-            <a:r>
-              <a:rPr lang="de-CH" sz="2600" dirty="0" smtClean="0"/>
-              <a:t>Problemdomains</a:t>
-            </a:r>
-          </a:p>
-          <a:p>
-            <a:r>
-              <a:rPr lang="de-CH" sz="3000" dirty="0" smtClean="0"/>
-              <a:t>Tests</a:t>
-            </a:r>
-          </a:p>
-          <a:p>
-            <a:r>
-              <a:rPr lang="de-CH" sz="3000" dirty="0" smtClean="0"/>
-              <a:t>Live-Demo</a:t>
-            </a:r>
-          </a:p>
-          <a:p>
-            <a:r>
-              <a:rPr lang="de-CH" sz="3000" dirty="0" smtClean="0"/>
-              <a:t>Projektstand</a:t>
-            </a:r>
-          </a:p>
-          <a:p>
-            <a:r>
-              <a:rPr lang="de-CH" sz="3000" dirty="0" smtClean="0"/>
-              <a:t>Zusammenfassung</a:t>
-            </a:r>
-            <a:endParaRPr lang="de-CH" sz="3000" dirty="0"/>
-          </a:p>
-          <a:p>
-            <a:endParaRPr lang="de-CH" dirty="0" smtClean="0"/>
-          </a:p>
-        </p:txBody>
-      </p:sp>
-      <p:sp>
-        <p:nvSpPr>
-          <p:cNvPr id="2" name="Titel 1"/>
-          <p:cNvSpPr>
-            <a:spLocks noGrp="1"/>
-          </p:cNvSpPr>
-          <p:nvPr>
-            <p:ph type="title"/>
-          </p:nvPr>
-        </p:nvSpPr>
-        <p:spPr/>
-        <p:txBody>
-          <a:bodyPr>
-            <a:normAutofit/>
-          </a:bodyPr>
-          <a:lstStyle/>
-          <a:p>
-            <a:r>
-              <a:rPr lang="de-CH" dirty="0" smtClean="0"/>
-              <a:t>Inhalt</a:t>
-            </a:r>
-            <a:endParaRPr lang="de-CH" dirty="0"/>
-          </a:p>
-        </p:txBody>
-      </p:sp>
-      <p:pic>
-        <p:nvPicPr>
-          <p:cNvPr id="2051" name="Picture 3" descr="C:\Users\Lukas Elmer\AppData\Local\Microsoft\Windows\Temporary Internet Files\Content.IE5\E2GAV9V0\MP900409575[1].jpg"/>
-          <p:cNvPicPr>
-            <a:picLocks noChangeAspect="1" noChangeArrowheads="1"/>
-          </p:cNvPicPr>
-          <p:nvPr/>
-        </p:nvPicPr>
-        <p:blipFill>
-          <a:blip r:embed="rId3" cstate="print">
-            <a:extLst>
-              <a:ext uri="{28A0092B-C50C-407E-A947-70E740481C1C}">
-                <a14:useLocalDpi xmlns:a14="http://schemas.microsoft.com/office/drawing/2010/main" val="0"/>
-              </a:ext>
-            </a:extLst>
-          </a:blip>
-          <a:srcRect/>
-          <a:stretch>
-            <a:fillRect/>
-          </a:stretch>
-        </p:blipFill>
-        <p:spPr bwMode="auto">
-          <a:xfrm>
-            <a:off x="7236295" y="4581128"/>
-            <a:ext cx="1620279" cy="1620279"/>
-          </a:xfrm>
-          <a:prstGeom prst="roundRect">
-            <a:avLst>
-              <a:gd name="adj" fmla="val 8594"/>
-            </a:avLst>
-          </a:prstGeom>
-          <a:solidFill>
-            <a:srgbClr val="FFFFFF">
-              <a:shade val="85000"/>
-            </a:srgbClr>
-          </a:solidFill>
-          <a:ln>
-            <a:noFill/>
-          </a:ln>
-          <a:effectLst>
-            <a:reflection blurRad="12700" stA="38000" endPos="28000" dist="5000" dir="5400000" sy="-100000" algn="bl" rotWithShape="0"/>
-          </a:effectLst>
-          <a:extLst/>
-        </p:spPr>
-      </p:pic>
-    </p:spTree>
-    <p:extLst>
-      <p:ext uri="{BB962C8B-B14F-4D97-AF65-F5344CB8AC3E}">
-        <p14:creationId xmlns:p14="http://schemas.microsoft.com/office/powerpoint/2010/main" val="3627624472"/>
-      </p:ext>
-    </p:extLst>
-  </p:cSld>
-  <p:clrMapOvr>
-    <a:masterClrMapping/>
-  </p:clrMapOvr>
-  <p:transition/>
-  <p:timing>
-    <p:tnLst>
-      <p:par>
-        <p:cTn id="1" dur="indefinite" restart="never" nodeType="tmRoot"/>
-      </p:par>
-    </p:tnLst>
-  </p:timing>
-</p:sld>
-</file>
-
-<file path=ppt/slides/slide20.xml><?xml version="1.0" encoding="utf-8"?>
+<file path=ppt/slides/slide18.xml><?xml version="1.0" encoding="utf-8"?>
 <p:sld xmlns:a="http://schemas.openxmlformats.org/drawingml/2006/main" xmlns:r="http://schemas.openxmlformats.org/officeDocument/2006/relationships" xmlns:p="http://schemas.openxmlformats.org/presentationml/2006/main">
   <p:cSld>
     <p:spTree>
@@ -10191,7 +10167,7 @@
 </p:sld>
 </file>
 
-<file path=ppt/slides/slide21.xml><?xml version="1.0" encoding="utf-8"?>
+<file path=ppt/slides/slide19.xml><?xml version="1.0" encoding="utf-8"?>
 <p:sld xmlns:a="http://schemas.openxmlformats.org/drawingml/2006/main" xmlns:r="http://schemas.openxmlformats.org/officeDocument/2006/relationships" xmlns:p="http://schemas.openxmlformats.org/presentationml/2006/main">
   <p:cSld>
     <p:spTree>
@@ -10359,7 +10335,219 @@
 </p:sld>
 </file>
 
-<file path=ppt/slides/slide22.xml><?xml version="1.0" encoding="utf-8"?>
+<file path=ppt/slides/slide2.xml><?xml version="1.0" encoding="utf-8"?>
+<p:sld xmlns:a="http://schemas.openxmlformats.org/drawingml/2006/main" xmlns:r="http://schemas.openxmlformats.org/officeDocument/2006/relationships" xmlns:p="http://schemas.openxmlformats.org/presentationml/2006/main">
+  <p:cSld>
+    <p:spTree>
+      <p:nvGrpSpPr>
+        <p:cNvPr id="1" name=""/>
+        <p:cNvGrpSpPr/>
+        <p:nvPr/>
+      </p:nvGrpSpPr>
+      <p:grpSpPr>
+        <a:xfrm>
+          <a:off x="0" y="0"/>
+          <a:ext cx="0" cy="0"/>
+          <a:chOff x="0" y="0"/>
+          <a:chExt cx="0" cy="0"/>
+        </a:xfrm>
+      </p:grpSpPr>
+      <p:sp>
+        <p:nvSpPr>
+          <p:cNvPr id="3" name="Inhaltsplatzhalter 2"/>
+          <p:cNvSpPr>
+            <a:spLocks noGrp="1"/>
+          </p:cNvSpPr>
+          <p:nvPr>
+            <p:ph idx="1"/>
+          </p:nvPr>
+        </p:nvSpPr>
+        <p:spPr/>
+        <p:txBody>
+          <a:bodyPr>
+            <a:normAutofit lnSpcReduction="10000"/>
+          </a:bodyPr>
+          <a:lstStyle/>
+          <a:p>
+            <a:r>
+              <a:rPr lang="de-CH" sz="3000" dirty="0" smtClean="0"/>
+              <a:t>Ziele, Risiken</a:t>
+            </a:r>
+          </a:p>
+          <a:p>
+            <a:r>
+              <a:rPr lang="de-CH" sz="3000" dirty="0" smtClean="0"/>
+              <a:t>Funktionalität Prototyp</a:t>
+            </a:r>
+          </a:p>
+          <a:p>
+            <a:r>
+              <a:rPr lang="de-CH" sz="3000" dirty="0" smtClean="0"/>
+              <a:t>Architektur</a:t>
+            </a:r>
+            <a:endParaRPr lang="de-CH" sz="2200" dirty="0" smtClean="0"/>
+          </a:p>
+          <a:p>
+            <a:pPr lvl="1"/>
+            <a:r>
+              <a:rPr lang="de-CH" sz="2600" dirty="0" smtClean="0"/>
+              <a:t>Übersicht</a:t>
+            </a:r>
+          </a:p>
+          <a:p>
+            <a:pPr lvl="1"/>
+            <a:r>
+              <a:rPr lang="de-CH" sz="2600" dirty="0" smtClean="0"/>
+              <a:t>Tiers &amp; </a:t>
+            </a:r>
+            <a:r>
+              <a:rPr lang="de-CH" sz="2600" dirty="0" err="1" smtClean="0"/>
+              <a:t>Layers</a:t>
+            </a:r>
+            <a:r>
+              <a:rPr lang="de-CH" sz="2600" dirty="0" smtClean="0"/>
+              <a:t> </a:t>
+            </a:r>
+            <a:r>
+              <a:rPr lang="de-CH" sz="2600" dirty="0" smtClean="0">
+                <a:sym typeface="Wingdings" pitchFamily="2" charset="2"/>
+              </a:rPr>
+              <a:t> </a:t>
+            </a:r>
+            <a:r>
+              <a:rPr lang="de-CH" sz="2600" dirty="0" smtClean="0"/>
+              <a:t>Packages</a:t>
+            </a:r>
+          </a:p>
+          <a:p>
+            <a:pPr lvl="1"/>
+            <a:r>
+              <a:rPr lang="de-CH" sz="2600" dirty="0" smtClean="0"/>
+              <a:t>Problemdomains</a:t>
+            </a:r>
+          </a:p>
+          <a:p>
+            <a:r>
+              <a:rPr lang="de-CH" sz="3000" dirty="0" smtClean="0"/>
+              <a:t>Tests</a:t>
+            </a:r>
+          </a:p>
+          <a:p>
+            <a:r>
+              <a:rPr lang="de-CH" sz="3000" dirty="0" smtClean="0"/>
+              <a:t>Live-Demo</a:t>
+            </a:r>
+          </a:p>
+          <a:p>
+            <a:r>
+              <a:rPr lang="de-CH" sz="3000" dirty="0" smtClean="0"/>
+              <a:t>Projektstand</a:t>
+            </a:r>
+          </a:p>
+          <a:p>
+            <a:r>
+              <a:rPr lang="de-CH" sz="3000" dirty="0" smtClean="0"/>
+              <a:t>Zusammenfassung</a:t>
+            </a:r>
+            <a:endParaRPr lang="de-CH" sz="3000" dirty="0"/>
+          </a:p>
+          <a:p>
+            <a:endParaRPr lang="de-CH" dirty="0" smtClean="0"/>
+          </a:p>
+        </p:txBody>
+      </p:sp>
+      <p:sp>
+        <p:nvSpPr>
+          <p:cNvPr id="2" name="Titel 1"/>
+          <p:cNvSpPr>
+            <a:spLocks noGrp="1"/>
+          </p:cNvSpPr>
+          <p:nvPr>
+            <p:ph type="title"/>
+          </p:nvPr>
+        </p:nvSpPr>
+        <p:spPr/>
+        <p:txBody>
+          <a:bodyPr>
+            <a:normAutofit/>
+          </a:bodyPr>
+          <a:lstStyle/>
+          <a:p>
+            <a:r>
+              <a:rPr lang="de-CH" dirty="0" smtClean="0"/>
+              <a:t>Inhalt</a:t>
+            </a:r>
+            <a:endParaRPr lang="de-CH" dirty="0"/>
+          </a:p>
+        </p:txBody>
+      </p:sp>
+      <p:pic>
+        <p:nvPicPr>
+          <p:cNvPr id="2051" name="Picture 3" descr="C:\Users\Lukas Elmer\AppData\Local\Microsoft\Windows\Temporary Internet Files\Content.IE5\E2GAV9V0\MP900409575[1].jpg"/>
+          <p:cNvPicPr>
+            <a:picLocks noChangeAspect="1" noChangeArrowheads="1"/>
+          </p:cNvPicPr>
+          <p:nvPr/>
+        </p:nvPicPr>
+        <p:blipFill>
+          <a:blip r:embed="rId3" cstate="print">
+            <a:extLst>
+              <a:ext uri="{28A0092B-C50C-407E-A947-70E740481C1C}">
+                <a14:useLocalDpi xmlns:a14="http://schemas.microsoft.com/office/drawing/2010/main" val="0"/>
+              </a:ext>
+            </a:extLst>
+          </a:blip>
+          <a:srcRect/>
+          <a:stretch>
+            <a:fillRect/>
+          </a:stretch>
+        </p:blipFill>
+        <p:spPr bwMode="auto">
+          <a:xfrm>
+            <a:off x="7236295" y="4581128"/>
+            <a:ext cx="1620279" cy="1620279"/>
+          </a:xfrm>
+          <a:prstGeom prst="roundRect">
+            <a:avLst>
+              <a:gd name="adj" fmla="val 8594"/>
+            </a:avLst>
+          </a:prstGeom>
+          <a:solidFill>
+            <a:srgbClr val="FFFFFF">
+              <a:shade val="85000"/>
+            </a:srgbClr>
+          </a:solidFill>
+          <a:ln>
+            <a:noFill/>
+          </a:ln>
+          <a:effectLst>
+            <a:reflection blurRad="12700" stA="38000" endPos="28000" dist="5000" dir="5400000" sy="-100000" algn="bl" rotWithShape="0"/>
+          </a:effectLst>
+          <a:extLst/>
+        </p:spPr>
+      </p:pic>
+    </p:spTree>
+    <p:extLst>
+      <p:ext uri="{BB962C8B-B14F-4D97-AF65-F5344CB8AC3E}">
+        <p14:creationId xmlns:p14="http://schemas.microsoft.com/office/powerpoint/2010/main" val="3627624472"/>
+      </p:ext>
+    </p:extLst>
+  </p:cSld>
+  <p:clrMapOvr>
+    <a:masterClrMapping/>
+  </p:clrMapOvr>
+  <p:transition/>
+  <p:timing>
+    <p:tnLst>
+      <p:par>
+        <p:cTn id="1" dur="indefinite" restart="never" nodeType="tmRoot"/>
+      </p:par>
+    </p:tnLst>
+  </p:timing>
+</p:sld>
+</file>
+
+<file path=ppt/slides/slide20.xml><?xml version="1.0" encoding="utf-8"?>
 <p:sld xmlns:a="http://schemas.openxmlformats.org/drawingml/2006/main" xmlns:r="http://schemas.openxmlformats.org/officeDocument/2006/relationships" xmlns:p="http://schemas.openxmlformats.org/presentationml/2006/main">
   <p:cSld>
     <p:spTree>
@@ -10489,7 +10677,7 @@
 </p:sld>
 </file>
 
-<file path=ppt/slides/slide23.xml><?xml version="1.0" encoding="utf-8"?>
+<file path=ppt/slides/slide21.xml><?xml version="1.0" encoding="utf-8"?>
 <p:sld xmlns:a="http://schemas.openxmlformats.org/drawingml/2006/main" xmlns:r="http://schemas.openxmlformats.org/officeDocument/2006/relationships" xmlns:p="http://schemas.openxmlformats.org/presentationml/2006/main">
   <p:cSld>
     <p:spTree>
@@ -10591,7 +10779,7 @@
 </p:sld>
 </file>
 
-<file path=ppt/slides/slide24.xml><?xml version="1.0" encoding="utf-8"?>
+<file path=ppt/slides/slide22.xml><?xml version="1.0" encoding="utf-8"?>
 <p:sld xmlns:a="http://schemas.openxmlformats.org/drawingml/2006/main" xmlns:r="http://schemas.openxmlformats.org/officeDocument/2006/relationships" xmlns:p="http://schemas.openxmlformats.org/presentationml/2006/main">
   <p:cSld>
     <p:spTree>
@@ -10756,7 +10944,7 @@
 </p:sld>
 </file>
 
-<file path=ppt/slides/slide25.xml><?xml version="1.0" encoding="utf-8"?>
+<file path=ppt/slides/slide23.xml><?xml version="1.0" encoding="utf-8"?>
 <p:sld xmlns:a="http://schemas.openxmlformats.org/drawingml/2006/main" xmlns:r="http://schemas.openxmlformats.org/officeDocument/2006/relationships" xmlns:p="http://schemas.openxmlformats.org/presentationml/2006/main">
   <p:cSld>
     <p:spTree>
@@ -10856,7 +11044,7 @@
 </p:sld>
 </file>
 
-<file path=ppt/slides/slide26.xml><?xml version="1.0" encoding="utf-8"?>
+<file path=ppt/slides/slide24.xml><?xml version="1.0" encoding="utf-8"?>
 <p:sld xmlns:a="http://schemas.openxmlformats.org/drawingml/2006/main" xmlns:r="http://schemas.openxmlformats.org/officeDocument/2006/relationships" xmlns:p="http://schemas.openxmlformats.org/presentationml/2006/main">
   <p:cSld>
     <p:spTree>
@@ -10956,7 +11144,7 @@
 </p:sld>
 </file>
 
-<file path=ppt/slides/slide27.xml><?xml version="1.0" encoding="utf-8"?>
+<file path=ppt/slides/slide25.xml><?xml version="1.0" encoding="utf-8"?>
 <p:sld xmlns:a="http://schemas.openxmlformats.org/drawingml/2006/main" xmlns:r="http://schemas.openxmlformats.org/officeDocument/2006/relationships" xmlns:p="http://schemas.openxmlformats.org/presentationml/2006/main">
   <p:cSld>
     <p:spTree>
@@ -11056,7 +11244,7 @@
 </p:sld>
 </file>
 
-<file path=ppt/slides/slide28.xml><?xml version="1.0" encoding="utf-8"?>
+<file path=ppt/slides/slide26.xml><?xml version="1.0" encoding="utf-8"?>
 <p:sld xmlns:a="http://schemas.openxmlformats.org/drawingml/2006/main" xmlns:r="http://schemas.openxmlformats.org/officeDocument/2006/relationships" xmlns:p="http://schemas.openxmlformats.org/presentationml/2006/main">
   <p:cSld>
     <p:spTree>
@@ -11414,7 +11602,7 @@
 </p:sld>
 </file>
 
-<file path=ppt/slides/slide29.xml><?xml version="1.0" encoding="utf-8"?>
+<file path=ppt/slides/slide27.xml><?xml version="1.0" encoding="utf-8"?>
 <p:sld xmlns:a="http://schemas.openxmlformats.org/drawingml/2006/main" xmlns:r="http://schemas.openxmlformats.org/officeDocument/2006/relationships" xmlns:p="http://schemas.openxmlformats.org/presentationml/2006/main">
   <p:cSld>
     <p:spTree>
@@ -11603,155 +11791,7 @@
 </p:sld>
 </file>
 
-<file path=ppt/slides/slide3.xml><?xml version="1.0" encoding="utf-8"?>
-<p:sld xmlns:a="http://schemas.openxmlformats.org/drawingml/2006/main" xmlns:r="http://schemas.openxmlformats.org/officeDocument/2006/relationships" xmlns:p="http://schemas.openxmlformats.org/presentationml/2006/main">
-  <p:cSld>
-    <p:spTree>
-      <p:nvGrpSpPr>
-        <p:cNvPr id="1" name=""/>
-        <p:cNvGrpSpPr/>
-        <p:nvPr/>
-      </p:nvGrpSpPr>
-      <p:grpSpPr>
-        <a:xfrm>
-          <a:off x="0" y="0"/>
-          <a:ext cx="0" cy="0"/>
-          <a:chOff x="0" y="0"/>
-          <a:chExt cx="0" cy="0"/>
-        </a:xfrm>
-      </p:grpSpPr>
-      <p:sp>
-        <p:nvSpPr>
-          <p:cNvPr id="2" name="Inhaltsplatzhalter 1"/>
-          <p:cNvSpPr>
-            <a:spLocks noGrp="1"/>
-          </p:cNvSpPr>
-          <p:nvPr>
-            <p:ph idx="1"/>
-          </p:nvPr>
-        </p:nvSpPr>
-        <p:spPr/>
-        <p:txBody>
-          <a:bodyPr/>
-          <a:lstStyle/>
-          <a:p>
-            <a:r>
-              <a:rPr lang="de-CH" dirty="0" smtClean="0"/>
-              <a:t>Technische Risiken eliminieren</a:t>
-            </a:r>
-          </a:p>
-          <a:p>
-            <a:r>
-              <a:rPr lang="de-CH" dirty="0" smtClean="0"/>
-              <a:t>Machbarkeit beweisen</a:t>
-            </a:r>
-          </a:p>
-          <a:p>
-            <a:r>
-              <a:rPr lang="de-CH" dirty="0" smtClean="0"/>
-              <a:t>Vorbereitung Konstruktionsphase</a:t>
-            </a:r>
-          </a:p>
-          <a:p>
-            <a:r>
-              <a:rPr lang="de-CH" dirty="0" smtClean="0"/>
-              <a:t>Evaluation Werkzeuge / Bibliotheken</a:t>
-            </a:r>
-            <a:endParaRPr lang="de-CH" dirty="0"/>
-          </a:p>
-        </p:txBody>
-      </p:sp>
-      <p:sp>
-        <p:nvSpPr>
-          <p:cNvPr id="3" name="Titel 2"/>
-          <p:cNvSpPr>
-            <a:spLocks noGrp="1"/>
-          </p:cNvSpPr>
-          <p:nvPr>
-            <p:ph type="title"/>
-          </p:nvPr>
-        </p:nvSpPr>
-        <p:spPr/>
-        <p:txBody>
-          <a:bodyPr/>
-          <a:lstStyle/>
-          <a:p>
-            <a:r>
-              <a:rPr lang="de-CH" dirty="0" smtClean="0"/>
-              <a:t>Ziele</a:t>
-            </a:r>
-            <a:endParaRPr lang="de-CH" dirty="0"/>
-          </a:p>
-        </p:txBody>
-      </p:sp>
-      <p:pic>
-        <p:nvPicPr>
-          <p:cNvPr id="3075" name="Picture 3" descr="C:\Users\Lukas Elmer\AppData\Local\Microsoft\Windows\Temporary Internet Files\Content.IE5\E2GAV9V0\MP900433179[1].jpg"/>
-          <p:cNvPicPr>
-            <a:picLocks noChangeAspect="1" noChangeArrowheads="1"/>
-          </p:cNvPicPr>
-          <p:nvPr/>
-        </p:nvPicPr>
-        <p:blipFill>
-          <a:blip r:embed="rId3" cstate="print">
-            <a:extLst>
-              <a:ext uri="{28A0092B-C50C-407E-A947-70E740481C1C}">
-                <a14:useLocalDpi xmlns:a14="http://schemas.microsoft.com/office/drawing/2010/main" val="0"/>
-              </a:ext>
-            </a:extLst>
-          </a:blip>
-          <a:srcRect/>
-          <a:stretch>
-            <a:fillRect/>
-          </a:stretch>
-        </p:blipFill>
-        <p:spPr bwMode="auto">
-          <a:xfrm>
-            <a:off x="6588224" y="4851085"/>
-            <a:ext cx="2466964" cy="1851447"/>
-          </a:xfrm>
-          <a:prstGeom prst="rect">
-            <a:avLst/>
-          </a:prstGeom>
-          <a:ln>
-            <a:noFill/>
-          </a:ln>
-          <a:effectLst>
-            <a:softEdge rad="112500"/>
-          </a:effectLst>
-          <a:extLst>
-            <a:ext uri="{909E8E84-426E-40DD-AFC4-6F175D3DCCD1}">
-              <a14:hiddenFill xmlns:a14="http://schemas.microsoft.com/office/drawing/2010/main">
-                <a:solidFill>
-                  <a:srgbClr val="FFFFFF"/>
-                </a:solidFill>
-              </a14:hiddenFill>
-            </a:ext>
-          </a:extLst>
-        </p:spPr>
-      </p:pic>
-    </p:spTree>
-    <p:extLst>
-      <p:ext uri="{BB962C8B-B14F-4D97-AF65-F5344CB8AC3E}">
-        <p14:creationId xmlns:p14="http://schemas.microsoft.com/office/powerpoint/2010/main" val="2857039303"/>
-      </p:ext>
-    </p:extLst>
-  </p:cSld>
-  <p:clrMapOvr>
-    <a:masterClrMapping/>
-  </p:clrMapOvr>
-  <p:transition/>
-  <p:timing>
-    <p:tnLst>
-      <p:par>
-        <p:cTn id="1" dur="indefinite" restart="never" nodeType="tmRoot"/>
-      </p:par>
-    </p:tnLst>
-  </p:timing>
-</p:sld>
-</file>
-
-<file path=ppt/slides/slide30.xml><?xml version="1.0" encoding="utf-8"?>
+<file path=ppt/slides/slide28.xml><?xml version="1.0" encoding="utf-8"?>
 <p:sld xmlns:a="http://schemas.openxmlformats.org/drawingml/2006/main" xmlns:r="http://schemas.openxmlformats.org/officeDocument/2006/relationships" xmlns:p="http://schemas.openxmlformats.org/presentationml/2006/main">
   <p:cSld>
     <p:spTree>
@@ -11853,7 +11893,7 @@
 </p:sld>
 </file>
 
-<file path=ppt/slides/slide31.xml><?xml version="1.0" encoding="utf-8"?>
+<file path=ppt/slides/slide29.xml><?xml version="1.0" encoding="utf-8"?>
 <p:sld xmlns:a="http://schemas.openxmlformats.org/drawingml/2006/main" xmlns:r="http://schemas.openxmlformats.org/officeDocument/2006/relationships" xmlns:p="http://schemas.openxmlformats.org/presentationml/2006/main">
   <p:cSld>
     <p:spTree>
@@ -12021,7 +12061,171 @@
 </p:sld>
 </file>
 
-<file path=ppt/slides/slide32.xml><?xml version="1.0" encoding="utf-8"?>
+<file path=ppt/slides/slide3.xml><?xml version="1.0" encoding="utf-8"?>
+<p:sld xmlns:a="http://schemas.openxmlformats.org/drawingml/2006/main" xmlns:r="http://schemas.openxmlformats.org/officeDocument/2006/relationships" xmlns:p="http://schemas.openxmlformats.org/presentationml/2006/main">
+  <p:cSld>
+    <p:spTree>
+      <p:nvGrpSpPr>
+        <p:cNvPr id="1" name=""/>
+        <p:cNvGrpSpPr/>
+        <p:nvPr/>
+      </p:nvGrpSpPr>
+      <p:grpSpPr>
+        <a:xfrm>
+          <a:off x="0" y="0"/>
+          <a:ext cx="0" cy="0"/>
+          <a:chOff x="0" y="0"/>
+          <a:chExt cx="0" cy="0"/>
+        </a:xfrm>
+      </p:grpSpPr>
+      <p:sp>
+        <p:nvSpPr>
+          <p:cNvPr id="2" name="Inhaltsplatzhalter 1"/>
+          <p:cNvSpPr>
+            <a:spLocks noGrp="1"/>
+          </p:cNvSpPr>
+          <p:nvPr>
+            <p:ph idx="1"/>
+          </p:nvPr>
+        </p:nvSpPr>
+        <p:spPr/>
+        <p:txBody>
+          <a:bodyPr/>
+          <a:lstStyle/>
+          <a:p>
+            <a:r>
+              <a:rPr lang="de-CH" dirty="0"/>
+              <a:t>Machbarkeit beweisen</a:t>
+            </a:r>
+          </a:p>
+          <a:p>
+            <a:r>
+              <a:rPr lang="de-CH" dirty="0" smtClean="0"/>
+              <a:t>Technische </a:t>
+            </a:r>
+            <a:r>
+              <a:rPr lang="de-CH" dirty="0" smtClean="0"/>
+              <a:t>Risiken eliminieren</a:t>
+            </a:r>
+          </a:p>
+          <a:p>
+            <a:r>
+              <a:rPr lang="de-CH" dirty="0" smtClean="0"/>
+              <a:t>Evaluation </a:t>
+            </a:r>
+            <a:r>
+              <a:rPr lang="de-CH" dirty="0" smtClean="0"/>
+              <a:t>Werkzeuge / </a:t>
+            </a:r>
+            <a:r>
+              <a:rPr lang="de-CH" dirty="0" smtClean="0"/>
+              <a:t>Bibliotheken</a:t>
+            </a:r>
+          </a:p>
+          <a:p>
+            <a:r>
+              <a:rPr lang="de-CH" dirty="0"/>
+              <a:t>Vorbereitung </a:t>
+            </a:r>
+            <a:r>
+              <a:rPr lang="de-CH" dirty="0" smtClean="0"/>
+              <a:t>Konstruktionsphase</a:t>
+            </a:r>
+            <a:endParaRPr lang="de-CH" dirty="0"/>
+          </a:p>
+        </p:txBody>
+      </p:sp>
+      <p:sp>
+        <p:nvSpPr>
+          <p:cNvPr id="3" name="Titel 2"/>
+          <p:cNvSpPr>
+            <a:spLocks noGrp="1"/>
+          </p:cNvSpPr>
+          <p:nvPr>
+            <p:ph type="title"/>
+          </p:nvPr>
+        </p:nvSpPr>
+        <p:spPr/>
+        <p:txBody>
+          <a:bodyPr/>
+          <a:lstStyle/>
+          <a:p>
+            <a:r>
+              <a:rPr lang="de-CH" dirty="0" smtClean="0"/>
+              <a:t>Ziele</a:t>
+            </a:r>
+            <a:endParaRPr lang="de-CH" dirty="0"/>
+          </a:p>
+        </p:txBody>
+      </p:sp>
+      <p:pic>
+        <p:nvPicPr>
+          <p:cNvPr id="3075" name="Picture 3" descr="C:\Users\Lukas Elmer\AppData\Local\Microsoft\Windows\Temporary Internet Files\Content.IE5\E2GAV9V0\MP900433179[1].jpg"/>
+          <p:cNvPicPr>
+            <a:picLocks noChangeAspect="1" noChangeArrowheads="1"/>
+          </p:cNvPicPr>
+          <p:nvPr/>
+        </p:nvPicPr>
+        <p:blipFill>
+          <a:blip r:embed="rId3" cstate="print">
+            <a:extLst>
+              <a:ext uri="{28A0092B-C50C-407E-A947-70E740481C1C}">
+                <a14:useLocalDpi xmlns:a14="http://schemas.microsoft.com/office/drawing/2010/main" val="0"/>
+              </a:ext>
+            </a:extLst>
+          </a:blip>
+          <a:srcRect/>
+          <a:stretch>
+            <a:fillRect/>
+          </a:stretch>
+        </p:blipFill>
+        <p:spPr bwMode="auto">
+          <a:xfrm>
+            <a:off x="6588224" y="4851085"/>
+            <a:ext cx="2466964" cy="1851447"/>
+          </a:xfrm>
+          <a:prstGeom prst="rect">
+            <a:avLst/>
+          </a:prstGeom>
+          <a:ln>
+            <a:noFill/>
+          </a:ln>
+          <a:effectLst>
+            <a:softEdge rad="112500"/>
+          </a:effectLst>
+          <a:extLst>
+            <a:ext uri="{909E8E84-426E-40DD-AFC4-6F175D3DCCD1}">
+              <a14:hiddenFill xmlns:a14="http://schemas.microsoft.com/office/drawing/2010/main">
+                <a:solidFill>
+                  <a:srgbClr val="FFFFFF"/>
+                </a:solidFill>
+              </a14:hiddenFill>
+            </a:ext>
+          </a:extLst>
+        </p:spPr>
+      </p:pic>
+    </p:spTree>
+    <p:extLst>
+      <p:ext uri="{BB962C8B-B14F-4D97-AF65-F5344CB8AC3E}">
+        <p14:creationId xmlns:p14="http://schemas.microsoft.com/office/powerpoint/2010/main" val="2857039303"/>
+      </p:ext>
+    </p:extLst>
+  </p:cSld>
+  <p:clrMapOvr>
+    <a:masterClrMapping/>
+  </p:clrMapOvr>
+  <p:transition/>
+  <p:timing>
+    <p:tnLst>
+      <p:par>
+        <p:cTn id="1" dur="indefinite" restart="never" nodeType="tmRoot"/>
+      </p:par>
+    </p:tnLst>
+  </p:timing>
+</p:sld>
+</file>
+
+<file path=ppt/slides/slide30.xml><?xml version="1.0" encoding="utf-8"?>
 <p:sld xmlns:a="http://schemas.openxmlformats.org/drawingml/2006/main" xmlns:r="http://schemas.openxmlformats.org/officeDocument/2006/relationships" xmlns:p="http://schemas.openxmlformats.org/presentationml/2006/main">
   <p:cSld>
     <p:spTree>
@@ -12239,7 +12443,7 @@
 </p:sld>
 </file>
 
-<file path=ppt/slides/slide33.xml><?xml version="1.0" encoding="utf-8"?>
+<file path=ppt/slides/slide31.xml><?xml version="1.0" encoding="utf-8"?>
 <p:sld xmlns:a="http://schemas.openxmlformats.org/drawingml/2006/main" xmlns:r="http://schemas.openxmlformats.org/officeDocument/2006/relationships" xmlns:p="http://schemas.openxmlformats.org/presentationml/2006/main">
   <p:cSld>
     <p:spTree>
@@ -12379,7 +12583,7 @@
 </p:sld>
 </file>
 
-<file path=ppt/slides/slide34.xml><?xml version="1.0" encoding="utf-8"?>
+<file path=ppt/slides/slide32.xml><?xml version="1.0" encoding="utf-8"?>
 <p:sld xmlns:a="http://schemas.openxmlformats.org/drawingml/2006/main" xmlns:r="http://schemas.openxmlformats.org/officeDocument/2006/relationships" xmlns:p="http://schemas.openxmlformats.org/presentationml/2006/main">
   <p:cSld>
     <p:spTree>
@@ -12580,15 +12784,19 @@
             <a:pPr lvl="1"/>
             <a:r>
               <a:rPr lang="de-CH" dirty="0" smtClean="0"/>
+              <a:t>Datenverlust </a:t>
+            </a:r>
+            <a:r>
+              <a:rPr lang="de-CH" dirty="0" smtClean="0">
+                <a:sym typeface="Wingdings" pitchFamily="2" charset="2"/>
+              </a:rPr>
+              <a:t> </a:t>
+            </a:r>
+            <a:r>
+              <a:rPr lang="de-CH" dirty="0" smtClean="0"/>
               <a:t>Dateninkonsistenz</a:t>
             </a:r>
-          </a:p>
-          <a:p>
-            <a:pPr lvl="1"/>
-            <a:r>
-              <a:rPr lang="de-CH" dirty="0" smtClean="0"/>
-              <a:t>Datenverlust</a:t>
-            </a:r>
+            <a:endParaRPr lang="de-CH" dirty="0" smtClean="0"/>
           </a:p>
           <a:p>
             <a:pPr lvl="1"/>
@@ -12829,6 +13037,46 @@
           </a:extLst>
         </p:spPr>
       </p:pic>
+      <p:sp>
+        <p:nvSpPr>
+          <p:cNvPr id="2" name="Ellipse 1"/>
+          <p:cNvSpPr/>
+          <p:nvPr/>
+        </p:nvSpPr>
+        <p:spPr>
+          <a:xfrm>
+            <a:off x="1984268" y="4568159"/>
+            <a:ext cx="504056" cy="504056"/>
+          </a:xfrm>
+          <a:prstGeom prst="ellipse">
+            <a:avLst/>
+          </a:prstGeom>
+        </p:spPr>
+        <p:style>
+          <a:lnRef idx="2">
+            <a:schemeClr val="accent1">
+              <a:shade val="50000"/>
+            </a:schemeClr>
+          </a:lnRef>
+          <a:fillRef idx="1">
+            <a:schemeClr val="accent1"/>
+          </a:fillRef>
+          <a:effectRef idx="0">
+            <a:schemeClr val="accent1"/>
+          </a:effectRef>
+          <a:fontRef idx="minor">
+            <a:schemeClr val="lt1"/>
+          </a:fontRef>
+        </p:style>
+        <p:txBody>
+          <a:bodyPr rtlCol="0" anchor="ctr"/>
+          <a:lstStyle/>
+          <a:p>
+            <a:pPr algn="ctr"/>
+            <a:endParaRPr lang="de-CH"/>
+          </a:p>
+        </p:txBody>
+      </p:sp>
     </p:spTree>
     <p:extLst>
       <p:ext uri="{BB962C8B-B14F-4D97-AF65-F5344CB8AC3E}">
@@ -12843,9 +13091,95 @@
   <p:timing>
     <p:tnLst>
       <p:par>
-        <p:cTn id="1" dur="indefinite" restart="never" nodeType="tmRoot"/>
+        <p:cTn id="1" dur="indefinite" restart="never" nodeType="tmRoot">
+          <p:childTnLst>
+            <p:seq concurrent="1" nextAc="seek">
+              <p:cTn id="2" dur="indefinite" nodeType="mainSeq">
+                <p:childTnLst>
+                  <p:par>
+                    <p:cTn id="3" fill="hold">
+                      <p:stCondLst>
+                        <p:cond delay="indefinite"/>
+                      </p:stCondLst>
+                      <p:childTnLst>
+                        <p:par>
+                          <p:cTn id="4" fill="hold">
+                            <p:stCondLst>
+                              <p:cond delay="0"/>
+                            </p:stCondLst>
+                            <p:childTnLst>
+                              <p:par>
+                                <p:cTn id="5" presetID="0" presetClass="path" presetSubtype="0" accel="50000" decel="50000" fill="hold" grpId="0" nodeType="clickEffect">
+                                  <p:stCondLst>
+                                    <p:cond delay="0"/>
+                                  </p:stCondLst>
+                                  <p:childTnLst>
+                                    <p:animMotion origin="layout" path="M 0 0 L 0.00017 -0.52104 " pathEditMode="relative" ptsTypes="AA">
+                                      <p:cBhvr>
+                                        <p:cTn id="6" dur="2000" fill="hold"/>
+                                        <p:tgtEl>
+                                          <p:spTgt spid="2"/>
+                                        </p:tgtEl>
+                                        <p:attrNameLst>
+                                          <p:attrName>ppt_x</p:attrName>
+                                          <p:attrName>ppt_y</p:attrName>
+                                        </p:attrNameLst>
+                                      </p:cBhvr>
+                                    </p:animMotion>
+                                  </p:childTnLst>
+                                </p:cTn>
+                              </p:par>
+                              <p:par>
+                                <p:cTn id="7" presetID="0" presetClass="path" presetSubtype="0" accel="50000" decel="50000" fill="hold" nodeType="withEffect">
+                                  <p:stCondLst>
+                                    <p:cond delay="0"/>
+                                  </p:stCondLst>
+                                  <p:childTnLst>
+                                    <p:animMotion origin="layout" path="M 0 0 L 0.00017 -0.52104 " pathEditMode="relative" ptsTypes="AA">
+                                      <p:cBhvr>
+                                        <p:cTn id="8" dur="2000" fill="hold"/>
+                                        <p:tgtEl>
+                                          <p:spTgt spid="7"/>
+                                        </p:tgtEl>
+                                        <p:attrNameLst>
+                                          <p:attrName>ppt_x</p:attrName>
+                                          <p:attrName>ppt_y</p:attrName>
+                                        </p:attrNameLst>
+                                      </p:cBhvr>
+                                    </p:animMotion>
+                                  </p:childTnLst>
+                                </p:cTn>
+                              </p:par>
+                            </p:childTnLst>
+                          </p:cTn>
+                        </p:par>
+                      </p:childTnLst>
+                    </p:cTn>
+                  </p:par>
+                </p:childTnLst>
+              </p:cTn>
+              <p:prevCondLst>
+                <p:cond evt="onPrev" delay="0">
+                  <p:tgtEl>
+                    <p:sldTgt/>
+                  </p:tgtEl>
+                </p:cond>
+              </p:prevCondLst>
+              <p:nextCondLst>
+                <p:cond evt="onNext" delay="0">
+                  <p:tgtEl>
+                    <p:sldTgt/>
+                  </p:tgtEl>
+                </p:cond>
+              </p:nextCondLst>
+            </p:seq>
+          </p:childTnLst>
+        </p:cTn>
       </p:par>
     </p:tnLst>
+    <p:bldLst>
+      <p:bldP spid="2" grpId="0" animBg="1"/>
+    </p:bldLst>
   </p:timing>
 </p:sld>
 </file>
@@ -12867,80 +13201,6 @@
           <a:chExt cx="0" cy="0"/>
         </a:xfrm>
       </p:grpSpPr>
-      <p:pic>
-        <p:nvPicPr>
-          <p:cNvPr id="4" name="Grafik 3"/>
-          <p:cNvPicPr/>
-          <p:nvPr/>
-        </p:nvPicPr>
-        <p:blipFill rotWithShape="1">
-          <a:blip r:embed="rId3">
-            <a:extLst>
-              <a:ext uri="{28A0092B-C50C-407E-A947-70E740481C1C}">
-                <a14:useLocalDpi xmlns:a14="http://schemas.microsoft.com/office/drawing/2010/main" val="0"/>
-              </a:ext>
-            </a:extLst>
-          </a:blip>
-          <a:srcRect l="1990" t="2831" r="2279" b="22446"/>
-          <a:stretch/>
-        </p:blipFill>
-        <p:spPr bwMode="auto">
-          <a:xfrm>
-            <a:off x="220062" y="-2259632"/>
-            <a:ext cx="8712968" cy="8191680"/>
-          </a:xfrm>
-          <a:prstGeom prst="rect">
-            <a:avLst/>
-          </a:prstGeom>
-          <a:noFill/>
-          <a:ln>
-            <a:noFill/>
-          </a:ln>
-          <a:extLst>
-            <a:ext uri="{53640926-AAD7-44D8-BBD7-CCE9431645EC}">
-              <a14:shadowObscured xmlns:a14="http://schemas.microsoft.com/office/drawing/2010/main"/>
-            </a:ext>
-          </a:extLst>
-        </p:spPr>
-      </p:pic>
-    </p:spTree>
-    <p:extLst>
-      <p:ext uri="{BB962C8B-B14F-4D97-AF65-F5344CB8AC3E}">
-        <p14:creationId xmlns:p14="http://schemas.microsoft.com/office/powerpoint/2010/main" val="2026873503"/>
-      </p:ext>
-    </p:extLst>
-  </p:cSld>
-  <p:clrMapOvr>
-    <a:masterClrMapping/>
-  </p:clrMapOvr>
-  <p:transition/>
-  <p:timing>
-    <p:tnLst>
-      <p:par>
-        <p:cTn id="1" dur="indefinite" restart="never" nodeType="tmRoot"/>
-      </p:par>
-    </p:tnLst>
-  </p:timing>
-</p:sld>
-</file>
-
-<file path=ppt/slides/slide8.xml><?xml version="1.0" encoding="utf-8"?>
-<p:sld xmlns:a="http://schemas.openxmlformats.org/drawingml/2006/main" xmlns:r="http://schemas.openxmlformats.org/officeDocument/2006/relationships" xmlns:p="http://schemas.openxmlformats.org/presentationml/2006/main">
-  <p:cSld>
-    <p:spTree>
-      <p:nvGrpSpPr>
-        <p:cNvPr id="1" name=""/>
-        <p:cNvGrpSpPr/>
-        <p:nvPr/>
-      </p:nvGrpSpPr>
-      <p:grpSpPr>
-        <a:xfrm>
-          <a:off x="0" y="0"/>
-          <a:ext cx="0" cy="0"/>
-          <a:chOff x="0" y="0"/>
-          <a:chExt cx="0" cy="0"/>
-        </a:xfrm>
-      </p:grpSpPr>
       <p:sp>
         <p:nvSpPr>
           <p:cNvPr id="2" name="Inhaltsplatzhalter 1"/>
@@ -13034,13 +13294,7 @@
               <a:rPr lang="de-CH" smtClean="0">
                 <a:sym typeface="Wingdings" pitchFamily="2" charset="2"/>
               </a:rPr>
-              <a:t> </a:t>
-            </a:r>
-            <a:r>
-              <a:rPr lang="de-CH" smtClean="0">
-                <a:sym typeface="Wingdings" pitchFamily="2" charset="2"/>
-              </a:rPr>
-              <a:t>Netz-</a:t>
+              <a:t> Netz-</a:t>
             </a:r>
             <a:br>
               <a:rPr lang="de-CH" smtClean="0">
@@ -13168,7 +13422,7 @@
 </p:sld>
 </file>
 
-<file path=ppt/slides/slide9.xml><?xml version="1.0" encoding="utf-8"?>
+<file path=ppt/slides/slide8.xml><?xml version="1.0" encoding="utf-8"?>
 <p:sld xmlns:a="http://schemas.openxmlformats.org/drawingml/2006/main" xmlns:r="http://schemas.openxmlformats.org/officeDocument/2006/relationships" xmlns:p="http://schemas.openxmlformats.org/presentationml/2006/main">
   <p:cSld>
     <p:spTree>
@@ -13370,6 +13624,200 @@
     <p:extLst>
       <p:ext uri="{BB962C8B-B14F-4D97-AF65-F5344CB8AC3E}">
         <p14:creationId xmlns:p14="http://schemas.microsoft.com/office/powerpoint/2010/main" val="894457348"/>
+      </p:ext>
+    </p:extLst>
+  </p:cSld>
+  <p:clrMapOvr>
+    <a:masterClrMapping/>
+  </p:clrMapOvr>
+  <p:transition/>
+  <p:timing>
+    <p:tnLst>
+      <p:par>
+        <p:cTn id="1" dur="indefinite" restart="never" nodeType="tmRoot"/>
+      </p:par>
+    </p:tnLst>
+  </p:timing>
+</p:sld>
+</file>
+
+<file path=ppt/slides/slide9.xml><?xml version="1.0" encoding="utf-8"?>
+<p:sld xmlns:a="http://schemas.openxmlformats.org/drawingml/2006/main" xmlns:r="http://schemas.openxmlformats.org/officeDocument/2006/relationships" xmlns:p="http://schemas.openxmlformats.org/presentationml/2006/main">
+  <p:cSld>
+    <p:spTree>
+      <p:nvGrpSpPr>
+        <p:cNvPr id="1" name=""/>
+        <p:cNvGrpSpPr/>
+        <p:nvPr/>
+      </p:nvGrpSpPr>
+      <p:grpSpPr>
+        <a:xfrm>
+          <a:off x="0" y="0"/>
+          <a:ext cx="0" cy="0"/>
+          <a:chOff x="0" y="0"/>
+          <a:chExt cx="0" cy="0"/>
+        </a:xfrm>
+      </p:grpSpPr>
+      <p:sp>
+        <p:nvSpPr>
+          <p:cNvPr id="2" name="Inhaltsplatzhalter 1"/>
+          <p:cNvSpPr>
+            <a:spLocks noGrp="1"/>
+          </p:cNvSpPr>
+          <p:nvPr>
+            <p:ph idx="1"/>
+          </p:nvPr>
+        </p:nvSpPr>
+        <p:spPr>
+          <a:xfrm>
+            <a:off x="457200" y="1481329"/>
+            <a:ext cx="7355160" cy="2379719"/>
+          </a:xfrm>
+        </p:spPr>
+        <p:txBody>
+          <a:bodyPr/>
+          <a:lstStyle/>
+          <a:p>
+            <a:r>
+              <a:rPr lang="de-CH" dirty="0" smtClean="0"/>
+              <a:t>Protokoll HTTP 1.1</a:t>
+            </a:r>
+          </a:p>
+          <a:p>
+            <a:r>
+              <a:rPr lang="de-CH" dirty="0" smtClean="0"/>
+              <a:t>Client: </a:t>
+            </a:r>
+            <a:r>
+              <a:rPr lang="de-CH" dirty="0" err="1" smtClean="0"/>
+              <a:t>Android</a:t>
+            </a:r>
+            <a:r>
+              <a:rPr lang="de-CH" dirty="0" smtClean="0"/>
+              <a:t> Version 2.1</a:t>
+            </a:r>
+          </a:p>
+          <a:p>
+            <a:pPr lvl="1"/>
+            <a:r>
+              <a:rPr lang="de-CH" dirty="0" smtClean="0"/>
+              <a:t>Anwendung: </a:t>
+            </a:r>
+            <a:r>
+              <a:rPr lang="de-CH" dirty="0" err="1" smtClean="0"/>
+              <a:t>mrt.apk</a:t>
+            </a:r>
+            <a:endParaRPr lang="de-CH" dirty="0" smtClean="0"/>
+          </a:p>
+          <a:p>
+            <a:r>
+              <a:rPr lang="de-CH" dirty="0" smtClean="0"/>
+              <a:t>Server: Linux mit Apache</a:t>
+            </a:r>
+          </a:p>
+          <a:p>
+            <a:pPr lvl="1"/>
+            <a:r>
+              <a:rPr lang="de-CH" dirty="0" smtClean="0"/>
+              <a:t>Anwendung: </a:t>
+            </a:r>
+            <a:r>
+              <a:rPr lang="de-CH" dirty="0" err="1" smtClean="0"/>
+              <a:t>rails_app</a:t>
+            </a:r>
+            <a:endParaRPr lang="de-CH" dirty="0" smtClean="0"/>
+          </a:p>
+        </p:txBody>
+      </p:sp>
+      <p:sp>
+        <p:nvSpPr>
+          <p:cNvPr id="3" name="Titel 2"/>
+          <p:cNvSpPr>
+            <a:spLocks noGrp="1"/>
+          </p:cNvSpPr>
+          <p:nvPr>
+            <p:ph type="title"/>
+          </p:nvPr>
+        </p:nvSpPr>
+        <p:spPr/>
+        <p:txBody>
+          <a:bodyPr/>
+          <a:lstStyle/>
+          <a:p>
+            <a:r>
+              <a:rPr lang="de-CH" dirty="0" smtClean="0"/>
+              <a:t>Tiers</a:t>
+            </a:r>
+            <a:endParaRPr lang="de-CH" dirty="0"/>
+          </a:p>
+        </p:txBody>
+      </p:sp>
+      <p:pic>
+        <p:nvPicPr>
+          <p:cNvPr id="2050" name="Picture 2"/>
+          <p:cNvPicPr>
+            <a:picLocks noChangeAspect="1" noChangeArrowheads="1"/>
+          </p:cNvPicPr>
+          <p:nvPr/>
+        </p:nvPicPr>
+        <p:blipFill rotWithShape="1">
+          <a:blip r:embed="rId3">
+            <a:extLst>
+              <a:ext uri="{28A0092B-C50C-407E-A947-70E740481C1C}">
+                <a14:useLocalDpi xmlns:a14="http://schemas.microsoft.com/office/drawing/2010/main" val="0"/>
+              </a:ext>
+            </a:extLst>
+          </a:blip>
+          <a:srcRect l="3271" t="13618" r="2708" b="8228"/>
+          <a:stretch/>
+        </p:blipFill>
+        <p:spPr bwMode="auto">
+          <a:xfrm>
+            <a:off x="1835696" y="4149080"/>
+            <a:ext cx="5973098" cy="1824120"/>
+          </a:xfrm>
+          <a:prstGeom prst="rect">
+            <a:avLst/>
+          </a:prstGeom>
+          <a:noFill/>
+          <a:ln>
+            <a:noFill/>
+          </a:ln>
+          <a:effectLst/>
+          <a:extLst>
+            <a:ext uri="{909E8E84-426E-40DD-AFC4-6F175D3DCCD1}">
+              <a14:hiddenFill xmlns:a14="http://schemas.microsoft.com/office/drawing/2010/main">
+                <a:solidFill>
+                  <a:schemeClr val="accent1"/>
+                </a:solidFill>
+              </a14:hiddenFill>
+            </a:ext>
+            <a:ext uri="{91240B29-F687-4F45-9708-019B960494DF}">
+              <a14:hiddenLine xmlns:a14="http://schemas.microsoft.com/office/drawing/2010/main" w="9525">
+                <a:solidFill>
+                  <a:schemeClr val="tx1"/>
+                </a:solidFill>
+                <a:miter lim="800000"/>
+                <a:headEnd/>
+                <a:tailEnd/>
+              </a14:hiddenLine>
+            </a:ext>
+            <a:ext uri="{AF507438-7753-43E0-B8FC-AC1667EBCBE1}">
+              <a14:hiddenEffects xmlns:a14="http://schemas.microsoft.com/office/drawing/2010/main">
+                <a:effectLst>
+                  <a:outerShdw dist="35921" dir="2700000" algn="ctr" rotWithShape="0">
+                    <a:schemeClr val="bg2"/>
+                  </a:outerShdw>
+                </a:effectLst>
+              </a14:hiddenEffects>
+            </a:ext>
+          </a:extLst>
+        </p:spPr>
+      </p:pic>
+    </p:spTree>
+    <p:extLst>
+      <p:ext uri="{BB962C8B-B14F-4D97-AF65-F5344CB8AC3E}">
+        <p14:creationId xmlns:p14="http://schemas.microsoft.com/office/powerpoint/2010/main" val="3379927354"/>
       </p:ext>
     </p:extLst>
   </p:cSld>

--- a/doc/05_Design/praesentation_ms3.pptx
+++ b/doc/05_Design/praesentation_ms3.pptx
@@ -5,7 +5,7 @@
     <p:sldMasterId id="2147483660" r:id="rId1"/>
   </p:sldMasterIdLst>
   <p:notesMasterIdLst>
-    <p:notesMasterId r:id="rId34"/>
+    <p:notesMasterId r:id="rId33"/>
   </p:notesMasterIdLst>
   <p:sldIdLst>
     <p:sldId id="256" r:id="rId2"/>
@@ -30,16 +30,15 @@
     <p:sldId id="293" r:id="rId21"/>
     <p:sldId id="292" r:id="rId22"/>
     <p:sldId id="288" r:id="rId23"/>
-    <p:sldId id="285" r:id="rId24"/>
-    <p:sldId id="286" r:id="rId25"/>
-    <p:sldId id="287" r:id="rId26"/>
-    <p:sldId id="272" r:id="rId27"/>
-    <p:sldId id="276" r:id="rId28"/>
-    <p:sldId id="294" r:id="rId29"/>
-    <p:sldId id="277" r:id="rId30"/>
-    <p:sldId id="279" r:id="rId31"/>
-    <p:sldId id="283" r:id="rId32"/>
-    <p:sldId id="280" r:id="rId33"/>
+    <p:sldId id="296" r:id="rId24"/>
+    <p:sldId id="287" r:id="rId25"/>
+    <p:sldId id="272" r:id="rId26"/>
+    <p:sldId id="276" r:id="rId27"/>
+    <p:sldId id="294" r:id="rId28"/>
+    <p:sldId id="277" r:id="rId29"/>
+    <p:sldId id="279" r:id="rId30"/>
+    <p:sldId id="283" r:id="rId31"/>
+    <p:sldId id="280" r:id="rId32"/>
   </p:sldIdLst>
   <p:sldSz cx="9144000" cy="6858000" type="screen4x3"/>
   <p:notesSz cx="6858000" cy="9144000"/>
@@ -589,7 +588,6 @@
               <a:rPr lang="de-CH" dirty="0" smtClean="0"/>
               <a:t>Christina: Telefon (mit WLAN)</a:t>
             </a:r>
-            <a:endParaRPr lang="de-CH" dirty="0" smtClean="0"/>
           </a:p>
         </p:txBody>
       </p:sp>
@@ -954,7 +952,6 @@
               <a:rPr lang="de-CH" dirty="0" smtClean="0"/>
               <a:t>Grau: Testklassen</a:t>
             </a:r>
-            <a:endParaRPr lang="de-CH" dirty="0" smtClean="0"/>
           </a:p>
           <a:p>
             <a:endParaRPr lang="de-CH" dirty="0"/>
@@ -2141,10 +2138,60 @@
           <a:bodyPr/>
           <a:lstStyle/>
           <a:p>
-            <a:r>
-              <a:rPr lang="de-CH" dirty="0" smtClean="0"/>
-              <a:t>Lukas</a:t>
-            </a:r>
+            <a:pPr marL="0" marR="0" indent="0" algn="l" defTabSz="914400" rtl="0" eaLnBrk="1" fontAlgn="auto" latinLnBrk="0" hangingPunct="1">
+              <a:lnSpc>
+                <a:spcPct val="100000"/>
+              </a:lnSpc>
+              <a:spcBef>
+                <a:spcPts val="0"/>
+              </a:spcBef>
+              <a:spcAft>
+                <a:spcPts val="0"/>
+              </a:spcAft>
+              <a:buClrTx/>
+              <a:buSzTx/>
+              <a:buFontTx/>
+              <a:buNone/>
+              <a:tabLst/>
+              <a:defRPr/>
+            </a:pPr>
+            <a:r>
+              <a:rPr lang="de-CH" dirty="0" smtClean="0"/>
+              <a:t>Lukas (</a:t>
+            </a:r>
+            <a:r>
+              <a:rPr lang="de-CH" dirty="0" err="1" smtClean="0"/>
+              <a:t>Digi</a:t>
+            </a:r>
+            <a:r>
+              <a:rPr lang="de-CH" dirty="0" smtClean="0"/>
+              <a:t>: Orientierungspunkt)</a:t>
+            </a:r>
+          </a:p>
+          <a:p>
+            <a:pPr marL="0" marR="0" indent="0" algn="l" defTabSz="914400" rtl="0" eaLnBrk="1" fontAlgn="auto" latinLnBrk="0" hangingPunct="1">
+              <a:lnSpc>
+                <a:spcPct val="100000"/>
+              </a:lnSpc>
+              <a:spcBef>
+                <a:spcPts val="0"/>
+              </a:spcBef>
+              <a:spcAft>
+                <a:spcPts val="0"/>
+              </a:spcAft>
+              <a:buClrTx/>
+              <a:buSzTx/>
+              <a:buFontTx/>
+              <a:buNone/>
+              <a:tabLst/>
+              <a:defRPr/>
+            </a:pPr>
+            <a:r>
+              <a:rPr lang="de-CH" dirty="0" smtClean="0"/>
+              <a:t>Grau: Testklassen</a:t>
+            </a:r>
+          </a:p>
+          <a:p>
             <a:endParaRPr lang="de-CH" dirty="0"/>
           </a:p>
         </p:txBody>
@@ -2175,7 +2222,7 @@
     </p:spTree>
     <p:extLst>
       <p:ext uri="{BB962C8B-B14F-4D97-AF65-F5344CB8AC3E}">
-        <p14:creationId xmlns:p14="http://schemas.microsoft.com/office/powerpoint/2010/main" val="1998516286"/>
+        <p14:creationId xmlns:p14="http://schemas.microsoft.com/office/powerpoint/2010/main" val="1467435724"/>
       </p:ext>
     </p:extLst>
   </p:cSld>
@@ -2282,7 +2329,7 @@
     </p:spTree>
     <p:extLst>
       <p:ext uri="{BB962C8B-B14F-4D97-AF65-F5344CB8AC3E}">
-        <p14:creationId xmlns:p14="http://schemas.microsoft.com/office/powerpoint/2010/main" val="4090898817"/>
+        <p14:creationId xmlns:p14="http://schemas.microsoft.com/office/powerpoint/2010/main" val="3687515043"/>
       </p:ext>
     </p:extLst>
   </p:cSld>
@@ -2336,29 +2383,30 @@
           <a:bodyPr/>
           <a:lstStyle/>
           <a:p>
-            <a:pPr marL="0" marR="0" indent="0" algn="l" defTabSz="914400" rtl="0" eaLnBrk="1" fontAlgn="auto" latinLnBrk="0" hangingPunct="1">
-              <a:lnSpc>
-                <a:spcPct val="100000"/>
-              </a:lnSpc>
-              <a:spcBef>
-                <a:spcPts val="0"/>
-              </a:spcBef>
-              <a:spcAft>
-                <a:spcPts val="0"/>
-              </a:spcAft>
-              <a:buClrTx/>
-              <a:buSzTx/>
-              <a:buFontTx/>
-              <a:buNone/>
-              <a:tabLst/>
-              <a:defRPr/>
-            </a:pPr>
-            <a:r>
-              <a:rPr lang="de-CH" dirty="0" smtClean="0"/>
-              <a:t>Lukas</a:t>
-            </a:r>
-          </a:p>
-          <a:p>
+            <a:r>
+              <a:rPr lang="de-CH" dirty="0" smtClean="0"/>
+              <a:t>Lukas, Emulator</a:t>
+            </a:r>
+          </a:p>
+          <a:p>
+            <a:r>
+              <a:rPr lang="de-CH" dirty="0" smtClean="0"/>
+              <a:t>Christina</a:t>
+            </a:r>
+            <a:r>
+              <a:rPr lang="de-CH" baseline="0" dirty="0" smtClean="0"/>
+              <a:t>, Handy</a:t>
+            </a:r>
+          </a:p>
+          <a:p>
+            <a:r>
+              <a:rPr lang="de-CH" baseline="0" dirty="0" err="1" smtClean="0"/>
+              <a:t>Digi</a:t>
+            </a:r>
+            <a:r>
+              <a:rPr lang="de-CH" baseline="0" dirty="0" smtClean="0"/>
+              <a:t>, Browser</a:t>
+            </a:r>
             <a:endParaRPr lang="de-CH" dirty="0"/>
           </a:p>
         </p:txBody>
@@ -2389,7 +2437,7 @@
     </p:spTree>
     <p:extLst>
       <p:ext uri="{BB962C8B-B14F-4D97-AF65-F5344CB8AC3E}">
-        <p14:creationId xmlns:p14="http://schemas.microsoft.com/office/powerpoint/2010/main" val="3687515043"/>
+        <p14:creationId xmlns:p14="http://schemas.microsoft.com/office/powerpoint/2010/main" val="3026096916"/>
       </p:ext>
     </p:extLst>
   </p:cSld>
@@ -2445,27 +2493,7 @@
           <a:p>
             <a:r>
               <a:rPr lang="de-CH" dirty="0" smtClean="0"/>
-              <a:t>Lukas, Emulator</a:t>
-            </a:r>
-          </a:p>
-          <a:p>
-            <a:r>
-              <a:rPr lang="de-CH" dirty="0" smtClean="0"/>
-              <a:t>Christina</a:t>
-            </a:r>
-            <a:r>
-              <a:rPr lang="de-CH" baseline="0" dirty="0" smtClean="0"/>
-              <a:t>, Handy</a:t>
-            </a:r>
-          </a:p>
-          <a:p>
-            <a:r>
-              <a:rPr lang="de-CH" baseline="0" dirty="0" err="1" smtClean="0"/>
-              <a:t>Digi</a:t>
-            </a:r>
-            <a:r>
-              <a:rPr lang="de-CH" baseline="0" dirty="0" smtClean="0"/>
-              <a:t>, Browser</a:t>
+              <a:t>Diego</a:t>
             </a:r>
             <a:endParaRPr lang="de-CH" dirty="0"/>
           </a:p>
@@ -2497,7 +2525,7 @@
     </p:spTree>
     <p:extLst>
       <p:ext uri="{BB962C8B-B14F-4D97-AF65-F5344CB8AC3E}">
-        <p14:creationId xmlns:p14="http://schemas.microsoft.com/office/powerpoint/2010/main" val="3026096916"/>
+        <p14:creationId xmlns:p14="http://schemas.microsoft.com/office/powerpoint/2010/main" val="773231806"/>
       </p:ext>
     </p:extLst>
   </p:cSld>
@@ -2585,7 +2613,7 @@
     </p:spTree>
     <p:extLst>
       <p:ext uri="{BB962C8B-B14F-4D97-AF65-F5344CB8AC3E}">
-        <p14:creationId xmlns:p14="http://schemas.microsoft.com/office/powerpoint/2010/main" val="773231806"/>
+        <p14:creationId xmlns:p14="http://schemas.microsoft.com/office/powerpoint/2010/main" val="2271130673"/>
       </p:ext>
     </p:extLst>
   </p:cSld>
@@ -2673,7 +2701,7 @@
     </p:spTree>
     <p:extLst>
       <p:ext uri="{BB962C8B-B14F-4D97-AF65-F5344CB8AC3E}">
-        <p14:creationId xmlns:p14="http://schemas.microsoft.com/office/powerpoint/2010/main" val="2271130673"/>
+        <p14:creationId xmlns:p14="http://schemas.microsoft.com/office/powerpoint/2010/main" val="1024066814"/>
       </p:ext>
     </p:extLst>
   </p:cSld>
@@ -2729,7 +2757,7 @@
           <a:p>
             <a:r>
               <a:rPr lang="de-CH" dirty="0" smtClean="0"/>
-              <a:t>Diego</a:t>
+              <a:t>Remo</a:t>
             </a:r>
             <a:endParaRPr lang="de-CH" dirty="0"/>
           </a:p>
@@ -2761,7 +2789,7 @@
     </p:spTree>
     <p:extLst>
       <p:ext uri="{BB962C8B-B14F-4D97-AF65-F5344CB8AC3E}">
-        <p14:creationId xmlns:p14="http://schemas.microsoft.com/office/powerpoint/2010/main" val="1024066814"/>
+        <p14:creationId xmlns:p14="http://schemas.microsoft.com/office/powerpoint/2010/main" val="3091367744"/>
       </p:ext>
     </p:extLst>
   </p:cSld>
@@ -2924,7 +2952,7 @@
           <a:p>
             <a:r>
               <a:rPr lang="de-CH" dirty="0" smtClean="0"/>
-              <a:t>Remo</a:t>
+              <a:t>Diego</a:t>
             </a:r>
             <a:endParaRPr lang="de-CH" dirty="0"/>
           </a:p>
@@ -2956,7 +2984,7 @@
     </p:spTree>
     <p:extLst>
       <p:ext uri="{BB962C8B-B14F-4D97-AF65-F5344CB8AC3E}">
-        <p14:creationId xmlns:p14="http://schemas.microsoft.com/office/powerpoint/2010/main" val="3091367744"/>
+        <p14:creationId xmlns:p14="http://schemas.microsoft.com/office/powerpoint/2010/main" val="212122398"/>
       </p:ext>
     </p:extLst>
   </p:cSld>
@@ -3012,7 +3040,7 @@
           <a:p>
             <a:r>
               <a:rPr lang="de-CH" dirty="0" smtClean="0"/>
-              <a:t>Diego</a:t>
+              <a:t>Wikipedia :-P</a:t>
             </a:r>
             <a:endParaRPr lang="de-CH" dirty="0"/>
           </a:p>
@@ -3036,94 +3064,6 @@
             <a:fld id="{B897FE81-6B21-41EA-A3E2-976A199E5936}" type="slidenum">
               <a:rPr lang="de-CH" smtClean="0"/>
               <a:t>31</a:t>
-            </a:fld>
-            <a:endParaRPr lang="de-CH"/>
-          </a:p>
-        </p:txBody>
-      </p:sp>
-    </p:spTree>
-    <p:extLst>
-      <p:ext uri="{BB962C8B-B14F-4D97-AF65-F5344CB8AC3E}">
-        <p14:creationId xmlns:p14="http://schemas.microsoft.com/office/powerpoint/2010/main" val="212122398"/>
-      </p:ext>
-    </p:extLst>
-  </p:cSld>
-  <p:clrMapOvr>
-    <a:masterClrMapping/>
-  </p:clrMapOvr>
-</p:notes>
-</file>
-
-<file path=ppt/notesSlides/notesSlide32.xml><?xml version="1.0" encoding="utf-8"?>
-<p:notes xmlns:a="http://schemas.openxmlformats.org/drawingml/2006/main" xmlns:r="http://schemas.openxmlformats.org/officeDocument/2006/relationships" xmlns:p="http://schemas.openxmlformats.org/presentationml/2006/main">
-  <p:cSld>
-    <p:spTree>
-      <p:nvGrpSpPr>
-        <p:cNvPr id="1" name=""/>
-        <p:cNvGrpSpPr/>
-        <p:nvPr/>
-      </p:nvGrpSpPr>
-      <p:grpSpPr>
-        <a:xfrm>
-          <a:off x="0" y="0"/>
-          <a:ext cx="0" cy="0"/>
-          <a:chOff x="0" y="0"/>
-          <a:chExt cx="0" cy="0"/>
-        </a:xfrm>
-      </p:grpSpPr>
-      <p:sp>
-        <p:nvSpPr>
-          <p:cNvPr id="2" name="Folienbildplatzhalter 1"/>
-          <p:cNvSpPr>
-            <a:spLocks noGrp="1" noRot="1" noChangeAspect="1"/>
-          </p:cNvSpPr>
-          <p:nvPr>
-            <p:ph type="sldImg"/>
-          </p:nvPr>
-        </p:nvSpPr>
-        <p:spPr/>
-      </p:sp>
-      <p:sp>
-        <p:nvSpPr>
-          <p:cNvPr id="3" name="Notizenplatzhalter 2"/>
-          <p:cNvSpPr>
-            <a:spLocks noGrp="1"/>
-          </p:cNvSpPr>
-          <p:nvPr>
-            <p:ph type="body" idx="1"/>
-          </p:nvPr>
-        </p:nvSpPr>
-        <p:spPr/>
-        <p:txBody>
-          <a:bodyPr/>
-          <a:lstStyle/>
-          <a:p>
-            <a:r>
-              <a:rPr lang="de-CH" dirty="0" smtClean="0"/>
-              <a:t>Wikipedia :-P</a:t>
-            </a:r>
-            <a:endParaRPr lang="de-CH" dirty="0"/>
-          </a:p>
-        </p:txBody>
-      </p:sp>
-      <p:sp>
-        <p:nvSpPr>
-          <p:cNvPr id="4" name="Foliennummernplatzhalter 3"/>
-          <p:cNvSpPr>
-            <a:spLocks noGrp="1"/>
-          </p:cNvSpPr>
-          <p:nvPr>
-            <p:ph type="sldNum" sz="quarter" idx="10"/>
-          </p:nvPr>
-        </p:nvSpPr>
-        <p:spPr/>
-        <p:txBody>
-          <a:bodyPr/>
-          <a:lstStyle/>
-          <a:p>
-            <a:fld id="{B897FE81-6B21-41EA-A3E2-976A199E5936}" type="slidenum">
-              <a:rPr lang="de-CH" smtClean="0"/>
-              <a:t>32</a:t>
             </a:fld>
             <a:endParaRPr lang="de-CH"/>
           </a:p>
@@ -8706,15 +8646,7 @@
               <a:srgbClr val="FFFFFF"/>
             </a:contourClr>
           </a:sp3d>
-          <a:extLst>
-            <a:ext uri="{909E8E84-426E-40DD-AFC4-6F175D3DCCD1}">
-              <a14:hiddenFill xmlns:a14="http://schemas.microsoft.com/office/drawing/2010/main">
-                <a:solidFill>
-                  <a:srgbClr val="FFFFFF"/>
-                </a:solidFill>
-              </a14:hiddenFill>
-            </a:ext>
-          </a:extLst>
+          <a:extLst/>
         </p:spPr>
       </p:pic>
     </p:spTree>
@@ -8899,11 +8831,11 @@
   <p:clrMapOvr>
     <a:masterClrMapping/>
   </p:clrMapOvr>
-  <mc:AlternateContent xmlns:mc="http://schemas.openxmlformats.org/markup-compatibility/2006">
-    <mc:Choice xmlns:p14="http://schemas.microsoft.com/office/powerpoint/2010/main" Requires="p14">
+  <mc:AlternateContent xmlns:mc="http://schemas.openxmlformats.org/markup-compatibility/2006" xmlns:p14="http://schemas.microsoft.com/office/powerpoint/2010/main">
+    <mc:Choice Requires="p14">
       <p:transition p14:dur="0"/>
     </mc:Choice>
-    <mc:Fallback>
+    <mc:Fallback xmlns="">
       <p:transition/>
     </mc:Fallback>
   </mc:AlternateContent>
@@ -9216,7 +9148,6 @@
               <a:rPr lang="de-CH" dirty="0" smtClean="0"/>
               <a:t>Frameworks</a:t>
             </a:r>
-            <a:endParaRPr lang="de-CH" dirty="0" smtClean="0"/>
           </a:p>
           <a:p>
             <a:pPr lvl="1"/>
@@ -9404,6 +9335,54 @@
           </a:extLst>
         </p:spPr>
       </p:pic>
+      <p:sp>
+        <p:nvSpPr>
+          <p:cNvPr id="4" name="Rechteck 3"/>
+          <p:cNvSpPr/>
+          <p:nvPr/>
+        </p:nvSpPr>
+        <p:spPr>
+          <a:xfrm>
+            <a:off x="5220072" y="4509120"/>
+            <a:ext cx="3096344" cy="1872208"/>
+          </a:xfrm>
+          <a:prstGeom prst="rect">
+            <a:avLst/>
+          </a:prstGeom>
+          <a:solidFill>
+            <a:schemeClr val="bg1"/>
+          </a:solidFill>
+          <a:ln>
+            <a:solidFill>
+              <a:schemeClr val="bg1"/>
+            </a:solidFill>
+          </a:ln>
+        </p:spPr>
+        <p:style>
+          <a:lnRef idx="2">
+            <a:schemeClr val="accent1">
+              <a:shade val="50000"/>
+            </a:schemeClr>
+          </a:lnRef>
+          <a:fillRef idx="1">
+            <a:schemeClr val="accent1"/>
+          </a:fillRef>
+          <a:effectRef idx="0">
+            <a:schemeClr val="accent1"/>
+          </a:effectRef>
+          <a:fontRef idx="minor">
+            <a:schemeClr val="lt1"/>
+          </a:fontRef>
+        </p:style>
+        <p:txBody>
+          <a:bodyPr rtlCol="0" anchor="ctr"/>
+          <a:lstStyle/>
+          <a:p>
+            <a:pPr algn="ctr"/>
+            <a:endParaRPr lang="de-CH"/>
+          </a:p>
+        </p:txBody>
+      </p:sp>
     </p:spTree>
     <p:extLst>
       <p:ext uri="{BB962C8B-B14F-4D97-AF65-F5344CB8AC3E}">
@@ -10564,9 +10543,37 @@
           <a:chExt cx="0" cy="0"/>
         </a:xfrm>
       </p:grpSpPr>
+      <p:sp>
+        <p:nvSpPr>
+          <p:cNvPr id="5" name="Titel 2"/>
+          <p:cNvSpPr>
+            <a:spLocks noGrp="1"/>
+          </p:cNvSpPr>
+          <p:nvPr>
+            <p:ph type="title"/>
+          </p:nvPr>
+        </p:nvSpPr>
+        <p:spPr>
+          <a:xfrm>
+            <a:off x="457200" y="274638"/>
+            <a:ext cx="8229600" cy="1143000"/>
+          </a:xfrm>
+        </p:spPr>
+        <p:txBody>
+          <a:bodyPr/>
+          <a:lstStyle/>
+          <a:p>
+            <a:r>
+              <a:rPr lang="de-CH" dirty="0" smtClean="0"/>
+              <a:t>Systemtest</a:t>
+            </a:r>
+            <a:endParaRPr lang="de-CH" dirty="0"/>
+          </a:p>
+        </p:txBody>
+      </p:sp>
       <p:pic>
         <p:nvPicPr>
-          <p:cNvPr id="8194" name="Picture 2"/>
+          <p:cNvPr id="2050" name="Picture 2"/>
           <p:cNvPicPr>
             <a:picLocks noChangeAspect="1" noChangeArrowheads="1"/>
           </p:cNvPicPr>
@@ -10587,8 +10594,8 @@
         </p:blipFill>
         <p:spPr bwMode="auto">
           <a:xfrm>
-            <a:off x="414338" y="1340768"/>
-            <a:ext cx="8315325" cy="4133850"/>
+            <a:off x="292554" y="1412776"/>
+            <a:ext cx="8558890" cy="4176464"/>
           </a:xfrm>
           <a:prstGeom prst="rect">
             <a:avLst/>
@@ -10628,34 +10635,6 @@
           </a:extLst>
         </p:spPr>
       </p:pic>
-      <p:sp>
-        <p:nvSpPr>
-          <p:cNvPr id="5" name="Titel 2"/>
-          <p:cNvSpPr>
-            <a:spLocks noGrp="1"/>
-          </p:cNvSpPr>
-          <p:nvPr>
-            <p:ph type="title"/>
-          </p:nvPr>
-        </p:nvSpPr>
-        <p:spPr>
-          <a:xfrm>
-            <a:off x="457200" y="274638"/>
-            <a:ext cx="8229600" cy="1143000"/>
-          </a:xfrm>
-        </p:spPr>
-        <p:txBody>
-          <a:bodyPr/>
-          <a:lstStyle/>
-          <a:p>
-            <a:r>
-              <a:rPr lang="de-CH" dirty="0" smtClean="0"/>
-              <a:t>Systemtest</a:t>
-            </a:r>
-            <a:endParaRPr lang="de-CH" dirty="0"/>
-          </a:p>
-        </p:txBody>
-      </p:sp>
     </p:spTree>
     <p:extLst>
       <p:ext uri="{BB962C8B-B14F-4D97-AF65-F5344CB8AC3E}">
@@ -10696,7 +10675,7 @@
       </p:grpSpPr>
       <p:pic>
         <p:nvPicPr>
-          <p:cNvPr id="5" name="Picture 3"/>
+          <p:cNvPr id="1026" name="Picture 2"/>
           <p:cNvPicPr>
             <a:picLocks noChangeAspect="1" noChangeArrowheads="1"/>
           </p:cNvPicPr>
@@ -10717,8 +10696,8 @@
         </p:blipFill>
         <p:spPr bwMode="auto">
           <a:xfrm>
-            <a:off x="400050" y="33338"/>
-            <a:ext cx="8343900" cy="6791325"/>
+            <a:off x="281073" y="44624"/>
+            <a:ext cx="8611407" cy="6741369"/>
           </a:xfrm>
           <a:prstGeom prst="rect">
             <a:avLst/>
@@ -10961,72 +10940,127 @@
           <a:chExt cx="0" cy="0"/>
         </a:xfrm>
       </p:grpSpPr>
-      <p:pic>
-        <p:nvPicPr>
-          <p:cNvPr id="1026" name="Picture 2"/>
-          <p:cNvPicPr>
-            <a:picLocks noChangeAspect="1" noChangeArrowheads="1"/>
-          </p:cNvPicPr>
+      <p:grpSp>
+        <p:nvGrpSpPr>
+          <p:cNvPr id="3" name="Gruppieren 2"/>
+          <p:cNvGrpSpPr/>
           <p:nvPr/>
-        </p:nvPicPr>
-        <p:blipFill rotWithShape="1">
-          <a:blip r:embed="rId3">
-            <a:extLst>
-              <a:ext uri="{28A0092B-C50C-407E-A947-70E740481C1C}">
-                <a14:useLocalDpi xmlns:a14="http://schemas.microsoft.com/office/drawing/2010/main" val="0"/>
-              </a:ext>
-            </a:extLst>
-          </a:blip>
-          <a:srcRect l="2451" t="2673" r="1836" b="1761"/>
-          <a:stretch/>
-        </p:blipFill>
-        <p:spPr bwMode="auto">
+        </p:nvGrpSpPr>
+        <p:grpSpPr>
           <a:xfrm>
             <a:off x="36511" y="327546"/>
             <a:ext cx="9144001" cy="10112991"/>
+            <a:chOff x="36511" y="327546"/>
+            <a:chExt cx="9144001" cy="10112991"/>
           </a:xfrm>
-          <a:prstGeom prst="rect">
-            <a:avLst/>
-          </a:prstGeom>
-          <a:noFill/>
-          <a:ln>
+        </p:grpSpPr>
+        <p:pic>
+          <p:nvPicPr>
+            <p:cNvPr id="1026" name="Picture 2"/>
+            <p:cNvPicPr>
+              <a:picLocks noChangeAspect="1" noChangeArrowheads="1"/>
+            </p:cNvPicPr>
+            <p:nvPr/>
+          </p:nvPicPr>
+          <p:blipFill rotWithShape="1">
+            <a:blip r:embed="rId3">
+              <a:extLst>
+                <a:ext uri="{28A0092B-C50C-407E-A947-70E740481C1C}">
+                  <a14:useLocalDpi xmlns:a14="http://schemas.microsoft.com/office/drawing/2010/main" val="0"/>
+                </a:ext>
+              </a:extLst>
+            </a:blip>
+            <a:srcRect l="2451" t="2673" r="1836" b="1761"/>
+            <a:stretch/>
+          </p:blipFill>
+          <p:spPr bwMode="auto">
+            <a:xfrm>
+              <a:off x="36511" y="327546"/>
+              <a:ext cx="9144001" cy="10112991"/>
+            </a:xfrm>
+            <a:prstGeom prst="rect">
+              <a:avLst/>
+            </a:prstGeom>
             <a:noFill/>
-          </a:ln>
-          <a:effectLst/>
-          <a:extLst>
-            <a:ext uri="{909E8E84-426E-40DD-AFC4-6F175D3DCCD1}">
-              <a14:hiddenFill xmlns:a14="http://schemas.microsoft.com/office/drawing/2010/main">
-                <a:solidFill>
-                  <a:schemeClr val="accent1"/>
-                </a:solidFill>
-              </a14:hiddenFill>
-            </a:ext>
-            <a:ext uri="{91240B29-F687-4F45-9708-019B960494DF}">
-              <a14:hiddenLine xmlns:a14="http://schemas.microsoft.com/office/drawing/2010/main" w="9525">
-                <a:solidFill>
-                  <a:schemeClr val="tx1"/>
-                </a:solidFill>
-                <a:miter lim="800000"/>
-                <a:headEnd/>
-                <a:tailEnd/>
-              </a14:hiddenLine>
-            </a:ext>
-            <a:ext uri="{AF507438-7753-43E0-B8FC-AC1667EBCBE1}">
-              <a14:hiddenEffects xmlns:a14="http://schemas.microsoft.com/office/drawing/2010/main">
-                <a:effectLst>
-                  <a:outerShdw dist="35921" dir="2700000" algn="ctr" rotWithShape="0">
-                    <a:schemeClr val="bg2"/>
-                  </a:outerShdw>
-                </a:effectLst>
-              </a14:hiddenEffects>
-            </a:ext>
-          </a:extLst>
-        </p:spPr>
-      </p:pic>
+            <a:ln>
+              <a:noFill/>
+            </a:ln>
+            <a:effectLst/>
+            <a:extLst>
+              <a:ext uri="{909E8E84-426E-40DD-AFC4-6F175D3DCCD1}">
+                <a14:hiddenFill xmlns:a14="http://schemas.microsoft.com/office/drawing/2010/main">
+                  <a:solidFill>
+                    <a:schemeClr val="accent1"/>
+                  </a:solidFill>
+                </a14:hiddenFill>
+              </a:ext>
+              <a:ext uri="{91240B29-F687-4F45-9708-019B960494DF}">
+                <a14:hiddenLine xmlns:a14="http://schemas.microsoft.com/office/drawing/2010/main" w="9525">
+                  <a:solidFill>
+                    <a:schemeClr val="tx1"/>
+                  </a:solidFill>
+                  <a:miter lim="800000"/>
+                  <a:headEnd/>
+                  <a:tailEnd/>
+                </a14:hiddenLine>
+              </a:ext>
+              <a:ext uri="{AF507438-7753-43E0-B8FC-AC1667EBCBE1}">
+                <a14:hiddenEffects xmlns:a14="http://schemas.microsoft.com/office/drawing/2010/main">
+                  <a:effectLst>
+                    <a:outerShdw dist="35921" dir="2700000" algn="ctr" rotWithShape="0">
+                      <a:schemeClr val="bg2"/>
+                    </a:outerShdw>
+                  </a:effectLst>
+                </a14:hiddenEffects>
+              </a:ext>
+            </a:extLst>
+          </p:spPr>
+        </p:pic>
+        <p:sp>
+          <p:nvSpPr>
+            <p:cNvPr id="2" name="Ellipse 1"/>
+            <p:cNvSpPr/>
+            <p:nvPr/>
+          </p:nvSpPr>
+          <p:spPr>
+            <a:xfrm>
+              <a:off x="323528" y="4149080"/>
+              <a:ext cx="576064" cy="576064"/>
+            </a:xfrm>
+            <a:prstGeom prst="ellipse">
+              <a:avLst/>
+            </a:prstGeom>
+          </p:spPr>
+          <p:style>
+            <a:lnRef idx="2">
+              <a:schemeClr val="accent1">
+                <a:shade val="50000"/>
+              </a:schemeClr>
+            </a:lnRef>
+            <a:fillRef idx="1">
+              <a:schemeClr val="accent1"/>
+            </a:fillRef>
+            <a:effectRef idx="0">
+              <a:schemeClr val="accent1"/>
+            </a:effectRef>
+            <a:fontRef idx="minor">
+              <a:schemeClr val="lt1"/>
+            </a:fontRef>
+          </p:style>
+          <p:txBody>
+            <a:bodyPr rtlCol="0" anchor="ctr"/>
+            <a:lstStyle/>
+            <a:p>
+              <a:pPr algn="ctr"/>
+              <a:endParaRPr lang="de-CH"/>
+            </a:p>
+          </p:txBody>
+        </p:sp>
+      </p:grpSp>
     </p:spTree>
     <p:extLst>
       <p:ext uri="{BB962C8B-B14F-4D97-AF65-F5344CB8AC3E}">
-        <p14:creationId xmlns:p14="http://schemas.microsoft.com/office/powerpoint/2010/main" val="856491057"/>
+        <p14:creationId xmlns:p14="http://schemas.microsoft.com/office/powerpoint/2010/main" val="1828335280"/>
       </p:ext>
     </p:extLst>
   </p:cSld>
@@ -11037,7 +11071,70 @@
   <p:timing>
     <p:tnLst>
       <p:par>
-        <p:cTn id="1" dur="indefinite" restart="never" nodeType="tmRoot"/>
+        <p:cTn id="1" dur="indefinite" restart="never" nodeType="tmRoot">
+          <p:childTnLst>
+            <p:seq concurrent="1" nextAc="seek">
+              <p:cTn id="2" dur="indefinite" nodeType="mainSeq">
+                <p:childTnLst>
+                  <p:par>
+                    <p:cTn id="3" fill="hold">
+                      <p:stCondLst>
+                        <p:cond delay="indefinite"/>
+                      </p:stCondLst>
+                      <p:childTnLst>
+                        <p:par>
+                          <p:cTn id="4" fill="hold">
+                            <p:stCondLst>
+                              <p:cond delay="0"/>
+                            </p:stCondLst>
+                            <p:childTnLst>
+                              <p:par>
+                                <p:cTn id="5" presetID="0" presetClass="path" presetSubtype="0" accel="50000" decel="50000" fill="hold" nodeType="clickEffect">
+                                  <p:stCondLst>
+                                    <p:cond delay="0"/>
+                                  </p:stCondLst>
+                                  <p:childTnLst>
+                                    <p:animMotion origin="layout" path="M -3.05556E-6 2.43293E-6 L 0.00018 -0.54695 " pathEditMode="relative" rAng="0" ptsTypes="AA">
+                                      <p:cBhvr>
+                                        <p:cTn id="6" dur="2000" fill="hold"/>
+                                        <p:tgtEl>
+                                          <p:spTgt spid="3"/>
+                                        </p:tgtEl>
+                                        <p:attrNameLst>
+                                          <p:attrName>ppt_x</p:attrName>
+                                          <p:attrName>ppt_y</p:attrName>
+                                        </p:attrNameLst>
+                                      </p:cBhvr>
+                                      <p:rCtr x="0" y="-27359"/>
+                                    </p:animMotion>
+                                  </p:childTnLst>
+                                </p:cTn>
+                              </p:par>
+                            </p:childTnLst>
+                          </p:cTn>
+                        </p:par>
+                      </p:childTnLst>
+                    </p:cTn>
+                  </p:par>
+                </p:childTnLst>
+              </p:cTn>
+              <p:prevCondLst>
+                <p:cond evt="onPrev" delay="0">
+                  <p:tgtEl>
+                    <p:sldTgt/>
+                  </p:tgtEl>
+                </p:cond>
+              </p:prevCondLst>
+              <p:nextCondLst>
+                <p:cond evt="onNext" delay="0">
+                  <p:tgtEl>
+                    <p:sldTgt/>
+                  </p:tgtEl>
+                </p:cond>
+              </p:nextCondLst>
+            </p:seq>
+          </p:childTnLst>
+        </p:cTn>
       </p:par>
     </p:tnLst>
   </p:timing>
@@ -11045,106 +11142,6 @@
 </file>
 
 <file path=ppt/slides/slide24.xml><?xml version="1.0" encoding="utf-8"?>
-<p:sld xmlns:a="http://schemas.openxmlformats.org/drawingml/2006/main" xmlns:r="http://schemas.openxmlformats.org/officeDocument/2006/relationships" xmlns:p="http://schemas.openxmlformats.org/presentationml/2006/main">
-  <p:cSld>
-    <p:spTree>
-      <p:nvGrpSpPr>
-        <p:cNvPr id="1" name=""/>
-        <p:cNvGrpSpPr/>
-        <p:nvPr/>
-      </p:nvGrpSpPr>
-      <p:grpSpPr>
-        <a:xfrm>
-          <a:off x="0" y="0"/>
-          <a:ext cx="0" cy="0"/>
-          <a:chOff x="0" y="0"/>
-          <a:chExt cx="0" cy="0"/>
-        </a:xfrm>
-      </p:grpSpPr>
-      <p:pic>
-        <p:nvPicPr>
-          <p:cNvPr id="4" name="Picture 2"/>
-          <p:cNvPicPr>
-            <a:picLocks noChangeAspect="1" noChangeArrowheads="1"/>
-          </p:cNvPicPr>
-          <p:nvPr/>
-        </p:nvPicPr>
-        <p:blipFill rotWithShape="1">
-          <a:blip r:embed="rId3">
-            <a:extLst>
-              <a:ext uri="{28A0092B-C50C-407E-A947-70E740481C1C}">
-                <a14:useLocalDpi xmlns:a14="http://schemas.microsoft.com/office/drawing/2010/main" val="0"/>
-              </a:ext>
-            </a:extLst>
-          </a:blip>
-          <a:srcRect l="2451" t="2673" r="1836" b="1761"/>
-          <a:stretch/>
-        </p:blipFill>
-        <p:spPr bwMode="auto">
-          <a:xfrm>
-            <a:off x="35496" y="-3915816"/>
-            <a:ext cx="9144001" cy="10112991"/>
-          </a:xfrm>
-          <a:prstGeom prst="rect">
-            <a:avLst/>
-          </a:prstGeom>
-          <a:noFill/>
-          <a:ln>
-            <a:noFill/>
-          </a:ln>
-          <a:effectLst/>
-          <a:extLst>
-            <a:ext uri="{909E8E84-426E-40DD-AFC4-6F175D3DCCD1}">
-              <a14:hiddenFill xmlns:a14="http://schemas.microsoft.com/office/drawing/2010/main">
-                <a:solidFill>
-                  <a:schemeClr val="accent1"/>
-                </a:solidFill>
-              </a14:hiddenFill>
-            </a:ext>
-            <a:ext uri="{91240B29-F687-4F45-9708-019B960494DF}">
-              <a14:hiddenLine xmlns:a14="http://schemas.microsoft.com/office/drawing/2010/main" w="9525">
-                <a:solidFill>
-                  <a:schemeClr val="tx1"/>
-                </a:solidFill>
-                <a:miter lim="800000"/>
-                <a:headEnd/>
-                <a:tailEnd/>
-              </a14:hiddenLine>
-            </a:ext>
-            <a:ext uri="{AF507438-7753-43E0-B8FC-AC1667EBCBE1}">
-              <a14:hiddenEffects xmlns:a14="http://schemas.microsoft.com/office/drawing/2010/main">
-                <a:effectLst>
-                  <a:outerShdw dist="35921" dir="2700000" algn="ctr" rotWithShape="0">
-                    <a:schemeClr val="bg2"/>
-                  </a:outerShdw>
-                </a:effectLst>
-              </a14:hiddenEffects>
-            </a:ext>
-          </a:extLst>
-        </p:spPr>
-      </p:pic>
-    </p:spTree>
-    <p:extLst>
-      <p:ext uri="{BB962C8B-B14F-4D97-AF65-F5344CB8AC3E}">
-        <p14:creationId xmlns:p14="http://schemas.microsoft.com/office/powerpoint/2010/main" val="3810735719"/>
-      </p:ext>
-    </p:extLst>
-  </p:cSld>
-  <p:clrMapOvr>
-    <a:masterClrMapping/>
-  </p:clrMapOvr>
-  <p:transition/>
-  <p:timing>
-    <p:tnLst>
-      <p:par>
-        <p:cTn id="1" dur="indefinite" restart="never" nodeType="tmRoot"/>
-      </p:par>
-    </p:tnLst>
-  </p:timing>
-</p:sld>
-</file>
-
-<file path=ppt/slides/slide25.xml><?xml version="1.0" encoding="utf-8"?>
 <p:sld xmlns:a="http://schemas.openxmlformats.org/drawingml/2006/main" xmlns:r="http://schemas.openxmlformats.org/officeDocument/2006/relationships" xmlns:p="http://schemas.openxmlformats.org/presentationml/2006/main">
   <p:cSld>
     <p:spTree>
@@ -11244,7 +11241,7 @@
 </p:sld>
 </file>
 
-<file path=ppt/slides/slide26.xml><?xml version="1.0" encoding="utf-8"?>
+<file path=ppt/slides/slide25.xml><?xml version="1.0" encoding="utf-8"?>
 <p:sld xmlns:a="http://schemas.openxmlformats.org/drawingml/2006/main" xmlns:r="http://schemas.openxmlformats.org/officeDocument/2006/relationships" xmlns:p="http://schemas.openxmlformats.org/presentationml/2006/main">
   <p:cSld>
     <p:spTree>
@@ -11602,7 +11599,7 @@
 </p:sld>
 </file>
 
-<file path=ppt/slides/slide27.xml><?xml version="1.0" encoding="utf-8"?>
+<file path=ppt/slides/slide26.xml><?xml version="1.0" encoding="utf-8"?>
 <p:sld xmlns:a="http://schemas.openxmlformats.org/drawingml/2006/main" xmlns:r="http://schemas.openxmlformats.org/officeDocument/2006/relationships" xmlns:p="http://schemas.openxmlformats.org/presentationml/2006/main">
   <p:cSld>
     <p:spTree>
@@ -11791,7 +11788,7 @@
 </p:sld>
 </file>
 
-<file path=ppt/slides/slide28.xml><?xml version="1.0" encoding="utf-8"?>
+<file path=ppt/slides/slide27.xml><?xml version="1.0" encoding="utf-8"?>
 <p:sld xmlns:a="http://schemas.openxmlformats.org/drawingml/2006/main" xmlns:r="http://schemas.openxmlformats.org/officeDocument/2006/relationships" xmlns:p="http://schemas.openxmlformats.org/presentationml/2006/main">
   <p:cSld>
     <p:spTree>
@@ -11893,7 +11890,7 @@
 </p:sld>
 </file>
 
-<file path=ppt/slides/slide29.xml><?xml version="1.0" encoding="utf-8"?>
+<file path=ppt/slides/slide28.xml><?xml version="1.0" encoding="utf-8"?>
 <p:sld xmlns:a="http://schemas.openxmlformats.org/drawingml/2006/main" xmlns:r="http://schemas.openxmlformats.org/officeDocument/2006/relationships" xmlns:p="http://schemas.openxmlformats.org/presentationml/2006/main">
   <p:cSld>
     <p:spTree>
@@ -12061,6 +12058,224 @@
 </p:sld>
 </file>
 
+<file path=ppt/slides/slide29.xml><?xml version="1.0" encoding="utf-8"?>
+<p:sld xmlns:a="http://schemas.openxmlformats.org/drawingml/2006/main" xmlns:r="http://schemas.openxmlformats.org/officeDocument/2006/relationships" xmlns:p="http://schemas.openxmlformats.org/presentationml/2006/main">
+  <p:cSld>
+    <p:spTree>
+      <p:nvGrpSpPr>
+        <p:cNvPr id="1" name=""/>
+        <p:cNvGrpSpPr/>
+        <p:nvPr/>
+      </p:nvGrpSpPr>
+      <p:grpSpPr>
+        <a:xfrm>
+          <a:off x="0" y="0"/>
+          <a:ext cx="0" cy="0"/>
+          <a:chOff x="0" y="0"/>
+          <a:chExt cx="0" cy="0"/>
+        </a:xfrm>
+      </p:grpSpPr>
+      <p:sp>
+        <p:nvSpPr>
+          <p:cNvPr id="3" name="Titel 2"/>
+          <p:cNvSpPr>
+            <a:spLocks noGrp="1"/>
+          </p:cNvSpPr>
+          <p:nvPr>
+            <p:ph type="title"/>
+          </p:nvPr>
+        </p:nvSpPr>
+        <p:spPr/>
+        <p:txBody>
+          <a:bodyPr/>
+          <a:lstStyle/>
+          <a:p>
+            <a:r>
+              <a:rPr lang="de-CH" dirty="0" smtClean="0"/>
+              <a:t>Risikomanagement</a:t>
+            </a:r>
+            <a:endParaRPr lang="de-CH" dirty="0"/>
+          </a:p>
+        </p:txBody>
+      </p:sp>
+      <p:pic>
+        <p:nvPicPr>
+          <p:cNvPr id="6146" name="Picture 2">
+            <a:hlinkClick r:id="rId3"/>
+          </p:cNvPr>
+          <p:cNvPicPr>
+            <a:picLocks noChangeAspect="1" noChangeArrowheads="1"/>
+          </p:cNvPicPr>
+          <p:nvPr/>
+        </p:nvPicPr>
+        <p:blipFill>
+          <a:blip r:embed="rId4">
+            <a:extLst>
+              <a:ext uri="{28A0092B-C50C-407E-A947-70E740481C1C}">
+                <a14:useLocalDpi xmlns:a14="http://schemas.microsoft.com/office/drawing/2010/main" val="0"/>
+              </a:ext>
+            </a:extLst>
+          </a:blip>
+          <a:srcRect/>
+          <a:stretch>
+            <a:fillRect/>
+          </a:stretch>
+        </p:blipFill>
+        <p:spPr bwMode="auto">
+          <a:xfrm>
+            <a:off x="6516216" y="4221088"/>
+            <a:ext cx="2088232" cy="2088232"/>
+          </a:xfrm>
+          <a:prstGeom prst="roundRect">
+            <a:avLst>
+              <a:gd name="adj" fmla="val 8594"/>
+            </a:avLst>
+          </a:prstGeom>
+          <a:solidFill>
+            <a:srgbClr val="FFFFFF">
+              <a:shade val="85000"/>
+            </a:srgbClr>
+          </a:solidFill>
+          <a:ln>
+            <a:noFill/>
+          </a:ln>
+          <a:effectLst>
+            <a:reflection blurRad="12700" stA="38000" endPos="28000" dist="5000" dir="5400000" sy="-100000" algn="bl" rotWithShape="0"/>
+          </a:effectLst>
+          <a:extLst>
+            <a:ext uri="{91240B29-F687-4F45-9708-019B960494DF}">
+              <a14:hiddenLine xmlns:a14="http://schemas.microsoft.com/office/drawing/2010/main" w="9525">
+                <a:solidFill>
+                  <a:schemeClr val="tx1"/>
+                </a:solidFill>
+                <a:miter lim="800000"/>
+                <a:headEnd/>
+                <a:tailEnd/>
+              </a14:hiddenLine>
+            </a:ext>
+            <a:ext uri="{AF507438-7753-43E0-B8FC-AC1667EBCBE1}">
+              <a14:hiddenEffects xmlns:a14="http://schemas.microsoft.com/office/drawing/2010/main">
+                <a:effectLst>
+                  <a:outerShdw dist="35921" dir="2700000" algn="ctr" rotWithShape="0">
+                    <a:schemeClr val="bg2"/>
+                  </a:outerShdw>
+                </a:effectLst>
+              </a14:hiddenEffects>
+            </a:ext>
+          </a:extLst>
+        </p:spPr>
+      </p:pic>
+      <p:sp>
+        <p:nvSpPr>
+          <p:cNvPr id="4" name="Inhaltsplatzhalter 3"/>
+          <p:cNvSpPr>
+            <a:spLocks noGrp="1"/>
+          </p:cNvSpPr>
+          <p:nvPr>
+            <p:ph idx="1"/>
+          </p:nvPr>
+        </p:nvSpPr>
+        <p:spPr/>
+        <p:txBody>
+          <a:bodyPr/>
+          <a:lstStyle/>
+          <a:p>
+            <a:pPr>
+              <a:tabLst>
+                <a:tab pos="4749800" algn="l"/>
+              </a:tabLst>
+            </a:pPr>
+            <a:r>
+              <a:rPr lang="de-CH" dirty="0" smtClean="0"/>
+              <a:t>Anzahl Risiken:	6</a:t>
+            </a:r>
+          </a:p>
+          <a:p>
+            <a:pPr>
+              <a:tabLst>
+                <a:tab pos="4749800" algn="l"/>
+              </a:tabLst>
+            </a:pPr>
+            <a:r>
+              <a:rPr lang="de-CH" dirty="0" smtClean="0"/>
+              <a:t>Verbleibende Reserve:	~13 Stunden</a:t>
+            </a:r>
+          </a:p>
+          <a:p>
+            <a:pPr>
+              <a:tabLst>
+                <a:tab pos="4749800" algn="l"/>
+              </a:tabLst>
+            </a:pPr>
+            <a:r>
+              <a:rPr lang="de-CH" dirty="0" smtClean="0"/>
+              <a:t>Bereinigte Risiken:	3</a:t>
+            </a:r>
+          </a:p>
+          <a:p>
+            <a:pPr>
+              <a:tabLst>
+                <a:tab pos="4749800" algn="l"/>
+              </a:tabLst>
+            </a:pPr>
+            <a:endParaRPr lang="de-CH" dirty="0" smtClean="0"/>
+          </a:p>
+          <a:p>
+            <a:pPr>
+              <a:tabLst>
+                <a:tab pos="4749800" algn="l"/>
+              </a:tabLst>
+            </a:pPr>
+            <a:r>
+              <a:rPr lang="de-CH" dirty="0" smtClean="0"/>
+              <a:t>Bereinigtes Risiko in Elaboration Phase</a:t>
+            </a:r>
+          </a:p>
+          <a:p>
+            <a:pPr lvl="1">
+              <a:tabLst>
+                <a:tab pos="4749800" algn="l"/>
+              </a:tabLst>
+            </a:pPr>
+            <a:r>
+              <a:rPr lang="de-CH" dirty="0" smtClean="0"/>
+              <a:t>Übertragung Mobile </a:t>
+            </a:r>
+            <a:r>
+              <a:rPr lang="de-CH" dirty="0" smtClean="0">
+                <a:sym typeface="Wingdings" pitchFamily="2" charset="2"/>
+              </a:rPr>
+              <a:t> Server</a:t>
+            </a:r>
+            <a:r>
+              <a:rPr lang="de-CH" dirty="0" smtClean="0"/>
+              <a:t>  </a:t>
+            </a:r>
+            <a:endParaRPr lang="de-CH" dirty="0"/>
+          </a:p>
+        </p:txBody>
+      </p:sp>
+    </p:spTree>
+    <p:extLst>
+      <p:ext uri="{BB962C8B-B14F-4D97-AF65-F5344CB8AC3E}">
+        <p14:creationId xmlns:p14="http://schemas.microsoft.com/office/powerpoint/2010/main" val="1793667745"/>
+      </p:ext>
+    </p:extLst>
+  </p:cSld>
+  <p:clrMapOvr>
+    <a:masterClrMapping/>
+  </p:clrMapOvr>
+  <p:transition/>
+  <p:timing>
+    <p:tnLst>
+      <p:par>
+        <p:cTn id="1" dur="indefinite" restart="never" nodeType="tmRoot"/>
+      </p:par>
+    </p:tnLst>
+  </p:timing>
+</p:sld>
+</file>
+
 <file path=ppt/slides/slide3.xml><?xml version="1.0" encoding="utf-8"?>
 <p:sld xmlns:a="http://schemas.openxmlformats.org/drawingml/2006/main" xmlns:r="http://schemas.openxmlformats.org/officeDocument/2006/relationships" xmlns:p="http://schemas.openxmlformats.org/presentationml/2006/main">
   <p:cSld>
@@ -12101,25 +12316,13 @@
           <a:p>
             <a:r>
               <a:rPr lang="de-CH" dirty="0" smtClean="0"/>
-              <a:t>Technische </a:t>
-            </a:r>
-            <a:r>
-              <a:rPr lang="de-CH" dirty="0" smtClean="0"/>
-              <a:t>Risiken eliminieren</a:t>
-            </a:r>
-          </a:p>
-          <a:p>
-            <a:r>
-              <a:rPr lang="de-CH" dirty="0" smtClean="0"/>
-              <a:t>Evaluation </a:t>
-            </a:r>
-            <a:r>
-              <a:rPr lang="de-CH" dirty="0" smtClean="0"/>
-              <a:t>Werkzeuge / </a:t>
-            </a:r>
-            <a:r>
-              <a:rPr lang="de-CH" dirty="0" smtClean="0"/>
-              <a:t>Bibliotheken</a:t>
+              <a:t>Technische Risiken eliminieren</a:t>
+            </a:r>
+          </a:p>
+          <a:p>
+            <a:r>
+              <a:rPr lang="de-CH" dirty="0" smtClean="0"/>
+              <a:t>Evaluation Werkzeuge / Bibliotheken</a:t>
             </a:r>
           </a:p>
           <a:p>
@@ -12244,224 +12447,6 @@
       </p:grpSpPr>
       <p:sp>
         <p:nvSpPr>
-          <p:cNvPr id="3" name="Titel 2"/>
-          <p:cNvSpPr>
-            <a:spLocks noGrp="1"/>
-          </p:cNvSpPr>
-          <p:nvPr>
-            <p:ph type="title"/>
-          </p:nvPr>
-        </p:nvSpPr>
-        <p:spPr/>
-        <p:txBody>
-          <a:bodyPr/>
-          <a:lstStyle/>
-          <a:p>
-            <a:r>
-              <a:rPr lang="de-CH" dirty="0" smtClean="0"/>
-              <a:t>Risikomanagement</a:t>
-            </a:r>
-            <a:endParaRPr lang="de-CH" dirty="0"/>
-          </a:p>
-        </p:txBody>
-      </p:sp>
-      <p:pic>
-        <p:nvPicPr>
-          <p:cNvPr id="6146" name="Picture 2">
-            <a:hlinkClick r:id="rId3"/>
-          </p:cNvPr>
-          <p:cNvPicPr>
-            <a:picLocks noChangeAspect="1" noChangeArrowheads="1"/>
-          </p:cNvPicPr>
-          <p:nvPr/>
-        </p:nvPicPr>
-        <p:blipFill>
-          <a:blip r:embed="rId4">
-            <a:extLst>
-              <a:ext uri="{28A0092B-C50C-407E-A947-70E740481C1C}">
-                <a14:useLocalDpi xmlns:a14="http://schemas.microsoft.com/office/drawing/2010/main" val="0"/>
-              </a:ext>
-            </a:extLst>
-          </a:blip>
-          <a:srcRect/>
-          <a:stretch>
-            <a:fillRect/>
-          </a:stretch>
-        </p:blipFill>
-        <p:spPr bwMode="auto">
-          <a:xfrm>
-            <a:off x="6516216" y="4221088"/>
-            <a:ext cx="2088232" cy="2088232"/>
-          </a:xfrm>
-          <a:prstGeom prst="roundRect">
-            <a:avLst>
-              <a:gd name="adj" fmla="val 8594"/>
-            </a:avLst>
-          </a:prstGeom>
-          <a:solidFill>
-            <a:srgbClr val="FFFFFF">
-              <a:shade val="85000"/>
-            </a:srgbClr>
-          </a:solidFill>
-          <a:ln>
-            <a:noFill/>
-          </a:ln>
-          <a:effectLst>
-            <a:reflection blurRad="12700" stA="38000" endPos="28000" dist="5000" dir="5400000" sy="-100000" algn="bl" rotWithShape="0"/>
-          </a:effectLst>
-          <a:extLst>
-            <a:ext uri="{91240B29-F687-4F45-9708-019B960494DF}">
-              <a14:hiddenLine xmlns:a14="http://schemas.microsoft.com/office/drawing/2010/main" w="9525">
-                <a:solidFill>
-                  <a:schemeClr val="tx1"/>
-                </a:solidFill>
-                <a:miter lim="800000"/>
-                <a:headEnd/>
-                <a:tailEnd/>
-              </a14:hiddenLine>
-            </a:ext>
-            <a:ext uri="{AF507438-7753-43E0-B8FC-AC1667EBCBE1}">
-              <a14:hiddenEffects xmlns:a14="http://schemas.microsoft.com/office/drawing/2010/main">
-                <a:effectLst>
-                  <a:outerShdw dist="35921" dir="2700000" algn="ctr" rotWithShape="0">
-                    <a:schemeClr val="bg2"/>
-                  </a:outerShdw>
-                </a:effectLst>
-              </a14:hiddenEffects>
-            </a:ext>
-          </a:extLst>
-        </p:spPr>
-      </p:pic>
-      <p:sp>
-        <p:nvSpPr>
-          <p:cNvPr id="4" name="Inhaltsplatzhalter 3"/>
-          <p:cNvSpPr>
-            <a:spLocks noGrp="1"/>
-          </p:cNvSpPr>
-          <p:nvPr>
-            <p:ph idx="1"/>
-          </p:nvPr>
-        </p:nvSpPr>
-        <p:spPr/>
-        <p:txBody>
-          <a:bodyPr/>
-          <a:lstStyle/>
-          <a:p>
-            <a:pPr>
-              <a:tabLst>
-                <a:tab pos="4749800" algn="l"/>
-              </a:tabLst>
-            </a:pPr>
-            <a:r>
-              <a:rPr lang="de-CH" dirty="0" smtClean="0"/>
-              <a:t>Anzahl Risiken:	6</a:t>
-            </a:r>
-          </a:p>
-          <a:p>
-            <a:pPr>
-              <a:tabLst>
-                <a:tab pos="4749800" algn="l"/>
-              </a:tabLst>
-            </a:pPr>
-            <a:r>
-              <a:rPr lang="de-CH" dirty="0" smtClean="0"/>
-              <a:t>Verbleibende Reserve:	~13 Stunden</a:t>
-            </a:r>
-          </a:p>
-          <a:p>
-            <a:pPr>
-              <a:tabLst>
-                <a:tab pos="4749800" algn="l"/>
-              </a:tabLst>
-            </a:pPr>
-            <a:r>
-              <a:rPr lang="de-CH" dirty="0" smtClean="0"/>
-              <a:t>Bereinigte Risiken:	3</a:t>
-            </a:r>
-          </a:p>
-          <a:p>
-            <a:pPr>
-              <a:tabLst>
-                <a:tab pos="4749800" algn="l"/>
-              </a:tabLst>
-            </a:pPr>
-            <a:endParaRPr lang="de-CH" dirty="0" smtClean="0"/>
-          </a:p>
-          <a:p>
-            <a:pPr>
-              <a:tabLst>
-                <a:tab pos="4749800" algn="l"/>
-              </a:tabLst>
-            </a:pPr>
-            <a:r>
-              <a:rPr lang="de-CH" dirty="0" smtClean="0"/>
-              <a:t>Bereinigtes Risiko in Elaboration Phase</a:t>
-            </a:r>
-          </a:p>
-          <a:p>
-            <a:pPr lvl="1">
-              <a:tabLst>
-                <a:tab pos="4749800" algn="l"/>
-              </a:tabLst>
-            </a:pPr>
-            <a:r>
-              <a:rPr lang="de-CH" dirty="0" smtClean="0"/>
-              <a:t>Übertragung Mobile </a:t>
-            </a:r>
-            <a:r>
-              <a:rPr lang="de-CH" dirty="0" smtClean="0">
-                <a:sym typeface="Wingdings" pitchFamily="2" charset="2"/>
-              </a:rPr>
-              <a:t> Server</a:t>
-            </a:r>
-            <a:r>
-              <a:rPr lang="de-CH" dirty="0" smtClean="0"/>
-              <a:t>  </a:t>
-            </a:r>
-            <a:endParaRPr lang="de-CH" dirty="0"/>
-          </a:p>
-        </p:txBody>
-      </p:sp>
-    </p:spTree>
-    <p:extLst>
-      <p:ext uri="{BB962C8B-B14F-4D97-AF65-F5344CB8AC3E}">
-        <p14:creationId xmlns:p14="http://schemas.microsoft.com/office/powerpoint/2010/main" val="1793667745"/>
-      </p:ext>
-    </p:extLst>
-  </p:cSld>
-  <p:clrMapOvr>
-    <a:masterClrMapping/>
-  </p:clrMapOvr>
-  <p:transition/>
-  <p:timing>
-    <p:tnLst>
-      <p:par>
-        <p:cTn id="1" dur="indefinite" restart="never" nodeType="tmRoot"/>
-      </p:par>
-    </p:tnLst>
-  </p:timing>
-</p:sld>
-</file>
-
-<file path=ppt/slides/slide31.xml><?xml version="1.0" encoding="utf-8"?>
-<p:sld xmlns:a="http://schemas.openxmlformats.org/drawingml/2006/main" xmlns:r="http://schemas.openxmlformats.org/officeDocument/2006/relationships" xmlns:p="http://schemas.openxmlformats.org/presentationml/2006/main">
-  <p:cSld>
-    <p:spTree>
-      <p:nvGrpSpPr>
-        <p:cNvPr id="1" name=""/>
-        <p:cNvGrpSpPr/>
-        <p:nvPr/>
-      </p:nvGrpSpPr>
-      <p:grpSpPr>
-        <a:xfrm>
-          <a:off x="0" y="0"/>
-          <a:ext cx="0" cy="0"/>
-          <a:chOff x="0" y="0"/>
-          <a:chExt cx="0" cy="0"/>
-        </a:xfrm>
-      </p:grpSpPr>
-      <p:sp>
-        <p:nvSpPr>
           <p:cNvPr id="2" name="Inhaltsplatzhalter 1"/>
           <p:cNvSpPr>
             <a:spLocks noGrp="1"/>
@@ -12583,7 +12568,7 @@
 </p:sld>
 </file>
 
-<file path=ppt/slides/slide32.xml><?xml version="1.0" encoding="utf-8"?>
+<file path=ppt/slides/slide31.xml><?xml version="1.0" encoding="utf-8"?>
 <p:sld xmlns:a="http://schemas.openxmlformats.org/drawingml/2006/main" xmlns:r="http://schemas.openxmlformats.org/officeDocument/2006/relationships" xmlns:p="http://schemas.openxmlformats.org/presentationml/2006/main">
   <p:cSld>
     <p:spTree>
@@ -12796,7 +12781,6 @@
               <a:rPr lang="de-CH" dirty="0" smtClean="0"/>
               <a:t>Dateninkonsistenz</a:t>
             </a:r>
-            <a:endParaRPr lang="de-CH" dirty="0" smtClean="0"/>
           </a:p>
           <a:p>
             <a:pPr lvl="1"/>
@@ -12963,6 +12947,54 @@
           </a:ln>
         </p:spPr>
       </p:pic>
+      <p:sp>
+        <p:nvSpPr>
+          <p:cNvPr id="2" name="Rechteck 1"/>
+          <p:cNvSpPr/>
+          <p:nvPr/>
+        </p:nvSpPr>
+        <p:spPr>
+          <a:xfrm>
+            <a:off x="5868144" y="4797152"/>
+            <a:ext cx="3096344" cy="1872208"/>
+          </a:xfrm>
+          <a:prstGeom prst="rect">
+            <a:avLst/>
+          </a:prstGeom>
+          <a:solidFill>
+            <a:schemeClr val="bg1"/>
+          </a:solidFill>
+          <a:ln>
+            <a:solidFill>
+              <a:schemeClr val="bg1"/>
+            </a:solidFill>
+          </a:ln>
+        </p:spPr>
+        <p:style>
+          <a:lnRef idx="2">
+            <a:schemeClr val="accent1">
+              <a:shade val="50000"/>
+            </a:schemeClr>
+          </a:lnRef>
+          <a:fillRef idx="1">
+            <a:schemeClr val="accent1"/>
+          </a:fillRef>
+          <a:effectRef idx="0">
+            <a:schemeClr val="accent1"/>
+          </a:effectRef>
+          <a:fontRef idx="minor">
+            <a:schemeClr val="lt1"/>
+          </a:fontRef>
+        </p:style>
+        <p:txBody>
+          <a:bodyPr rtlCol="0" anchor="ctr"/>
+          <a:lstStyle/>
+          <a:p>
+            <a:pPr algn="ctr"/>
+            <a:endParaRPr lang="de-CH"/>
+          </a:p>
+        </p:txBody>
+      </p:sp>
     </p:spTree>
     <p:extLst>
       <p:ext uri="{BB962C8B-B14F-4D97-AF65-F5344CB8AC3E}">

--- a/doc/05_Design/praesentation_ms3.pptx
+++ b/doc/05_Design/praesentation_ms3.pptx
@@ -4287,7 +4287,7 @@
             <a:extLst/>
           </a:lstStyle>
           <a:p>
-            <a:fld id="{1BA50D42-C9CD-4801-B293-61D1F53EC57E}" type="datetimeFigureOut">
+            <a:fld id="{FDE9042E-4E4D-4964-A514-ED26055502DF}" type="datetime1">
               <a:rPr lang="de-DE" smtClean="0"/>
               <a:t>14.04.2011</a:t>
             </a:fld>
@@ -4570,7 +4570,7 @@
             <a:extLst/>
           </a:lstStyle>
           <a:p>
-            <a:fld id="{1BA50D42-C9CD-4801-B293-61D1F53EC57E}" type="datetimeFigureOut">
+            <a:fld id="{A4A76472-FE75-49F7-821C-0446D9838459}" type="datetime1">
               <a:rPr lang="de-DE" smtClean="0"/>
               <a:t>14.04.2011</a:t>
             </a:fld>
@@ -4756,7 +4756,7 @@
             <a:extLst/>
           </a:lstStyle>
           <a:p>
-            <a:fld id="{1BA50D42-C9CD-4801-B293-61D1F53EC57E}" type="datetimeFigureOut">
+            <a:fld id="{7ED69EEE-5B7D-41B0-9AC9-40E6432EA1FF}" type="datetime1">
               <a:rPr lang="de-DE" smtClean="0"/>
               <a:t>14.04.2011</a:t>
             </a:fld>
@@ -4914,7 +4914,7 @@
             <a:extLst/>
           </a:lstStyle>
           <a:p>
-            <a:fld id="{1BA50D42-C9CD-4801-B293-61D1F53EC57E}" type="datetimeFigureOut">
+            <a:fld id="{3ED3A787-3600-453C-9637-64B7E5F04AA7}" type="datetime1">
               <a:rPr lang="de-DE" smtClean="0"/>
               <a:t>14.04.2011</a:t>
             </a:fld>
@@ -5177,7 +5177,7 @@
             <a:extLst/>
           </a:lstStyle>
           <a:p>
-            <a:fld id="{1BA50D42-C9CD-4801-B293-61D1F53EC57E}" type="datetimeFigureOut">
+            <a:fld id="{B9D0906F-70BC-4502-9C85-63404BE261A9}" type="datetime1">
               <a:rPr lang="de-DE" smtClean="0"/>
               <a:t>14.04.2011</a:t>
             </a:fld>
@@ -5594,7 +5594,7 @@
             <a:extLst/>
           </a:lstStyle>
           <a:p>
-            <a:fld id="{1BA50D42-C9CD-4801-B293-61D1F53EC57E}" type="datetimeFigureOut">
+            <a:fld id="{720F5748-F6CC-4D59-84CC-EB7BEDACD73F}" type="datetime1">
               <a:rPr lang="de-DE" smtClean="0"/>
               <a:t>14.04.2011</a:t>
             </a:fld>
@@ -6041,7 +6041,7 @@
             <a:extLst/>
           </a:lstStyle>
           <a:p>
-            <a:fld id="{1BA50D42-C9CD-4801-B293-61D1F53EC57E}" type="datetimeFigureOut">
+            <a:fld id="{A47C5B64-B793-4516-931A-31AC5E78585B}" type="datetime1">
               <a:rPr lang="de-DE" smtClean="0"/>
               <a:t>14.04.2011</a:t>
             </a:fld>
@@ -6150,7 +6150,7 @@
             <a:extLst/>
           </a:lstStyle>
           <a:p>
-            <a:fld id="{1BA50D42-C9CD-4801-B293-61D1F53EC57E}" type="datetimeFigureOut">
+            <a:fld id="{0560B347-13BB-4454-A0FA-5BF2F39FE96E}" type="datetime1">
               <a:rPr lang="de-DE" smtClean="0"/>
               <a:t>14.04.2011</a:t>
             </a:fld>
@@ -6272,7 +6272,7 @@
             <a:extLst/>
           </a:lstStyle>
           <a:p>
-            <a:fld id="{1BA50D42-C9CD-4801-B293-61D1F53EC57E}" type="datetimeFigureOut">
+            <a:fld id="{400C4A0A-EE89-4DCC-B931-E71181232ECC}" type="datetime1">
               <a:rPr lang="de-DE" smtClean="0"/>
               <a:t>14.04.2011</a:t>
             </a:fld>
@@ -6554,7 +6554,7 @@
             <a:extLst/>
           </a:lstStyle>
           <a:p>
-            <a:fld id="{1BA50D42-C9CD-4801-B293-61D1F53EC57E}" type="datetimeFigureOut">
+            <a:fld id="{6BED96B3-0BC3-4175-B693-10F1578FEDB0}" type="datetime1">
               <a:rPr lang="de-DE" smtClean="0"/>
               <a:t>14.04.2011</a:t>
             </a:fld>
@@ -6760,7 +6760,7 @@
             <a:extLst/>
           </a:lstStyle>
           <a:p>
-            <a:fld id="{1BA50D42-C9CD-4801-B293-61D1F53EC57E}" type="datetimeFigureOut">
+            <a:fld id="{70F84C89-714A-4C47-811A-ADA5D852C7C0}" type="datetime1">
               <a:rPr lang="de-DE" smtClean="0"/>
               <a:t>14.04.2011</a:t>
             </a:fld>
@@ -7870,7 +7870,7 @@
             <a:extLst/>
           </a:lstStyle>
           <a:p>
-            <a:fld id="{1BA50D42-C9CD-4801-B293-61D1F53EC57E}" type="datetimeFigureOut">
+            <a:fld id="{930FDB1F-8D37-4D71-8D1A-AADBFBB74473}" type="datetime1">
               <a:rPr lang="de-DE" smtClean="0"/>
               <a:t>14.04.2011</a:t>
             </a:fld>
@@ -8058,6 +8058,7 @@
       </p:par>
     </p:tnLst>
   </p:timing>
+  <p:hf hdr="0" ftr="0" dt="0"/>
   <p:txStyles>
     <p:titleStyle>
       <a:lvl1pPr algn="l" rtl="0" eaLnBrk="1" latinLnBrk="0" hangingPunct="1">
@@ -8422,6 +8423,29 @@
           </a:p>
         </p:txBody>
       </p:sp>
+      <p:sp>
+        <p:nvSpPr>
+          <p:cNvPr id="4" name="Foliennummernplatzhalter 3"/>
+          <p:cNvSpPr>
+            <a:spLocks noGrp="1"/>
+          </p:cNvSpPr>
+          <p:nvPr>
+            <p:ph type="sldNum" sz="quarter" idx="12"/>
+          </p:nvPr>
+        </p:nvSpPr>
+        <p:spPr/>
+        <p:txBody>
+          <a:bodyPr/>
+          <a:lstStyle/>
+          <a:p>
+            <a:fld id="{6C6AE60A-B69C-4790-82F7-3882EDF23186}" type="slidenum">
+              <a:rPr lang="de-DE" smtClean="0"/>
+              <a:t>1</a:t>
+            </a:fld>
+            <a:endParaRPr lang="de-DE"/>
+          </a:p>
+        </p:txBody>
+      </p:sp>
     </p:spTree>
     <p:extLst>
       <p:ext uri="{BB962C8B-B14F-4D97-AF65-F5344CB8AC3E}">
@@ -8610,8 +8634,8 @@
         </p:blipFill>
         <p:spPr bwMode="auto">
           <a:xfrm>
-            <a:off x="6726180" y="4795749"/>
-            <a:ext cx="2094292" cy="1800200"/>
+            <a:off x="6716116" y="4763068"/>
+            <a:ext cx="1966400" cy="1690267"/>
           </a:xfrm>
           <a:prstGeom prst="rect">
             <a:avLst/>
@@ -8649,6 +8673,29 @@
           <a:extLst/>
         </p:spPr>
       </p:pic>
+      <p:sp>
+        <p:nvSpPr>
+          <p:cNvPr id="4" name="Foliennummernplatzhalter 3"/>
+          <p:cNvSpPr>
+            <a:spLocks noGrp="1"/>
+          </p:cNvSpPr>
+          <p:nvPr>
+            <p:ph type="sldNum" sz="quarter" idx="12"/>
+          </p:nvPr>
+        </p:nvSpPr>
+        <p:spPr/>
+        <p:txBody>
+          <a:bodyPr/>
+          <a:lstStyle/>
+          <a:p>
+            <a:fld id="{6C6AE60A-B69C-4790-82F7-3882EDF23186}" type="slidenum">
+              <a:rPr lang="de-DE" smtClean="0"/>
+              <a:t>10</a:t>
+            </a:fld>
+            <a:endParaRPr lang="de-DE"/>
+          </a:p>
+        </p:txBody>
+      </p:sp>
     </p:spTree>
     <p:extLst>
       <p:ext uri="{BB962C8B-B14F-4D97-AF65-F5344CB8AC3E}">
@@ -8821,6 +8868,29 @@
           </a:p>
         </p:txBody>
       </p:sp>
+      <p:sp>
+        <p:nvSpPr>
+          <p:cNvPr id="2" name="Foliennummernplatzhalter 1"/>
+          <p:cNvSpPr>
+            <a:spLocks noGrp="1"/>
+          </p:cNvSpPr>
+          <p:nvPr>
+            <p:ph type="sldNum" sz="quarter" idx="12"/>
+          </p:nvPr>
+        </p:nvSpPr>
+        <p:spPr/>
+        <p:txBody>
+          <a:bodyPr/>
+          <a:lstStyle/>
+          <a:p>
+            <a:fld id="{6C6AE60A-B69C-4790-82F7-3882EDF23186}" type="slidenum">
+              <a:rPr lang="de-DE" smtClean="0"/>
+              <a:t>11</a:t>
+            </a:fld>
+            <a:endParaRPr lang="de-DE"/>
+          </a:p>
+        </p:txBody>
+      </p:sp>
     </p:spTree>
     <p:extLst>
       <p:ext uri="{BB962C8B-B14F-4D97-AF65-F5344CB8AC3E}">
@@ -8866,6 +8936,29 @@
           <a:chExt cx="0" cy="0"/>
         </a:xfrm>
       </p:grpSpPr>
+      <p:sp>
+        <p:nvSpPr>
+          <p:cNvPr id="4" name="Foliennummernplatzhalter 3"/>
+          <p:cNvSpPr>
+            <a:spLocks noGrp="1"/>
+          </p:cNvSpPr>
+          <p:nvPr>
+            <p:ph type="sldNum" sz="quarter" idx="12"/>
+          </p:nvPr>
+        </p:nvSpPr>
+        <p:spPr/>
+        <p:txBody>
+          <a:bodyPr/>
+          <a:lstStyle/>
+          <a:p>
+            <a:fld id="{6C6AE60A-B69C-4790-82F7-3882EDF23186}" type="slidenum">
+              <a:rPr lang="de-DE" smtClean="0"/>
+              <a:t>12</a:t>
+            </a:fld>
+            <a:endParaRPr lang="de-DE" dirty="0"/>
+          </a:p>
+        </p:txBody>
+      </p:sp>
       <p:grpSp>
         <p:nvGrpSpPr>
           <p:cNvPr id="3" name="Gruppieren 2"/>
@@ -9212,6 +9305,29 @@
           </a:p>
         </p:txBody>
       </p:sp>
+      <p:sp>
+        <p:nvSpPr>
+          <p:cNvPr id="4" name="Foliennummernplatzhalter 3"/>
+          <p:cNvSpPr>
+            <a:spLocks noGrp="1"/>
+          </p:cNvSpPr>
+          <p:nvPr>
+            <p:ph type="sldNum" sz="quarter" idx="12"/>
+          </p:nvPr>
+        </p:nvSpPr>
+        <p:spPr/>
+        <p:txBody>
+          <a:bodyPr/>
+          <a:lstStyle/>
+          <a:p>
+            <a:fld id="{6C6AE60A-B69C-4790-82F7-3882EDF23186}" type="slidenum">
+              <a:rPr lang="de-DE" smtClean="0"/>
+              <a:t>13</a:t>
+            </a:fld>
+            <a:endParaRPr lang="de-DE"/>
+          </a:p>
+        </p:txBody>
+      </p:sp>
     </p:spTree>
     <p:extLst>
       <p:ext uri="{BB962C8B-B14F-4D97-AF65-F5344CB8AC3E}">
@@ -9383,6 +9499,29 @@
           </a:p>
         </p:txBody>
       </p:sp>
+      <p:sp>
+        <p:nvSpPr>
+          <p:cNvPr id="2" name="Foliennummernplatzhalter 1"/>
+          <p:cNvSpPr>
+            <a:spLocks noGrp="1"/>
+          </p:cNvSpPr>
+          <p:nvPr>
+            <p:ph type="sldNum" sz="quarter" idx="12"/>
+          </p:nvPr>
+        </p:nvSpPr>
+        <p:spPr/>
+        <p:txBody>
+          <a:bodyPr/>
+          <a:lstStyle/>
+          <a:p>
+            <a:fld id="{6C6AE60A-B69C-4790-82F7-3882EDF23186}" type="slidenum">
+              <a:rPr lang="de-DE" smtClean="0"/>
+              <a:t>14</a:t>
+            </a:fld>
+            <a:endParaRPr lang="de-DE"/>
+          </a:p>
+        </p:txBody>
+      </p:sp>
     </p:spTree>
     <p:extLst>
       <p:ext uri="{BB962C8B-B14F-4D97-AF65-F5344CB8AC3E}">
@@ -9510,6 +9649,29 @@
           </a:extLst>
         </p:spPr>
       </p:pic>
+      <p:sp>
+        <p:nvSpPr>
+          <p:cNvPr id="2" name="Foliennummernplatzhalter 1"/>
+          <p:cNvSpPr>
+            <a:spLocks noGrp="1"/>
+          </p:cNvSpPr>
+          <p:nvPr>
+            <p:ph type="sldNum" sz="quarter" idx="12"/>
+          </p:nvPr>
+        </p:nvSpPr>
+        <p:spPr/>
+        <p:txBody>
+          <a:bodyPr/>
+          <a:lstStyle/>
+          <a:p>
+            <a:fld id="{6C6AE60A-B69C-4790-82F7-3882EDF23186}" type="slidenum">
+              <a:rPr lang="de-DE" smtClean="0"/>
+              <a:t>15</a:t>
+            </a:fld>
+            <a:endParaRPr lang="de-DE"/>
+          </a:p>
+        </p:txBody>
+      </p:sp>
     </p:spTree>
     <p:extLst>
       <p:ext uri="{BB962C8B-B14F-4D97-AF65-F5344CB8AC3E}">
@@ -9644,6 +9806,29 @@
           </a:extLst>
         </p:spPr>
       </p:pic>
+      <p:sp>
+        <p:nvSpPr>
+          <p:cNvPr id="2" name="Foliennummernplatzhalter 1"/>
+          <p:cNvSpPr>
+            <a:spLocks noGrp="1"/>
+          </p:cNvSpPr>
+          <p:nvPr>
+            <p:ph type="sldNum" sz="quarter" idx="12"/>
+          </p:nvPr>
+        </p:nvSpPr>
+        <p:spPr/>
+        <p:txBody>
+          <a:bodyPr/>
+          <a:lstStyle/>
+          <a:p>
+            <a:fld id="{6C6AE60A-B69C-4790-82F7-3882EDF23186}" type="slidenum">
+              <a:rPr lang="de-DE" smtClean="0"/>
+              <a:t>16</a:t>
+            </a:fld>
+            <a:endParaRPr lang="de-DE"/>
+          </a:p>
+        </p:txBody>
+      </p:sp>
     </p:spTree>
     <p:extLst>
       <p:ext uri="{BB962C8B-B14F-4D97-AF65-F5344CB8AC3E}">
@@ -10000,6 +10185,29 @@
           </a:extLst>
         </p:spPr>
       </p:pic>
+      <p:sp>
+        <p:nvSpPr>
+          <p:cNvPr id="4" name="Foliennummernplatzhalter 3"/>
+          <p:cNvSpPr>
+            <a:spLocks noGrp="1"/>
+          </p:cNvSpPr>
+          <p:nvPr>
+            <p:ph type="sldNum" sz="quarter" idx="12"/>
+          </p:nvPr>
+        </p:nvSpPr>
+        <p:spPr/>
+        <p:txBody>
+          <a:bodyPr/>
+          <a:lstStyle/>
+          <a:p>
+            <a:fld id="{6C6AE60A-B69C-4790-82F7-3882EDF23186}" type="slidenum">
+              <a:rPr lang="de-DE" smtClean="0"/>
+              <a:t>17</a:t>
+            </a:fld>
+            <a:endParaRPr lang="de-DE"/>
+          </a:p>
+        </p:txBody>
+      </p:sp>
     </p:spTree>
     <p:extLst>
       <p:ext uri="{BB962C8B-B14F-4D97-AF65-F5344CB8AC3E}">
@@ -10125,6 +10333,29 @@
           </a:extLst>
         </p:spPr>
       </p:pic>
+      <p:sp>
+        <p:nvSpPr>
+          <p:cNvPr id="5" name="Foliennummernplatzhalter 4"/>
+          <p:cNvSpPr>
+            <a:spLocks noGrp="1"/>
+          </p:cNvSpPr>
+          <p:nvPr>
+            <p:ph type="sldNum" sz="quarter" idx="12"/>
+          </p:nvPr>
+        </p:nvSpPr>
+        <p:spPr/>
+        <p:txBody>
+          <a:bodyPr/>
+          <a:lstStyle/>
+          <a:p>
+            <a:fld id="{6C6AE60A-B69C-4790-82F7-3882EDF23186}" type="slidenum">
+              <a:rPr lang="de-DE" smtClean="0"/>
+              <a:t>18</a:t>
+            </a:fld>
+            <a:endParaRPr lang="de-DE"/>
+          </a:p>
+        </p:txBody>
+      </p:sp>
     </p:spTree>
     <p:extLst>
       <p:ext uri="{BB962C8B-B14F-4D97-AF65-F5344CB8AC3E}">
@@ -10293,6 +10524,29 @@
           </a:extLst>
         </p:spPr>
       </p:pic>
+      <p:sp>
+        <p:nvSpPr>
+          <p:cNvPr id="2" name="Foliennummernplatzhalter 1"/>
+          <p:cNvSpPr>
+            <a:spLocks noGrp="1"/>
+          </p:cNvSpPr>
+          <p:nvPr>
+            <p:ph type="sldNum" sz="quarter" idx="12"/>
+          </p:nvPr>
+        </p:nvSpPr>
+        <p:spPr/>
+        <p:txBody>
+          <a:bodyPr/>
+          <a:lstStyle/>
+          <a:p>
+            <a:fld id="{6C6AE60A-B69C-4790-82F7-3882EDF23186}" type="slidenum">
+              <a:rPr lang="de-DE" smtClean="0"/>
+              <a:t>19</a:t>
+            </a:fld>
+            <a:endParaRPr lang="de-DE"/>
+          </a:p>
+        </p:txBody>
+      </p:sp>
     </p:spTree>
     <p:extLst>
       <p:ext uri="{BB962C8B-B14F-4D97-AF65-F5344CB8AC3E}">
@@ -10505,6 +10759,29 @@
           <a:extLst/>
         </p:spPr>
       </p:pic>
+      <p:sp>
+        <p:nvSpPr>
+          <p:cNvPr id="4" name="Foliennummernplatzhalter 3"/>
+          <p:cNvSpPr>
+            <a:spLocks noGrp="1"/>
+          </p:cNvSpPr>
+          <p:nvPr>
+            <p:ph type="sldNum" sz="quarter" idx="12"/>
+          </p:nvPr>
+        </p:nvSpPr>
+        <p:spPr/>
+        <p:txBody>
+          <a:bodyPr/>
+          <a:lstStyle/>
+          <a:p>
+            <a:fld id="{6C6AE60A-B69C-4790-82F7-3882EDF23186}" type="slidenum">
+              <a:rPr lang="de-DE" smtClean="0"/>
+              <a:t>2</a:t>
+            </a:fld>
+            <a:endParaRPr lang="de-DE"/>
+          </a:p>
+        </p:txBody>
+      </p:sp>
     </p:spTree>
     <p:extLst>
       <p:ext uri="{BB962C8B-B14F-4D97-AF65-F5344CB8AC3E}">
@@ -10635,6 +10912,29 @@
           </a:extLst>
         </p:spPr>
       </p:pic>
+      <p:sp>
+        <p:nvSpPr>
+          <p:cNvPr id="2" name="Foliennummernplatzhalter 1"/>
+          <p:cNvSpPr>
+            <a:spLocks noGrp="1"/>
+          </p:cNvSpPr>
+          <p:nvPr>
+            <p:ph type="sldNum" sz="quarter" idx="12"/>
+          </p:nvPr>
+        </p:nvSpPr>
+        <p:spPr/>
+        <p:txBody>
+          <a:bodyPr/>
+          <a:lstStyle/>
+          <a:p>
+            <a:fld id="{6C6AE60A-B69C-4790-82F7-3882EDF23186}" type="slidenum">
+              <a:rPr lang="de-DE" smtClean="0"/>
+              <a:t>20</a:t>
+            </a:fld>
+            <a:endParaRPr lang="de-DE"/>
+          </a:p>
+        </p:txBody>
+      </p:sp>
     </p:spTree>
     <p:extLst>
       <p:ext uri="{BB962C8B-B14F-4D97-AF65-F5344CB8AC3E}">
@@ -10696,8 +10996,8 @@
         </p:blipFill>
         <p:spPr bwMode="auto">
           <a:xfrm>
-            <a:off x="281073" y="44624"/>
-            <a:ext cx="8611407" cy="6741369"/>
+            <a:off x="467544" y="44625"/>
+            <a:ext cx="8280920" cy="6482650"/>
           </a:xfrm>
           <a:prstGeom prst="rect">
             <a:avLst/>
@@ -10737,6 +11037,29 @@
           </a:extLst>
         </p:spPr>
       </p:pic>
+      <p:sp>
+        <p:nvSpPr>
+          <p:cNvPr id="2" name="Foliennummernplatzhalter 1"/>
+          <p:cNvSpPr>
+            <a:spLocks noGrp="1"/>
+          </p:cNvSpPr>
+          <p:nvPr>
+            <p:ph type="sldNum" sz="quarter" idx="12"/>
+          </p:nvPr>
+        </p:nvSpPr>
+        <p:spPr/>
+        <p:txBody>
+          <a:bodyPr/>
+          <a:lstStyle/>
+          <a:p>
+            <a:fld id="{6C6AE60A-B69C-4790-82F7-3882EDF23186}" type="slidenum">
+              <a:rPr lang="de-DE" smtClean="0"/>
+              <a:t>21</a:t>
+            </a:fld>
+            <a:endParaRPr lang="de-DE"/>
+          </a:p>
+        </p:txBody>
+      </p:sp>
     </p:spTree>
     <p:extLst>
       <p:ext uri="{BB962C8B-B14F-4D97-AF65-F5344CB8AC3E}">
@@ -10902,6 +11225,29 @@
           </a:p>
         </p:txBody>
       </p:sp>
+      <p:sp>
+        <p:nvSpPr>
+          <p:cNvPr id="4" name="Foliennummernplatzhalter 3"/>
+          <p:cNvSpPr>
+            <a:spLocks noGrp="1"/>
+          </p:cNvSpPr>
+          <p:nvPr>
+            <p:ph type="sldNum" sz="quarter" idx="12"/>
+          </p:nvPr>
+        </p:nvSpPr>
+        <p:spPr/>
+        <p:txBody>
+          <a:bodyPr/>
+          <a:lstStyle/>
+          <a:p>
+            <a:fld id="{6C6AE60A-B69C-4790-82F7-3882EDF23186}" type="slidenum">
+              <a:rPr lang="de-DE" smtClean="0"/>
+              <a:t>22</a:t>
+            </a:fld>
+            <a:endParaRPr lang="de-DE"/>
+          </a:p>
+        </p:txBody>
+      </p:sp>
     </p:spTree>
     <p:extLst>
       <p:ext uri="{BB962C8B-B14F-4D97-AF65-F5344CB8AC3E}">
@@ -10940,6 +11286,29 @@
           <a:chExt cx="0" cy="0"/>
         </a:xfrm>
       </p:grpSpPr>
+      <p:sp>
+        <p:nvSpPr>
+          <p:cNvPr id="4" name="Foliennummernplatzhalter 3"/>
+          <p:cNvSpPr>
+            <a:spLocks noGrp="1"/>
+          </p:cNvSpPr>
+          <p:nvPr>
+            <p:ph type="sldNum" sz="quarter" idx="12"/>
+          </p:nvPr>
+        </p:nvSpPr>
+        <p:spPr/>
+        <p:txBody>
+          <a:bodyPr/>
+          <a:lstStyle/>
+          <a:p>
+            <a:fld id="{6C6AE60A-B69C-4790-82F7-3882EDF23186}" type="slidenum">
+              <a:rPr lang="de-DE" smtClean="0"/>
+              <a:t>23</a:t>
+            </a:fld>
+            <a:endParaRPr lang="de-DE" dirty="0"/>
+          </a:p>
+        </p:txBody>
+      </p:sp>
       <p:grpSp>
         <p:nvGrpSpPr>
           <p:cNvPr id="3" name="Gruppieren 2"/>
@@ -11220,6 +11589,29 @@
           </a:extLst>
         </p:spPr>
       </p:pic>
+      <p:sp>
+        <p:nvSpPr>
+          <p:cNvPr id="2" name="Foliennummernplatzhalter 1"/>
+          <p:cNvSpPr>
+            <a:spLocks noGrp="1"/>
+          </p:cNvSpPr>
+          <p:nvPr>
+            <p:ph type="sldNum" sz="quarter" idx="12"/>
+          </p:nvPr>
+        </p:nvSpPr>
+        <p:spPr/>
+        <p:txBody>
+          <a:bodyPr/>
+          <a:lstStyle/>
+          <a:p>
+            <a:fld id="{6C6AE60A-B69C-4790-82F7-3882EDF23186}" type="slidenum">
+              <a:rPr lang="de-DE" smtClean="0"/>
+              <a:t>24</a:t>
+            </a:fld>
+            <a:endParaRPr lang="de-DE"/>
+          </a:p>
+        </p:txBody>
+      </p:sp>
     </p:spTree>
     <p:extLst>
       <p:ext uri="{BB962C8B-B14F-4D97-AF65-F5344CB8AC3E}">
@@ -11578,6 +11970,29 @@
           </p:txBody>
         </p:sp>
       </p:grpSp>
+      <p:sp>
+        <p:nvSpPr>
+          <p:cNvPr id="2" name="Foliennummernplatzhalter 1"/>
+          <p:cNvSpPr>
+            <a:spLocks noGrp="1"/>
+          </p:cNvSpPr>
+          <p:nvPr>
+            <p:ph type="sldNum" sz="quarter" idx="12"/>
+          </p:nvPr>
+        </p:nvSpPr>
+        <p:spPr/>
+        <p:txBody>
+          <a:bodyPr/>
+          <a:lstStyle/>
+          <a:p>
+            <a:fld id="{6C6AE60A-B69C-4790-82F7-3882EDF23186}" type="slidenum">
+              <a:rPr lang="de-DE" smtClean="0"/>
+              <a:t>25</a:t>
+            </a:fld>
+            <a:endParaRPr lang="de-DE"/>
+          </a:p>
+        </p:txBody>
+      </p:sp>
     </p:spTree>
     <p:extLst>
       <p:ext uri="{BB962C8B-B14F-4D97-AF65-F5344CB8AC3E}">
@@ -11767,6 +12182,29 @@
           </a:extLst>
         </p:spPr>
       </p:pic>
+      <p:sp>
+        <p:nvSpPr>
+          <p:cNvPr id="4" name="Foliennummernplatzhalter 3"/>
+          <p:cNvSpPr>
+            <a:spLocks noGrp="1"/>
+          </p:cNvSpPr>
+          <p:nvPr>
+            <p:ph type="sldNum" sz="quarter" idx="12"/>
+          </p:nvPr>
+        </p:nvSpPr>
+        <p:spPr/>
+        <p:txBody>
+          <a:bodyPr/>
+          <a:lstStyle/>
+          <a:p>
+            <a:fld id="{6C6AE60A-B69C-4790-82F7-3882EDF23186}" type="slidenum">
+              <a:rPr lang="de-DE" smtClean="0"/>
+              <a:t>26</a:t>
+            </a:fld>
+            <a:endParaRPr lang="de-DE"/>
+          </a:p>
+        </p:txBody>
+      </p:sp>
     </p:spTree>
     <p:extLst>
       <p:ext uri="{BB962C8B-B14F-4D97-AF65-F5344CB8AC3E}">
@@ -11869,6 +12307,29 @@
           </a:extLst>
         </p:spPr>
       </p:pic>
+      <p:sp>
+        <p:nvSpPr>
+          <p:cNvPr id="2" name="Foliennummernplatzhalter 1"/>
+          <p:cNvSpPr>
+            <a:spLocks noGrp="1"/>
+          </p:cNvSpPr>
+          <p:nvPr>
+            <p:ph type="sldNum" sz="quarter" idx="12"/>
+          </p:nvPr>
+        </p:nvSpPr>
+        <p:spPr/>
+        <p:txBody>
+          <a:bodyPr/>
+          <a:lstStyle/>
+          <a:p>
+            <a:fld id="{6C6AE60A-B69C-4790-82F7-3882EDF23186}" type="slidenum">
+              <a:rPr lang="de-DE" smtClean="0"/>
+              <a:t>27</a:t>
+            </a:fld>
+            <a:endParaRPr lang="de-DE"/>
+          </a:p>
+        </p:txBody>
+      </p:sp>
     </p:spTree>
     <p:extLst>
       <p:ext uri="{BB962C8B-B14F-4D97-AF65-F5344CB8AC3E}">
@@ -12037,6 +12498,29 @@
           </a:extLst>
         </p:spPr>
       </p:pic>
+      <p:sp>
+        <p:nvSpPr>
+          <p:cNvPr id="2" name="Foliennummernplatzhalter 1"/>
+          <p:cNvSpPr>
+            <a:spLocks noGrp="1"/>
+          </p:cNvSpPr>
+          <p:nvPr>
+            <p:ph type="sldNum" sz="quarter" idx="12"/>
+          </p:nvPr>
+        </p:nvSpPr>
+        <p:spPr/>
+        <p:txBody>
+          <a:bodyPr/>
+          <a:lstStyle/>
+          <a:p>
+            <a:fld id="{6C6AE60A-B69C-4790-82F7-3882EDF23186}" type="slidenum">
+              <a:rPr lang="de-DE" smtClean="0"/>
+              <a:t>28</a:t>
+            </a:fld>
+            <a:endParaRPr lang="de-DE"/>
+          </a:p>
+        </p:txBody>
+      </p:sp>
     </p:spTree>
     <p:extLst>
       <p:ext uri="{BB962C8B-B14F-4D97-AF65-F5344CB8AC3E}">
@@ -12255,6 +12739,29 @@
           </a:p>
         </p:txBody>
       </p:sp>
+      <p:sp>
+        <p:nvSpPr>
+          <p:cNvPr id="2" name="Foliennummernplatzhalter 1"/>
+          <p:cNvSpPr>
+            <a:spLocks noGrp="1"/>
+          </p:cNvSpPr>
+          <p:nvPr>
+            <p:ph type="sldNum" sz="quarter" idx="12"/>
+          </p:nvPr>
+        </p:nvSpPr>
+        <p:spPr/>
+        <p:txBody>
+          <a:bodyPr/>
+          <a:lstStyle/>
+          <a:p>
+            <a:fld id="{6C6AE60A-B69C-4790-82F7-3882EDF23186}" type="slidenum">
+              <a:rPr lang="de-DE" smtClean="0"/>
+              <a:t>29</a:t>
+            </a:fld>
+            <a:endParaRPr lang="de-DE"/>
+          </a:p>
+        </p:txBody>
+      </p:sp>
     </p:spTree>
     <p:extLst>
       <p:ext uri="{BB962C8B-B14F-4D97-AF65-F5344CB8AC3E}">
@@ -12407,6 +12914,29 @@
           </a:extLst>
         </p:spPr>
       </p:pic>
+      <p:sp>
+        <p:nvSpPr>
+          <p:cNvPr id="4" name="Foliennummernplatzhalter 3"/>
+          <p:cNvSpPr>
+            <a:spLocks noGrp="1"/>
+          </p:cNvSpPr>
+          <p:nvPr>
+            <p:ph type="sldNum" sz="quarter" idx="12"/>
+          </p:nvPr>
+        </p:nvSpPr>
+        <p:spPr/>
+        <p:txBody>
+          <a:bodyPr/>
+          <a:lstStyle/>
+          <a:p>
+            <a:fld id="{6C6AE60A-B69C-4790-82F7-3882EDF23186}" type="slidenum">
+              <a:rPr lang="de-DE" smtClean="0"/>
+              <a:t>3</a:t>
+            </a:fld>
+            <a:endParaRPr lang="de-DE"/>
+          </a:p>
+        </p:txBody>
+      </p:sp>
     </p:spTree>
     <p:extLst>
       <p:ext uri="{BB962C8B-B14F-4D97-AF65-F5344CB8AC3E}">
@@ -12544,6 +13074,29 @@
               <a:t>Zusammenfassung</a:t>
             </a:r>
             <a:endParaRPr lang="de-CH" dirty="0"/>
+          </a:p>
+        </p:txBody>
+      </p:sp>
+      <p:sp>
+        <p:nvSpPr>
+          <p:cNvPr id="4" name="Foliennummernplatzhalter 3"/>
+          <p:cNvSpPr>
+            <a:spLocks noGrp="1"/>
+          </p:cNvSpPr>
+          <p:nvPr>
+            <p:ph type="sldNum" sz="quarter" idx="12"/>
+          </p:nvPr>
+        </p:nvSpPr>
+        <p:spPr/>
+        <p:txBody>
+          <a:bodyPr/>
+          <a:lstStyle/>
+          <a:p>
+            <a:fld id="{6C6AE60A-B69C-4790-82F7-3882EDF23186}" type="slidenum">
+              <a:rPr lang="de-DE" smtClean="0"/>
+              <a:t>30</a:t>
+            </a:fld>
+            <a:endParaRPr lang="de-DE"/>
           </a:p>
         </p:txBody>
       </p:sp>
@@ -12684,6 +13237,29 @@
           <a:extLst/>
         </p:spPr>
       </p:pic>
+      <p:sp>
+        <p:nvSpPr>
+          <p:cNvPr id="4" name="Foliennummernplatzhalter 3"/>
+          <p:cNvSpPr>
+            <a:spLocks noGrp="1"/>
+          </p:cNvSpPr>
+          <p:nvPr>
+            <p:ph type="sldNum" sz="quarter" idx="12"/>
+          </p:nvPr>
+        </p:nvSpPr>
+        <p:spPr/>
+        <p:txBody>
+          <a:bodyPr/>
+          <a:lstStyle/>
+          <a:p>
+            <a:fld id="{6C6AE60A-B69C-4790-82F7-3882EDF23186}" type="slidenum">
+              <a:rPr lang="de-DE" smtClean="0"/>
+              <a:t>31</a:t>
+            </a:fld>
+            <a:endParaRPr lang="de-DE"/>
+          </a:p>
+        </p:txBody>
+      </p:sp>
     </p:spTree>
     <p:extLst>
       <p:ext uri="{BB962C8B-B14F-4D97-AF65-F5344CB8AC3E}">
@@ -12878,6 +13454,29 @@
           <a:extLst/>
         </p:spPr>
       </p:pic>
+      <p:sp>
+        <p:nvSpPr>
+          <p:cNvPr id="4" name="Foliennummernplatzhalter 3"/>
+          <p:cNvSpPr>
+            <a:spLocks noGrp="1"/>
+          </p:cNvSpPr>
+          <p:nvPr>
+            <p:ph type="sldNum" sz="quarter" idx="12"/>
+          </p:nvPr>
+        </p:nvSpPr>
+        <p:spPr/>
+        <p:txBody>
+          <a:bodyPr/>
+          <a:lstStyle/>
+          <a:p>
+            <a:fld id="{6C6AE60A-B69C-4790-82F7-3882EDF23186}" type="slidenum">
+              <a:rPr lang="de-DE" smtClean="0"/>
+              <a:t>4</a:t>
+            </a:fld>
+            <a:endParaRPr lang="de-DE"/>
+          </a:p>
+        </p:txBody>
+      </p:sp>
     </p:spTree>
     <p:extLst>
       <p:ext uri="{BB962C8B-B14F-4D97-AF65-F5344CB8AC3E}">
@@ -12995,6 +13594,29 @@
           </a:p>
         </p:txBody>
       </p:sp>
+      <p:sp>
+        <p:nvSpPr>
+          <p:cNvPr id="3" name="Foliennummernplatzhalter 2"/>
+          <p:cNvSpPr>
+            <a:spLocks noGrp="1"/>
+          </p:cNvSpPr>
+          <p:nvPr>
+            <p:ph type="sldNum" sz="quarter" idx="12"/>
+          </p:nvPr>
+        </p:nvSpPr>
+        <p:spPr/>
+        <p:txBody>
+          <a:bodyPr/>
+          <a:lstStyle/>
+          <a:p>
+            <a:fld id="{6C6AE60A-B69C-4790-82F7-3882EDF23186}" type="slidenum">
+              <a:rPr lang="de-DE" smtClean="0"/>
+              <a:t>5</a:t>
+            </a:fld>
+            <a:endParaRPr lang="de-DE"/>
+          </a:p>
+        </p:txBody>
+      </p:sp>
     </p:spTree>
     <p:extLst>
       <p:ext uri="{BB962C8B-B14F-4D97-AF65-F5344CB8AC3E}">
@@ -13052,7 +13674,7 @@
         </p:blipFill>
         <p:spPr bwMode="auto">
           <a:xfrm>
-            <a:off x="220580" y="260648"/>
+            <a:off x="107504" y="260648"/>
             <a:ext cx="8712968" cy="8191680"/>
           </a:xfrm>
           <a:prstGeom prst="rect">
@@ -13106,6 +13728,29 @@
           <a:p>
             <a:pPr algn="ctr"/>
             <a:endParaRPr lang="de-CH"/>
+          </a:p>
+        </p:txBody>
+      </p:sp>
+      <p:sp>
+        <p:nvSpPr>
+          <p:cNvPr id="3" name="Foliennummernplatzhalter 2"/>
+          <p:cNvSpPr>
+            <a:spLocks noGrp="1"/>
+          </p:cNvSpPr>
+          <p:nvPr>
+            <p:ph type="sldNum" sz="quarter" idx="12"/>
+          </p:nvPr>
+        </p:nvSpPr>
+        <p:spPr/>
+        <p:txBody>
+          <a:bodyPr/>
+          <a:lstStyle/>
+          <a:p>
+            <a:fld id="{6C6AE60A-B69C-4790-82F7-3882EDF23186}" type="slidenum">
+              <a:rPr lang="de-DE" smtClean="0"/>
+              <a:t>6</a:t>
+            </a:fld>
+            <a:endParaRPr lang="de-DE"/>
           </a:p>
         </p:txBody>
       </p:sp>
@@ -13433,6 +14078,29 @@
           <a:extLst/>
         </p:spPr>
       </p:pic>
+      <p:sp>
+        <p:nvSpPr>
+          <p:cNvPr id="4" name="Foliennummernplatzhalter 3"/>
+          <p:cNvSpPr>
+            <a:spLocks noGrp="1"/>
+          </p:cNvSpPr>
+          <p:nvPr>
+            <p:ph type="sldNum" sz="quarter" idx="12"/>
+          </p:nvPr>
+        </p:nvSpPr>
+        <p:spPr/>
+        <p:txBody>
+          <a:bodyPr/>
+          <a:lstStyle/>
+          <a:p>
+            <a:fld id="{6C6AE60A-B69C-4790-82F7-3882EDF23186}" type="slidenum">
+              <a:rPr lang="de-DE" smtClean="0"/>
+              <a:t>7</a:t>
+            </a:fld>
+            <a:endParaRPr lang="de-DE"/>
+          </a:p>
+        </p:txBody>
+      </p:sp>
     </p:spTree>
     <p:extLst>
       <p:ext uri="{BB962C8B-B14F-4D97-AF65-F5344CB8AC3E}">
@@ -13652,6 +14320,29 @@
           </a:extLst>
         </p:spPr>
       </p:pic>
+      <p:sp>
+        <p:nvSpPr>
+          <p:cNvPr id="2" name="Foliennummernplatzhalter 1"/>
+          <p:cNvSpPr>
+            <a:spLocks noGrp="1"/>
+          </p:cNvSpPr>
+          <p:nvPr>
+            <p:ph type="sldNum" sz="quarter" idx="12"/>
+          </p:nvPr>
+        </p:nvSpPr>
+        <p:spPr/>
+        <p:txBody>
+          <a:bodyPr/>
+          <a:lstStyle/>
+          <a:p>
+            <a:fld id="{6C6AE60A-B69C-4790-82F7-3882EDF23186}" type="slidenum">
+              <a:rPr lang="de-DE" smtClean="0"/>
+              <a:t>8</a:t>
+            </a:fld>
+            <a:endParaRPr lang="de-DE"/>
+          </a:p>
+        </p:txBody>
+      </p:sp>
     </p:spTree>
     <p:extLst>
       <p:ext uri="{BB962C8B-B14F-4D97-AF65-F5344CB8AC3E}">
@@ -13846,6 +14537,29 @@
           </a:extLst>
         </p:spPr>
       </p:pic>
+      <p:sp>
+        <p:nvSpPr>
+          <p:cNvPr id="4" name="Foliennummernplatzhalter 3"/>
+          <p:cNvSpPr>
+            <a:spLocks noGrp="1"/>
+          </p:cNvSpPr>
+          <p:nvPr>
+            <p:ph type="sldNum" sz="quarter" idx="12"/>
+          </p:nvPr>
+        </p:nvSpPr>
+        <p:spPr/>
+        <p:txBody>
+          <a:bodyPr/>
+          <a:lstStyle/>
+          <a:p>
+            <a:fld id="{6C6AE60A-B69C-4790-82F7-3882EDF23186}" type="slidenum">
+              <a:rPr lang="de-DE" smtClean="0"/>
+              <a:t>9</a:t>
+            </a:fld>
+            <a:endParaRPr lang="de-DE"/>
+          </a:p>
+        </p:txBody>
+      </p:sp>
     </p:spTree>
     <p:extLst>
       <p:ext uri="{BB962C8B-B14F-4D97-AF65-F5344CB8AC3E}">

--- a/doc/05_Design/praesentation_ms3.pptx
+++ b/doc/05_Design/praesentation_ms3.pptx
@@ -561,12 +561,8 @@
               <a:buChar char="•"/>
             </a:pPr>
             <a:r>
-              <a:rPr lang="de-CH" baseline="0" dirty="0" err="1" smtClean="0"/>
-              <a:t>Digi</a:t>
-            </a:r>
-            <a:r>
               <a:rPr lang="de-CH" baseline="0" dirty="0" smtClean="0"/>
-              <a:t>: Browser mit mrt.elmermx.ch</a:t>
+              <a:t>Christina Laptop: Browser mit mrt.elmermx.ch</a:t>
             </a:r>
           </a:p>
           <a:p>
@@ -1202,8 +1198,8 @@
           <a:lstStyle/>
           <a:p>
             <a:r>
-              <a:rPr lang="de-CH" dirty="0" smtClean="0"/>
-              <a:t>Diego</a:t>
+              <a:rPr lang="de-CH" dirty="0" err="1" smtClean="0"/>
+              <a:t>Digi</a:t>
             </a:r>
             <a:endParaRPr lang="de-CH" dirty="0"/>
           </a:p>
@@ -1290,8 +1286,8 @@
           <a:lstStyle/>
           <a:p>
             <a:r>
-              <a:rPr lang="de-CH" dirty="0" smtClean="0"/>
-              <a:t>Diego</a:t>
+              <a:rPr lang="de-CH" dirty="0" err="1" smtClean="0"/>
+              <a:t>Digi</a:t>
             </a:r>
             <a:endParaRPr lang="de-CH" dirty="0"/>
           </a:p>
@@ -1377,29 +1373,10 @@
           <a:bodyPr/>
           <a:lstStyle/>
           <a:p>
-            <a:pPr marL="0" marR="0" indent="0" algn="l" defTabSz="914400" rtl="0" eaLnBrk="1" fontAlgn="auto" latinLnBrk="0" hangingPunct="1">
-              <a:lnSpc>
-                <a:spcPct val="100000"/>
-              </a:lnSpc>
-              <a:spcBef>
-                <a:spcPts val="0"/>
-              </a:spcBef>
-              <a:spcAft>
-                <a:spcPts val="0"/>
-              </a:spcAft>
-              <a:buClrTx/>
-              <a:buSzTx/>
-              <a:buFontTx/>
-              <a:buNone/>
-              <a:tabLst/>
-              <a:defRPr/>
-            </a:pPr>
-            <a:r>
-              <a:rPr lang="de-CH" dirty="0" smtClean="0"/>
-              <a:t>Diego</a:t>
-            </a:r>
-          </a:p>
-          <a:p>
+            <a:r>
+              <a:rPr lang="de-CH" dirty="0" err="1" smtClean="0"/>
+              <a:t>Digi</a:t>
+            </a:r>
             <a:endParaRPr lang="de-CH" dirty="0"/>
           </a:p>
         </p:txBody>
@@ -1485,8 +1462,8 @@
           <a:lstStyle/>
           <a:p>
             <a:r>
-              <a:rPr lang="de-CH" dirty="0" smtClean="0"/>
-              <a:t>Diego</a:t>
+              <a:rPr lang="de-CH" dirty="0" err="1" smtClean="0"/>
+              <a:t>Digi</a:t>
             </a:r>
             <a:endParaRPr lang="de-CH" dirty="0"/>
           </a:p>
@@ -1573,8 +1550,8 @@
           <a:lstStyle/>
           <a:p>
             <a:r>
-              <a:rPr lang="de-CH" dirty="0" smtClean="0"/>
-              <a:t>Diego</a:t>
+              <a:rPr lang="de-CH" dirty="0" err="1" smtClean="0"/>
+              <a:t>Digi</a:t>
             </a:r>
             <a:endParaRPr lang="de-CH" dirty="0"/>
           </a:p>
@@ -1661,8 +1638,8 @@
           <a:lstStyle/>
           <a:p>
             <a:r>
-              <a:rPr lang="de-CH" dirty="0" smtClean="0"/>
-              <a:t>Diego</a:t>
+              <a:rPr lang="de-CH" dirty="0" err="1" smtClean="0"/>
+              <a:t>Digi</a:t>
             </a:r>
             <a:endParaRPr lang="de-CH" dirty="0"/>
           </a:p>
@@ -2400,12 +2377,8 @@
           </a:p>
           <a:p>
             <a:r>
-              <a:rPr lang="de-CH" baseline="0" dirty="0" err="1" smtClean="0"/>
-              <a:t>Digi</a:t>
-            </a:r>
-            <a:r>
               <a:rPr lang="de-CH" baseline="0" dirty="0" smtClean="0"/>
-              <a:t>, Browser</a:t>
+              <a:t>Delia, Browser</a:t>
             </a:r>
             <a:endParaRPr lang="de-CH" dirty="0"/>
           </a:p>
@@ -2492,8 +2465,8 @@
           <a:lstStyle/>
           <a:p>
             <a:r>
-              <a:rPr lang="de-CH" dirty="0" smtClean="0"/>
-              <a:t>Diego</a:t>
+              <a:rPr lang="de-CH" dirty="0" err="1" smtClean="0"/>
+              <a:t>Digi</a:t>
             </a:r>
             <a:endParaRPr lang="de-CH" dirty="0"/>
           </a:p>
@@ -2580,8 +2553,8 @@
           <a:lstStyle/>
           <a:p>
             <a:r>
-              <a:rPr lang="de-CH" dirty="0" smtClean="0"/>
-              <a:t>Diego</a:t>
+              <a:rPr lang="de-CH" dirty="0" err="1" smtClean="0"/>
+              <a:t>Digi</a:t>
             </a:r>
             <a:endParaRPr lang="de-CH" dirty="0"/>
           </a:p>
@@ -2668,8 +2641,8 @@
           <a:lstStyle/>
           <a:p>
             <a:r>
-              <a:rPr lang="de-CH" dirty="0" smtClean="0"/>
-              <a:t>Diego</a:t>
+              <a:rPr lang="de-CH" dirty="0" err="1" smtClean="0"/>
+              <a:t>Digi</a:t>
             </a:r>
             <a:endParaRPr lang="de-CH" dirty="0"/>
           </a:p>
@@ -12991,17 +12964,10 @@
           <a:lstStyle/>
           <a:p>
             <a:r>
-              <a:rPr lang="de-CH" dirty="0"/>
-              <a:t>Technische </a:t>
-            </a:r>
-            <a:r>
               <a:rPr lang="de-CH" dirty="0" smtClean="0"/>
-              <a:t>Risiken sind </a:t>
-            </a:r>
-            <a:r>
-              <a:rPr lang="de-CH" dirty="0"/>
-              <a:t>eliminieren</a:t>
-            </a:r>
+              <a:t>Technische Risiken sind eliminiert</a:t>
+            </a:r>
+            <a:endParaRPr lang="de-CH" dirty="0"/>
           </a:p>
           <a:p>
             <a:r>
